--- a/my_answer/Module_2_Template_slide.pptx
+++ b/my_answer/Module_2_Template_slide.pptx
@@ -2,22 +2,22 @@
 <file path=ppt/presentation.xml><?xml version="1.0" encoding="utf-8"?>
 <p:presentation xmlns:a="http://schemas.openxmlformats.org/drawingml/2006/main" xmlns:r="http://schemas.openxmlformats.org/officeDocument/2006/relationships" xmlns:p="http://schemas.openxmlformats.org/presentationml/2006/main">
   <p:sldMasterIdLst>
-    <p:sldMasterId id="2147483648" r:id="rId5"/>
+    <p:sldMasterId id="2147483648" r:id="rId1"/>
   </p:sldMasterIdLst>
   <p:notesMasterIdLst>
-    <p:notesMasterId r:id="rId7"/>
+    <p:notesMasterId r:id="rId10"/>
   </p:notesMasterIdLst>
   <p:sldIdLst>
-    <p:sldId id="256" r:id="rId8"/>
-    <p:sldId id="257" r:id="rId9"/>
-    <p:sldId id="258" r:id="rId10"/>
-    <p:sldId id="259" r:id="rId11"/>
-    <p:sldId id="260" r:id="rId12"/>
-    <p:sldId id="261" r:id="rId13"/>
-    <p:sldId id="262" r:id="rId14"/>
-    <p:sldId id="263" r:id="rId15"/>
+    <p:sldId id="256" r:id="rId2"/>
+    <p:sldId id="257" r:id="rId3"/>
+    <p:sldId id="258" r:id="rId4"/>
+    <p:sldId id="259" r:id="rId5"/>
+    <p:sldId id="260" r:id="rId6"/>
+    <p:sldId id="261" r:id="rId7"/>
+    <p:sldId id="262" r:id="rId8"/>
+    <p:sldId id="263" r:id="rId9"/>
   </p:sldIdLst>
-  <p:sldSz cx="9144000" cy="5143500"/>
+  <p:sldSz cx="9144000" cy="5143500" type="screen16x9"/>
   <p:notesSz cx="6858000" cy="9144000"/>
   <p:defaultTextStyle>
     <a:defPPr marL="0" marR="0" indent="0" algn="l" defTabSz="914400" rtl="0" fontAlgn="auto" latinLnBrk="1" hangingPunct="0">
@@ -35,7 +35,7 @@
       <a:buFontTx/>
       <a:buNone/>
       <a:tabLst/>
-      <a:defRPr b="0" baseline="0" cap="none" i="0" spc="0" strike="noStrike" sz="1800" u="none" kumimoji="0" normalizeH="0">
+      <a:defRPr kumimoji="0" sz="1800" b="0" i="0" u="none" strike="noStrike" cap="none" spc="0" normalizeH="0" baseline="0">
         <a:ln>
           <a:noFill/>
         </a:ln>
@@ -61,7 +61,7 @@
       <a:buFontTx/>
       <a:buNone/>
       <a:tabLst/>
-      <a:defRPr b="0" baseline="0" cap="none" i="0" spc="0" strike="noStrike" sz="1400" u="none" kumimoji="0" normalizeH="0">
+      <a:defRPr kumimoji="0" sz="1400" b="0" i="0" u="none" strike="noStrike" cap="none" spc="0" normalizeH="0" baseline="0">
         <a:ln>
           <a:noFill/>
         </a:ln>
@@ -91,7 +91,7 @@
       <a:buFontTx/>
       <a:buNone/>
       <a:tabLst/>
-      <a:defRPr b="0" baseline="0" cap="none" i="0" spc="0" strike="noStrike" sz="1400" u="none" kumimoji="0" normalizeH="0">
+      <a:defRPr kumimoji="0" sz="1400" b="0" i="0" u="none" strike="noStrike" cap="none" spc="0" normalizeH="0" baseline="0">
         <a:ln>
           <a:noFill/>
         </a:ln>
@@ -121,7 +121,7 @@
       <a:buFontTx/>
       <a:buNone/>
       <a:tabLst/>
-      <a:defRPr b="0" baseline="0" cap="none" i="0" spc="0" strike="noStrike" sz="1400" u="none" kumimoji="0" normalizeH="0">
+      <a:defRPr kumimoji="0" sz="1400" b="0" i="0" u="none" strike="noStrike" cap="none" spc="0" normalizeH="0" baseline="0">
         <a:ln>
           <a:noFill/>
         </a:ln>
@@ -151,7 +151,7 @@
       <a:buFontTx/>
       <a:buNone/>
       <a:tabLst/>
-      <a:defRPr b="0" baseline="0" cap="none" i="0" spc="0" strike="noStrike" sz="1400" u="none" kumimoji="0" normalizeH="0">
+      <a:defRPr kumimoji="0" sz="1400" b="0" i="0" u="none" strike="noStrike" cap="none" spc="0" normalizeH="0" baseline="0">
         <a:ln>
           <a:noFill/>
         </a:ln>
@@ -181,7 +181,7 @@
       <a:buFontTx/>
       <a:buNone/>
       <a:tabLst/>
-      <a:defRPr b="0" baseline="0" cap="none" i="0" spc="0" strike="noStrike" sz="1400" u="none" kumimoji="0" normalizeH="0">
+      <a:defRPr kumimoji="0" sz="1400" b="0" i="0" u="none" strike="noStrike" cap="none" spc="0" normalizeH="0" baseline="0">
         <a:ln>
           <a:noFill/>
         </a:ln>
@@ -211,7 +211,7 @@
       <a:buFontTx/>
       <a:buNone/>
       <a:tabLst/>
-      <a:defRPr b="0" baseline="0" cap="none" i="0" spc="0" strike="noStrike" sz="1400" u="none" kumimoji="0" normalizeH="0">
+      <a:defRPr kumimoji="0" sz="1400" b="0" i="0" u="none" strike="noStrike" cap="none" spc="0" normalizeH="0" baseline="0">
         <a:ln>
           <a:noFill/>
         </a:ln>
@@ -241,7 +241,7 @@
       <a:buFontTx/>
       <a:buNone/>
       <a:tabLst/>
-      <a:defRPr b="0" baseline="0" cap="none" i="0" spc="0" strike="noStrike" sz="1400" u="none" kumimoji="0" normalizeH="0">
+      <a:defRPr kumimoji="0" sz="1400" b="0" i="0" u="none" strike="noStrike" cap="none" spc="0" normalizeH="0" baseline="0">
         <a:ln>
           <a:noFill/>
         </a:ln>
@@ -271,7 +271,7 @@
       <a:buFontTx/>
       <a:buNone/>
       <a:tabLst/>
-      <a:defRPr b="0" baseline="0" cap="none" i="0" spc="0" strike="noStrike" sz="1400" u="none" kumimoji="0" normalizeH="0">
+      <a:defRPr kumimoji="0" sz="1400" b="0" i="0" u="none" strike="noStrike" cap="none" spc="0" normalizeH="0" baseline="0">
         <a:ln>
           <a:noFill/>
         </a:ln>
@@ -301,7 +301,7 @@
       <a:buFontTx/>
       <a:buNone/>
       <a:tabLst/>
-      <a:defRPr b="0" baseline="0" cap="none" i="0" spc="0" strike="noStrike" sz="1400" u="none" kumimoji="0" normalizeH="0">
+      <a:defRPr kumimoji="0" sz="1400" b="0" i="0" u="none" strike="noStrike" cap="none" spc="0" normalizeH="0" baseline="0">
         <a:ln>
           <a:noFill/>
         </a:ln>
@@ -320,13 +320,14 @@
 </p:presentation>
 </file>
 
-<file path=ppt/commentAuthors.xml><?xml version="1.0" encoding="utf-8"?>
-<p:cmAuthorLst xmlns:a="http://schemas.openxmlformats.org/drawingml/2006/main" xmlns:r="http://schemas.openxmlformats.org/officeDocument/2006/relationships" xmlns:p="http://schemas.openxmlformats.org/presentationml/2006/main"/>
-</file>
-
 <file path=ppt/notesMasters/notesMaster1.xml><?xml version="1.0" encoding="utf-8"?>
 <p:notesMaster xmlns:a="http://schemas.openxmlformats.org/drawingml/2006/main" xmlns:r="http://schemas.openxmlformats.org/officeDocument/2006/relationships" xmlns:p="http://schemas.openxmlformats.org/presentationml/2006/main">
   <p:cSld>
+    <p:bg>
+      <p:bgRef idx="1001">
+        <a:schemeClr val="bg1"/>
+      </p:bgRef>
+    </p:bg>
     <p:spTree>
       <p:nvGrpSpPr>
         <p:cNvPr id="1" name=""/>
@@ -344,7 +345,9 @@
       <p:sp>
         <p:nvSpPr>
           <p:cNvPr id="106" name="Shape 106"/>
-          <p:cNvSpPr/>
+          <p:cNvSpPr>
+            <a:spLocks noGrp="1" noRot="1" noChangeAspect="1"/>
+          </p:cNvSpPr>
           <p:nvPr>
             <p:ph type="sldImg"/>
           </p:nvPr>
@@ -362,14 +365,16 @@
           <a:bodyPr/>
           <a:lstStyle/>
           <a:p>
-            <a:pPr/>
+            <a:endParaRPr/>
           </a:p>
         </p:txBody>
       </p:sp>
       <p:sp>
         <p:nvSpPr>
           <p:cNvPr id="107" name="Shape 107"/>
-          <p:cNvSpPr/>
+          <p:cNvSpPr>
+            <a:spLocks noGrp="1"/>
+          </p:cNvSpPr>
           <p:nvPr>
             <p:ph type="body" sz="quarter" idx="1"/>
           </p:nvPr>
@@ -387,7 +392,7 @@
           <a:bodyPr/>
           <a:lstStyle/>
           <a:p>
-            <a:pPr/>
+            <a:endParaRPr/>
           </a:p>
         </p:txBody>
       </p:sp>
@@ -472,7 +477,7 @@
 </file>
 
 <file path=ppt/slideLayouts/slideLayout1.xml><?xml version="1.0" encoding="utf-8"?>
-<p:sldLayout xmlns:a="http://schemas.openxmlformats.org/drawingml/2006/main" xmlns:r="http://schemas.openxmlformats.org/officeDocument/2006/relationships" xmlns:p="http://schemas.openxmlformats.org/presentationml/2006/main" type="title" showMasterSp="1" showMasterPhAnim="1">
+<p:sldLayout xmlns:a="http://schemas.openxmlformats.org/drawingml/2006/main" xmlns:r="http://schemas.openxmlformats.org/officeDocument/2006/relationships" xmlns:p="http://schemas.openxmlformats.org/presentationml/2006/main" type="title">
   <p:cSld name="TITLE">
     <p:spTree>
       <p:nvGrpSpPr>
@@ -491,7 +496,9 @@
       <p:sp>
         <p:nvSpPr>
           <p:cNvPr id="11" name="Title Text"/>
-          <p:cNvSpPr/>
+          <p:cNvSpPr>
+            <a:spLocks noGrp="1"/>
+          </p:cNvSpPr>
           <p:nvPr>
             <p:ph type="title"/>
           </p:nvPr>
@@ -513,7 +520,6 @@
             </a:lvl1pPr>
           </a:lstStyle>
           <a:p>
-            <a:pPr/>
             <a:r>
               <a:t>Title Text</a:t>
             </a:r>
@@ -523,7 +529,9 @@
       <p:sp>
         <p:nvSpPr>
           <p:cNvPr id="12" name="Body Level One…"/>
-          <p:cNvSpPr/>
+          <p:cNvSpPr>
+            <a:spLocks noGrp="1"/>
+          </p:cNvSpPr>
           <p:nvPr>
             <p:ph type="body" sz="quarter" idx="1"/>
           </p:nvPr>
@@ -592,7 +600,6 @@
             </a:lvl5pPr>
           </a:lstStyle>
           <a:p>
-            <a:pPr/>
             <a:r>
               <a:t>Body Level One</a:t>
             </a:r>
@@ -626,7 +633,9 @@
       <p:sp>
         <p:nvSpPr>
           <p:cNvPr id="13" name="Slide Number"/>
-          <p:cNvSpPr/>
+          <p:cNvSpPr>
+            <a:spLocks noGrp="1"/>
+          </p:cNvSpPr>
           <p:nvPr>
             <p:ph type="sldNum" sz="quarter" idx="2"/>
           </p:nvPr>
@@ -640,8 +649,10 @@
           <a:bodyPr/>
           <a:lstStyle/>
           <a:p>
-            <a:pPr/>
-            <a:fld id="{86CB4B4D-7CA3-9044-876B-883B54F8677D}" type="slidenum"/>
+            <a:fld id="{86CB4B4D-7CA3-9044-876B-883B54F8677D}" type="slidenum">
+              <a:t>‹#›</a:t>
+            </a:fld>
+            <a:endParaRPr/>
           </a:p>
         </p:txBody>
       </p:sp>
@@ -650,12 +661,12 @@
   <p:clrMapOvr>
     <a:masterClrMapping/>
   </p:clrMapOvr>
-  <p:transition xmlns:p14="http://schemas.microsoft.com/office/powerpoint/2010/main" spd="med" advClick="1"/>
+  <p:transition spd="med"/>
 </p:sldLayout>
 </file>
 
 <file path=ppt/slideLayouts/slideLayout10.xml><?xml version="1.0" encoding="utf-8"?>
-<p:sldLayout xmlns:a="http://schemas.openxmlformats.org/drawingml/2006/main" xmlns:r="http://schemas.openxmlformats.org/officeDocument/2006/relationships" xmlns:p="http://schemas.openxmlformats.org/presentationml/2006/main" type="tx" showMasterSp="1" showMasterPhAnim="1">
+<p:sldLayout xmlns:a="http://schemas.openxmlformats.org/drawingml/2006/main" xmlns:r="http://schemas.openxmlformats.org/officeDocument/2006/relationships" xmlns:p="http://schemas.openxmlformats.org/presentationml/2006/main" type="tx">
   <p:cSld name="BIG_NUMBER">
     <p:spTree>
       <p:nvGrpSpPr>
@@ -674,7 +685,9 @@
       <p:sp>
         <p:nvSpPr>
           <p:cNvPr id="91" name="Title Text"/>
-          <p:cNvSpPr/>
+          <p:cNvSpPr>
+            <a:spLocks noGrp="1"/>
+          </p:cNvSpPr>
           <p:nvPr>
             <p:ph type="title"/>
           </p:nvPr>
@@ -696,7 +709,6 @@
             </a:lvl1pPr>
           </a:lstStyle>
           <a:p>
-            <a:pPr/>
             <a:r>
               <a:t>Title Text</a:t>
             </a:r>
@@ -706,7 +718,9 @@
       <p:sp>
         <p:nvSpPr>
           <p:cNvPr id="92" name="Body Level One…"/>
-          <p:cNvSpPr/>
+          <p:cNvSpPr>
+            <a:spLocks noGrp="1"/>
+          </p:cNvSpPr>
           <p:nvPr>
             <p:ph type="body" sz="half" idx="1"/>
           </p:nvPr>
@@ -730,7 +744,6 @@
             <a:lvl5pPr algn="ctr"/>
           </a:lstStyle>
           <a:p>
-            <a:pPr/>
             <a:r>
               <a:t>Body Level One</a:t>
             </a:r>
@@ -764,7 +777,9 @@
       <p:sp>
         <p:nvSpPr>
           <p:cNvPr id="93" name="Slide Number"/>
-          <p:cNvSpPr/>
+          <p:cNvSpPr>
+            <a:spLocks noGrp="1"/>
+          </p:cNvSpPr>
           <p:nvPr>
             <p:ph type="sldNum" sz="quarter" idx="2"/>
           </p:nvPr>
@@ -778,8 +793,10 @@
           <a:bodyPr/>
           <a:lstStyle/>
           <a:p>
-            <a:pPr/>
-            <a:fld id="{86CB4B4D-7CA3-9044-876B-883B54F8677D}" type="slidenum"/>
+            <a:fld id="{86CB4B4D-7CA3-9044-876B-883B54F8677D}" type="slidenum">
+              <a:t>‹#›</a:t>
+            </a:fld>
+            <a:endParaRPr/>
           </a:p>
         </p:txBody>
       </p:sp>
@@ -788,12 +805,12 @@
   <p:clrMapOvr>
     <a:masterClrMapping/>
   </p:clrMapOvr>
-  <p:transition xmlns:p14="http://schemas.microsoft.com/office/powerpoint/2010/main" spd="med" advClick="1"/>
+  <p:transition spd="med"/>
 </p:sldLayout>
 </file>
 
 <file path=ppt/slideLayouts/slideLayout11.xml><?xml version="1.0" encoding="utf-8"?>
-<p:sldLayout xmlns:a="http://schemas.openxmlformats.org/drawingml/2006/main" xmlns:r="http://schemas.openxmlformats.org/officeDocument/2006/relationships" xmlns:p="http://schemas.openxmlformats.org/presentationml/2006/main" type="tx" showMasterSp="1" showMasterPhAnim="1">
+<p:sldLayout xmlns:a="http://schemas.openxmlformats.org/drawingml/2006/main" xmlns:r="http://schemas.openxmlformats.org/officeDocument/2006/relationships" xmlns:p="http://schemas.openxmlformats.org/presentationml/2006/main" type="tx">
   <p:cSld name="BLANK">
     <p:spTree>
       <p:nvGrpSpPr>
@@ -812,7 +829,9 @@
       <p:sp>
         <p:nvSpPr>
           <p:cNvPr id="100" name="Slide Number"/>
-          <p:cNvSpPr/>
+          <p:cNvSpPr>
+            <a:spLocks noGrp="1"/>
+          </p:cNvSpPr>
           <p:nvPr>
             <p:ph type="sldNum" sz="quarter" idx="2"/>
           </p:nvPr>
@@ -826,8 +845,10 @@
           <a:bodyPr/>
           <a:lstStyle/>
           <a:p>
-            <a:pPr/>
-            <a:fld id="{86CB4B4D-7CA3-9044-876B-883B54F8677D}" type="slidenum"/>
+            <a:fld id="{86CB4B4D-7CA3-9044-876B-883B54F8677D}" type="slidenum">
+              <a:t>‹#›</a:t>
+            </a:fld>
+            <a:endParaRPr/>
           </a:p>
         </p:txBody>
       </p:sp>
@@ -836,12 +857,12 @@
   <p:clrMapOvr>
     <a:masterClrMapping/>
   </p:clrMapOvr>
-  <p:transition xmlns:p14="http://schemas.microsoft.com/office/powerpoint/2010/main" spd="med" advClick="1"/>
+  <p:transition spd="med"/>
 </p:sldLayout>
 </file>
 
 <file path=ppt/slideLayouts/slideLayout2.xml><?xml version="1.0" encoding="utf-8"?>
-<p:sldLayout xmlns:a="http://schemas.openxmlformats.org/drawingml/2006/main" xmlns:r="http://schemas.openxmlformats.org/officeDocument/2006/relationships" xmlns:p="http://schemas.openxmlformats.org/presentationml/2006/main" type="tx" showMasterSp="1" showMasterPhAnim="1">
+<p:sldLayout xmlns:a="http://schemas.openxmlformats.org/drawingml/2006/main" xmlns:r="http://schemas.openxmlformats.org/officeDocument/2006/relationships" xmlns:p="http://schemas.openxmlformats.org/presentationml/2006/main" type="tx">
   <p:cSld name="SECTION_HEADER">
     <p:spTree>
       <p:nvGrpSpPr>
@@ -860,7 +881,9 @@
       <p:sp>
         <p:nvSpPr>
           <p:cNvPr id="20" name="Title Text"/>
-          <p:cNvSpPr/>
+          <p:cNvSpPr>
+            <a:spLocks noGrp="1"/>
+          </p:cNvSpPr>
           <p:nvPr>
             <p:ph type="title"/>
           </p:nvPr>
@@ -882,7 +905,6 @@
             </a:lvl1pPr>
           </a:lstStyle>
           <a:p>
-            <a:pPr/>
             <a:r>
               <a:t>Title Text</a:t>
             </a:r>
@@ -892,7 +914,9 @@
       <p:sp>
         <p:nvSpPr>
           <p:cNvPr id="21" name="Slide Number"/>
-          <p:cNvSpPr/>
+          <p:cNvSpPr>
+            <a:spLocks noGrp="1"/>
+          </p:cNvSpPr>
           <p:nvPr>
             <p:ph type="sldNum" sz="quarter" idx="2"/>
           </p:nvPr>
@@ -906,8 +930,10 @@
           <a:bodyPr/>
           <a:lstStyle/>
           <a:p>
-            <a:pPr/>
-            <a:fld id="{86CB4B4D-7CA3-9044-876B-883B54F8677D}" type="slidenum"/>
+            <a:fld id="{86CB4B4D-7CA3-9044-876B-883B54F8677D}" type="slidenum">
+              <a:t>‹#›</a:t>
+            </a:fld>
+            <a:endParaRPr/>
           </a:p>
         </p:txBody>
       </p:sp>
@@ -916,12 +942,12 @@
   <p:clrMapOvr>
     <a:masterClrMapping/>
   </p:clrMapOvr>
-  <p:transition xmlns:p14="http://schemas.microsoft.com/office/powerpoint/2010/main" spd="med" advClick="1"/>
+  <p:transition spd="med"/>
 </p:sldLayout>
 </file>
 
 <file path=ppt/slideLayouts/slideLayout3.xml><?xml version="1.0" encoding="utf-8"?>
-<p:sldLayout xmlns:a="http://schemas.openxmlformats.org/drawingml/2006/main" xmlns:r="http://schemas.openxmlformats.org/officeDocument/2006/relationships" xmlns:p="http://schemas.openxmlformats.org/presentationml/2006/main" type="tx" showMasterSp="1" showMasterPhAnim="1">
+<p:sldLayout xmlns:a="http://schemas.openxmlformats.org/drawingml/2006/main" xmlns:r="http://schemas.openxmlformats.org/officeDocument/2006/relationships" xmlns:p="http://schemas.openxmlformats.org/presentationml/2006/main" type="tx">
   <p:cSld name="TITLE_AND_BODY">
     <p:spTree>
       <p:nvGrpSpPr>
@@ -940,7 +966,9 @@
       <p:sp>
         <p:nvSpPr>
           <p:cNvPr id="28" name="Title Text"/>
-          <p:cNvSpPr/>
+          <p:cNvSpPr>
+            <a:spLocks noGrp="1"/>
+          </p:cNvSpPr>
           <p:nvPr>
             <p:ph type="title"/>
           </p:nvPr>
@@ -954,7 +982,6 @@
           <a:bodyPr/>
           <a:lstStyle/>
           <a:p>
-            <a:pPr/>
             <a:r>
               <a:t>Title Text</a:t>
             </a:r>
@@ -964,7 +991,9 @@
       <p:sp>
         <p:nvSpPr>
           <p:cNvPr id="29" name="Body Level One…"/>
-          <p:cNvSpPr/>
+          <p:cNvSpPr>
+            <a:spLocks noGrp="1"/>
+          </p:cNvSpPr>
           <p:nvPr>
             <p:ph type="body" idx="1"/>
           </p:nvPr>
@@ -978,7 +1007,6 @@
           <a:bodyPr/>
           <a:lstStyle/>
           <a:p>
-            <a:pPr/>
             <a:r>
               <a:t>Body Level One</a:t>
             </a:r>
@@ -1012,7 +1040,9 @@
       <p:sp>
         <p:nvSpPr>
           <p:cNvPr id="30" name="Slide Number"/>
-          <p:cNvSpPr/>
+          <p:cNvSpPr>
+            <a:spLocks noGrp="1"/>
+          </p:cNvSpPr>
           <p:nvPr>
             <p:ph type="sldNum" sz="quarter" idx="2"/>
           </p:nvPr>
@@ -1026,8 +1056,10 @@
           <a:bodyPr/>
           <a:lstStyle/>
           <a:p>
-            <a:pPr/>
-            <a:fld id="{86CB4B4D-7CA3-9044-876B-883B54F8677D}" type="slidenum"/>
+            <a:fld id="{86CB4B4D-7CA3-9044-876B-883B54F8677D}" type="slidenum">
+              <a:t>‹#›</a:t>
+            </a:fld>
+            <a:endParaRPr/>
           </a:p>
         </p:txBody>
       </p:sp>
@@ -1036,12 +1068,12 @@
   <p:clrMapOvr>
     <a:masterClrMapping/>
   </p:clrMapOvr>
-  <p:transition xmlns:p14="http://schemas.microsoft.com/office/powerpoint/2010/main" spd="med" advClick="1"/>
+  <p:transition spd="med"/>
 </p:sldLayout>
 </file>
 
 <file path=ppt/slideLayouts/slideLayout4.xml><?xml version="1.0" encoding="utf-8"?>
-<p:sldLayout xmlns:a="http://schemas.openxmlformats.org/drawingml/2006/main" xmlns:r="http://schemas.openxmlformats.org/officeDocument/2006/relationships" xmlns:p="http://schemas.openxmlformats.org/presentationml/2006/main" type="tx" showMasterSp="1" showMasterPhAnim="1">
+<p:sldLayout xmlns:a="http://schemas.openxmlformats.org/drawingml/2006/main" xmlns:r="http://schemas.openxmlformats.org/officeDocument/2006/relationships" xmlns:p="http://schemas.openxmlformats.org/presentationml/2006/main" type="tx">
   <p:cSld name="TITLE_AND_TWO_COLUMNS">
     <p:spTree>
       <p:nvGrpSpPr>
@@ -1060,7 +1092,9 @@
       <p:sp>
         <p:nvSpPr>
           <p:cNvPr id="37" name="Title Text"/>
-          <p:cNvSpPr/>
+          <p:cNvSpPr>
+            <a:spLocks noGrp="1"/>
+          </p:cNvSpPr>
           <p:nvPr>
             <p:ph type="title"/>
           </p:nvPr>
@@ -1074,7 +1108,6 @@
           <a:bodyPr/>
           <a:lstStyle/>
           <a:p>
-            <a:pPr/>
             <a:r>
               <a:t>Title Text</a:t>
             </a:r>
@@ -1084,7 +1117,9 @@
       <p:sp>
         <p:nvSpPr>
           <p:cNvPr id="38" name="Body Level One…"/>
-          <p:cNvSpPr/>
+          <p:cNvSpPr>
+            <a:spLocks noGrp="1"/>
+          </p:cNvSpPr>
           <p:nvPr>
             <p:ph type="body" sz="half" idx="1"/>
           </p:nvPr>
@@ -1123,7 +1158,6 @@
             </a:lvl5pPr>
           </a:lstStyle>
           <a:p>
-            <a:pPr/>
             <a:r>
               <a:t>Body Level One</a:t>
             </a:r>
@@ -1157,7 +1191,9 @@
       <p:sp>
         <p:nvSpPr>
           <p:cNvPr id="39" name="Shape 23"/>
-          <p:cNvSpPr/>
+          <p:cNvSpPr>
+            <a:spLocks noGrp="1"/>
+          </p:cNvSpPr>
           <p:nvPr>
             <p:ph type="body" sz="half" idx="13"/>
           </p:nvPr>
@@ -1179,13 +1215,16 @@
               <a:buSzPts val="1400"/>
               <a:defRPr sz="1400"/>
             </a:pPr>
+            <a:endParaRPr/>
           </a:p>
         </p:txBody>
       </p:sp>
       <p:sp>
         <p:nvSpPr>
           <p:cNvPr id="40" name="Slide Number"/>
-          <p:cNvSpPr/>
+          <p:cNvSpPr>
+            <a:spLocks noGrp="1"/>
+          </p:cNvSpPr>
           <p:nvPr>
             <p:ph type="sldNum" sz="quarter" idx="2"/>
           </p:nvPr>
@@ -1199,8 +1238,10 @@
           <a:bodyPr/>
           <a:lstStyle/>
           <a:p>
-            <a:pPr/>
-            <a:fld id="{86CB4B4D-7CA3-9044-876B-883B54F8677D}" type="slidenum"/>
+            <a:fld id="{86CB4B4D-7CA3-9044-876B-883B54F8677D}" type="slidenum">
+              <a:t>‹#›</a:t>
+            </a:fld>
+            <a:endParaRPr/>
           </a:p>
         </p:txBody>
       </p:sp>
@@ -1209,12 +1250,12 @@
   <p:clrMapOvr>
     <a:masterClrMapping/>
   </p:clrMapOvr>
-  <p:transition xmlns:p14="http://schemas.microsoft.com/office/powerpoint/2010/main" spd="med" advClick="1"/>
+  <p:transition spd="med"/>
 </p:sldLayout>
 </file>
 
 <file path=ppt/slideLayouts/slideLayout5.xml><?xml version="1.0" encoding="utf-8"?>
-<p:sldLayout xmlns:a="http://schemas.openxmlformats.org/drawingml/2006/main" xmlns:r="http://schemas.openxmlformats.org/officeDocument/2006/relationships" xmlns:p="http://schemas.openxmlformats.org/presentationml/2006/main" type="tx" showMasterSp="1" showMasterPhAnim="1">
+<p:sldLayout xmlns:a="http://schemas.openxmlformats.org/drawingml/2006/main" xmlns:r="http://schemas.openxmlformats.org/officeDocument/2006/relationships" xmlns:p="http://schemas.openxmlformats.org/presentationml/2006/main" type="tx">
   <p:cSld name="TITLE_ONLY">
     <p:spTree>
       <p:nvGrpSpPr>
@@ -1233,7 +1274,9 @@
       <p:sp>
         <p:nvSpPr>
           <p:cNvPr id="47" name="Title Text"/>
-          <p:cNvSpPr/>
+          <p:cNvSpPr>
+            <a:spLocks noGrp="1"/>
+          </p:cNvSpPr>
           <p:nvPr>
             <p:ph type="title"/>
           </p:nvPr>
@@ -1247,7 +1290,6 @@
           <a:bodyPr/>
           <a:lstStyle/>
           <a:p>
-            <a:pPr/>
             <a:r>
               <a:t>Title Text</a:t>
             </a:r>
@@ -1257,7 +1299,9 @@
       <p:sp>
         <p:nvSpPr>
           <p:cNvPr id="48" name="Slide Number"/>
-          <p:cNvSpPr/>
+          <p:cNvSpPr>
+            <a:spLocks noGrp="1"/>
+          </p:cNvSpPr>
           <p:nvPr>
             <p:ph type="sldNum" sz="quarter" idx="2"/>
           </p:nvPr>
@@ -1271,8 +1315,10 @@
           <a:bodyPr/>
           <a:lstStyle/>
           <a:p>
-            <a:pPr/>
-            <a:fld id="{86CB4B4D-7CA3-9044-876B-883B54F8677D}" type="slidenum"/>
+            <a:fld id="{86CB4B4D-7CA3-9044-876B-883B54F8677D}" type="slidenum">
+              <a:t>‹#›</a:t>
+            </a:fld>
+            <a:endParaRPr/>
           </a:p>
         </p:txBody>
       </p:sp>
@@ -1281,12 +1327,12 @@
   <p:clrMapOvr>
     <a:masterClrMapping/>
   </p:clrMapOvr>
-  <p:transition xmlns:p14="http://schemas.microsoft.com/office/powerpoint/2010/main" spd="med" advClick="1"/>
+  <p:transition spd="med"/>
 </p:sldLayout>
 </file>
 
 <file path=ppt/slideLayouts/slideLayout6.xml><?xml version="1.0" encoding="utf-8"?>
-<p:sldLayout xmlns:a="http://schemas.openxmlformats.org/drawingml/2006/main" xmlns:r="http://schemas.openxmlformats.org/officeDocument/2006/relationships" xmlns:p="http://schemas.openxmlformats.org/presentationml/2006/main" type="tx" showMasterSp="1" showMasterPhAnim="1">
+<p:sldLayout xmlns:a="http://schemas.openxmlformats.org/drawingml/2006/main" xmlns:r="http://schemas.openxmlformats.org/officeDocument/2006/relationships" xmlns:p="http://schemas.openxmlformats.org/presentationml/2006/main" type="tx">
   <p:cSld name="ONE_COLUMN_TEXT">
     <p:spTree>
       <p:nvGrpSpPr>
@@ -1305,7 +1351,9 @@
       <p:sp>
         <p:nvSpPr>
           <p:cNvPr id="55" name="Title Text"/>
-          <p:cNvSpPr/>
+          <p:cNvSpPr>
+            <a:spLocks noGrp="1"/>
+          </p:cNvSpPr>
           <p:nvPr>
             <p:ph type="title"/>
           </p:nvPr>
@@ -1327,7 +1375,6 @@
             </a:lvl1pPr>
           </a:lstStyle>
           <a:p>
-            <a:pPr/>
             <a:r>
               <a:t>Title Text</a:t>
             </a:r>
@@ -1337,7 +1384,9 @@
       <p:sp>
         <p:nvSpPr>
           <p:cNvPr id="56" name="Body Level One…"/>
-          <p:cNvSpPr/>
+          <p:cNvSpPr>
+            <a:spLocks noGrp="1"/>
+          </p:cNvSpPr>
           <p:nvPr>
             <p:ph type="body" sz="quarter" idx="1"/>
           </p:nvPr>
@@ -1376,7 +1425,6 @@
             </a:lvl5pPr>
           </a:lstStyle>
           <a:p>
-            <a:pPr/>
             <a:r>
               <a:t>Body Level One</a:t>
             </a:r>
@@ -1410,7 +1458,9 @@
       <p:sp>
         <p:nvSpPr>
           <p:cNvPr id="57" name="Slide Number"/>
-          <p:cNvSpPr/>
+          <p:cNvSpPr>
+            <a:spLocks noGrp="1"/>
+          </p:cNvSpPr>
           <p:nvPr>
             <p:ph type="sldNum" sz="quarter" idx="2"/>
           </p:nvPr>
@@ -1424,8 +1474,10 @@
           <a:bodyPr/>
           <a:lstStyle/>
           <a:p>
-            <a:pPr/>
-            <a:fld id="{86CB4B4D-7CA3-9044-876B-883B54F8677D}" type="slidenum"/>
+            <a:fld id="{86CB4B4D-7CA3-9044-876B-883B54F8677D}" type="slidenum">
+              <a:t>‹#›</a:t>
+            </a:fld>
+            <a:endParaRPr/>
           </a:p>
         </p:txBody>
       </p:sp>
@@ -1434,12 +1486,12 @@
   <p:clrMapOvr>
     <a:masterClrMapping/>
   </p:clrMapOvr>
-  <p:transition xmlns:p14="http://schemas.microsoft.com/office/powerpoint/2010/main" spd="med" advClick="1"/>
+  <p:transition spd="med"/>
 </p:sldLayout>
 </file>
 
 <file path=ppt/slideLayouts/slideLayout7.xml><?xml version="1.0" encoding="utf-8"?>
-<p:sldLayout xmlns:a="http://schemas.openxmlformats.org/drawingml/2006/main" xmlns:r="http://schemas.openxmlformats.org/officeDocument/2006/relationships" xmlns:p="http://schemas.openxmlformats.org/presentationml/2006/main" type="tx" showMasterSp="1" showMasterPhAnim="1">
+<p:sldLayout xmlns:a="http://schemas.openxmlformats.org/drawingml/2006/main" xmlns:r="http://schemas.openxmlformats.org/officeDocument/2006/relationships" xmlns:p="http://schemas.openxmlformats.org/presentationml/2006/main" type="tx">
   <p:cSld name="MAIN_POINT">
     <p:spTree>
       <p:nvGrpSpPr>
@@ -1458,7 +1510,9 @@
       <p:sp>
         <p:nvSpPr>
           <p:cNvPr id="64" name="Title Text"/>
-          <p:cNvSpPr/>
+          <p:cNvSpPr>
+            <a:spLocks noGrp="1"/>
+          </p:cNvSpPr>
           <p:nvPr>
             <p:ph type="title"/>
           </p:nvPr>
@@ -1480,7 +1534,6 @@
             </a:lvl1pPr>
           </a:lstStyle>
           <a:p>
-            <a:pPr/>
             <a:r>
               <a:t>Title Text</a:t>
             </a:r>
@@ -1490,7 +1543,9 @@
       <p:sp>
         <p:nvSpPr>
           <p:cNvPr id="65" name="Slide Number"/>
-          <p:cNvSpPr/>
+          <p:cNvSpPr>
+            <a:spLocks noGrp="1"/>
+          </p:cNvSpPr>
           <p:nvPr>
             <p:ph type="sldNum" sz="quarter" idx="2"/>
           </p:nvPr>
@@ -1504,8 +1559,10 @@
           <a:bodyPr/>
           <a:lstStyle/>
           <a:p>
-            <a:pPr/>
-            <a:fld id="{86CB4B4D-7CA3-9044-876B-883B54F8677D}" type="slidenum"/>
+            <a:fld id="{86CB4B4D-7CA3-9044-876B-883B54F8677D}" type="slidenum">
+              <a:t>‹#›</a:t>
+            </a:fld>
+            <a:endParaRPr/>
           </a:p>
         </p:txBody>
       </p:sp>
@@ -1514,12 +1571,12 @@
   <p:clrMapOvr>
     <a:masterClrMapping/>
   </p:clrMapOvr>
-  <p:transition xmlns:p14="http://schemas.microsoft.com/office/powerpoint/2010/main" spd="med" advClick="1"/>
+  <p:transition spd="med"/>
 </p:sldLayout>
 </file>
 
 <file path=ppt/slideLayouts/slideLayout8.xml><?xml version="1.0" encoding="utf-8"?>
-<p:sldLayout xmlns:a="http://schemas.openxmlformats.org/drawingml/2006/main" xmlns:r="http://schemas.openxmlformats.org/officeDocument/2006/relationships" xmlns:p="http://schemas.openxmlformats.org/presentationml/2006/main" type="tx" showMasterSp="1" showMasterPhAnim="1">
+<p:sldLayout xmlns:a="http://schemas.openxmlformats.org/drawingml/2006/main" xmlns:r="http://schemas.openxmlformats.org/officeDocument/2006/relationships" xmlns:p="http://schemas.openxmlformats.org/presentationml/2006/main" type="tx">
   <p:cSld name="SECTION_TITLE_AND_DESCRIPTION">
     <p:spTree>
       <p:nvGrpSpPr>
@@ -1560,14 +1617,16 @@
           <a:bodyPr lIns="45719" rIns="45719" anchor="ctr"/>
           <a:lstStyle/>
           <a:p>
-            <a:pPr/>
+            <a:endParaRPr/>
           </a:p>
         </p:txBody>
       </p:sp>
       <p:sp>
         <p:nvSpPr>
           <p:cNvPr id="73" name="Title Text"/>
-          <p:cNvSpPr/>
+          <p:cNvSpPr>
+            <a:spLocks noGrp="1"/>
+          </p:cNvSpPr>
           <p:nvPr>
             <p:ph type="title"/>
           </p:nvPr>
@@ -1589,7 +1648,6 @@
             </a:lvl1pPr>
           </a:lstStyle>
           <a:p>
-            <a:pPr/>
             <a:r>
               <a:t>Title Text</a:t>
             </a:r>
@@ -1599,7 +1657,9 @@
       <p:sp>
         <p:nvSpPr>
           <p:cNvPr id="74" name="Body Level One…"/>
-          <p:cNvSpPr/>
+          <p:cNvSpPr>
+            <a:spLocks noGrp="1"/>
+          </p:cNvSpPr>
           <p:nvPr>
             <p:ph type="body" sz="quarter" idx="1"/>
           </p:nvPr>
@@ -1668,7 +1728,6 @@
             </a:lvl5pPr>
           </a:lstStyle>
           <a:p>
-            <a:pPr/>
             <a:r>
               <a:t>Body Level One</a:t>
             </a:r>
@@ -1702,7 +1761,9 @@
       <p:sp>
         <p:nvSpPr>
           <p:cNvPr id="75" name="Shape 39"/>
-          <p:cNvSpPr/>
+          <p:cNvSpPr>
+            <a:spLocks noGrp="1"/>
+          </p:cNvSpPr>
           <p:nvPr>
             <p:ph type="body" sz="half" idx="13"/>
           </p:nvPr>
@@ -1720,14 +1781,16 @@
           <a:bodyPr anchor="ctr"/>
           <a:lstStyle/>
           <a:p>
-            <a:pPr/>
+            <a:endParaRPr/>
           </a:p>
         </p:txBody>
       </p:sp>
       <p:sp>
         <p:nvSpPr>
           <p:cNvPr id="76" name="Slide Number"/>
-          <p:cNvSpPr/>
+          <p:cNvSpPr>
+            <a:spLocks noGrp="1"/>
+          </p:cNvSpPr>
           <p:nvPr>
             <p:ph type="sldNum" sz="quarter" idx="2"/>
           </p:nvPr>
@@ -1741,8 +1804,10 @@
           <a:bodyPr/>
           <a:lstStyle/>
           <a:p>
-            <a:pPr/>
-            <a:fld id="{86CB4B4D-7CA3-9044-876B-883B54F8677D}" type="slidenum"/>
+            <a:fld id="{86CB4B4D-7CA3-9044-876B-883B54F8677D}" type="slidenum">
+              <a:t>‹#›</a:t>
+            </a:fld>
+            <a:endParaRPr/>
           </a:p>
         </p:txBody>
       </p:sp>
@@ -1751,12 +1816,12 @@
   <p:clrMapOvr>
     <a:masterClrMapping/>
   </p:clrMapOvr>
-  <p:transition xmlns:p14="http://schemas.microsoft.com/office/powerpoint/2010/main" spd="med" advClick="1"/>
+  <p:transition spd="med"/>
 </p:sldLayout>
 </file>
 
 <file path=ppt/slideLayouts/slideLayout9.xml><?xml version="1.0" encoding="utf-8"?>
-<p:sldLayout xmlns:a="http://schemas.openxmlformats.org/drawingml/2006/main" xmlns:r="http://schemas.openxmlformats.org/officeDocument/2006/relationships" xmlns:p="http://schemas.openxmlformats.org/presentationml/2006/main" type="tx" showMasterSp="1" showMasterPhAnim="1">
+<p:sldLayout xmlns:a="http://schemas.openxmlformats.org/drawingml/2006/main" xmlns:r="http://schemas.openxmlformats.org/officeDocument/2006/relationships" xmlns:p="http://schemas.openxmlformats.org/presentationml/2006/main" type="tx">
   <p:cSld name="CAPTION_ONLY">
     <p:spTree>
       <p:nvGrpSpPr>
@@ -1775,7 +1840,9 @@
       <p:sp>
         <p:nvSpPr>
           <p:cNvPr id="83" name="Body Level One…"/>
-          <p:cNvSpPr/>
+          <p:cNvSpPr>
+            <a:spLocks noGrp="1"/>
+          </p:cNvSpPr>
           <p:nvPr>
             <p:ph type="body" sz="quarter" idx="1"/>
           </p:nvPr>
@@ -1831,7 +1898,6 @@
             </a:lvl5pPr>
           </a:lstStyle>
           <a:p>
-            <a:pPr/>
             <a:r>
               <a:t>Body Level One</a:t>
             </a:r>
@@ -1865,7 +1931,9 @@
       <p:sp>
         <p:nvSpPr>
           <p:cNvPr id="84" name="Slide Number"/>
-          <p:cNvSpPr/>
+          <p:cNvSpPr>
+            <a:spLocks noGrp="1"/>
+          </p:cNvSpPr>
           <p:nvPr>
             <p:ph type="sldNum" sz="quarter" idx="2"/>
           </p:nvPr>
@@ -1879,8 +1947,10 @@
           <a:bodyPr/>
           <a:lstStyle/>
           <a:p>
-            <a:pPr/>
-            <a:fld id="{86CB4B4D-7CA3-9044-876B-883B54F8677D}" type="slidenum"/>
+            <a:fld id="{86CB4B4D-7CA3-9044-876B-883B54F8677D}" type="slidenum">
+              <a:t>‹#›</a:t>
+            </a:fld>
+            <a:endParaRPr/>
           </a:p>
         </p:txBody>
       </p:sp>
@@ -1889,7 +1959,7 @@
   <p:clrMapOvr>
     <a:masterClrMapping/>
   </p:clrMapOvr>
-  <p:transition xmlns:p14="http://schemas.microsoft.com/office/powerpoint/2010/main" spd="med" advClick="1"/>
+  <p:transition spd="med"/>
 </p:sldLayout>
 </file>
 
@@ -1901,6 +1971,7 @@
         <a:solidFill>
           <a:srgbClr val="FFFFFF"/>
         </a:solidFill>
+        <a:effectLst/>
       </p:bgPr>
     </p:bg>
     <p:spTree>
@@ -1920,7 +1991,9 @@
       <p:sp>
         <p:nvSpPr>
           <p:cNvPr id="2" name="Title Text"/>
-          <p:cNvSpPr/>
+          <p:cNvSpPr>
+            <a:spLocks noGrp="1"/>
+          </p:cNvSpPr>
           <p:nvPr>
             <p:ph type="title"/>
           </p:nvPr>
@@ -1938,17 +2011,16 @@
           </a:ln>
           <a:extLst>
             <a:ext uri="{C572A759-6A51-4108-AA02-DFA0A04FC94B}">
-              <ma14:wrappingTextBoxFlag xmlns:ma14="http://schemas.microsoft.com/office/mac/drawingml/2011/main" val="1"/>
+              <ma14:wrappingTextBoxFlag xmlns:ma14="http://schemas.microsoft.com/office/mac/drawingml/2011/main" xmlns="" val="1"/>
             </a:ext>
           </a:extLst>
         </p:spPr>
         <p:txBody>
           <a:bodyPr lIns="91424" tIns="91424" rIns="91424" bIns="91424">
-            <a:normAutofit fontScale="100000" lnSpcReduction="0"/>
+            <a:normAutofit/>
           </a:bodyPr>
           <a:lstStyle/>
           <a:p>
-            <a:pPr/>
             <a:r>
               <a:t>Title Text</a:t>
             </a:r>
@@ -1958,7 +2030,9 @@
       <p:sp>
         <p:nvSpPr>
           <p:cNvPr id="3" name="Body Level One…"/>
-          <p:cNvSpPr/>
+          <p:cNvSpPr>
+            <a:spLocks noGrp="1"/>
+          </p:cNvSpPr>
           <p:nvPr>
             <p:ph type="body" idx="1"/>
           </p:nvPr>
@@ -1976,17 +2050,16 @@
           </a:ln>
           <a:extLst>
             <a:ext uri="{C572A759-6A51-4108-AA02-DFA0A04FC94B}">
-              <ma14:wrappingTextBoxFlag xmlns:ma14="http://schemas.microsoft.com/office/mac/drawingml/2011/main" val="1"/>
+              <ma14:wrappingTextBoxFlag xmlns:ma14="http://schemas.microsoft.com/office/mac/drawingml/2011/main" xmlns="" val="1"/>
             </a:ext>
           </a:extLst>
         </p:spPr>
         <p:txBody>
           <a:bodyPr lIns="91424" tIns="91424" rIns="91424" bIns="91424">
-            <a:normAutofit fontScale="100000" lnSpcReduction="0"/>
+            <a:normAutofit/>
           </a:bodyPr>
           <a:lstStyle/>
           <a:p>
-            <a:pPr/>
             <a:r>
               <a:t>Body Level One</a:t>
             </a:r>
@@ -2020,7 +2093,9 @@
       <p:sp>
         <p:nvSpPr>
           <p:cNvPr id="4" name="Slide Number"/>
-          <p:cNvSpPr/>
+          <p:cNvSpPr>
+            <a:spLocks noGrp="1"/>
+          </p:cNvSpPr>
           <p:nvPr>
             <p:ph type="sldNum" sz="quarter" idx="2"/>
           </p:nvPr>
@@ -2053,8 +2128,10 @@
             </a:lvl1pPr>
           </a:lstStyle>
           <a:p>
-            <a:pPr/>
-            <a:fld id="{86CB4B4D-7CA3-9044-876B-883B54F8677D}" type="slidenum"/>
+            <a:fld id="{86CB4B4D-7CA3-9044-876B-883B54F8677D}" type="slidenum">
+              <a:t>‹#›</a:t>
+            </a:fld>
+            <a:endParaRPr/>
           </a:p>
         </p:txBody>
       </p:sp>
@@ -2062,19 +2139,19 @@
   </p:cSld>
   <p:clrMap bg1="lt1" tx1="dk1" bg2="lt2" tx2="dk2" accent1="accent1" accent2="accent2" accent3="accent3" accent4="accent4" accent5="accent5" accent6="accent6" hlink="hlink" folHlink="folHlink"/>
   <p:sldLayoutIdLst>
-    <p:sldLayoutId id="2147483649" r:id="rId2"/>
-    <p:sldLayoutId id="2147483650" r:id="rId3"/>
-    <p:sldLayoutId id="2147483651" r:id="rId4"/>
-    <p:sldLayoutId id="2147483652" r:id="rId5"/>
-    <p:sldLayoutId id="2147483653" r:id="rId6"/>
-    <p:sldLayoutId id="2147483654" r:id="rId7"/>
-    <p:sldLayoutId id="2147483655" r:id="rId8"/>
-    <p:sldLayoutId id="2147483656" r:id="rId9"/>
-    <p:sldLayoutId id="2147483657" r:id="rId10"/>
-    <p:sldLayoutId id="2147483658" r:id="rId11"/>
-    <p:sldLayoutId id="2147483659" r:id="rId12"/>
+    <p:sldLayoutId id="2147483649" r:id="rId1"/>
+    <p:sldLayoutId id="2147483650" r:id="rId2"/>
+    <p:sldLayoutId id="2147483651" r:id="rId3"/>
+    <p:sldLayoutId id="2147483652" r:id="rId4"/>
+    <p:sldLayoutId id="2147483653" r:id="rId5"/>
+    <p:sldLayoutId id="2147483654" r:id="rId6"/>
+    <p:sldLayoutId id="2147483655" r:id="rId7"/>
+    <p:sldLayoutId id="2147483656" r:id="rId8"/>
+    <p:sldLayoutId id="2147483657" r:id="rId9"/>
+    <p:sldLayoutId id="2147483658" r:id="rId10"/>
+    <p:sldLayoutId id="2147483659" r:id="rId11"/>
   </p:sldLayoutIdLst>
-  <p:transition xmlns:p14="http://schemas.microsoft.com/office/powerpoint/2010/main" spd="med" advClick="1"/>
+  <p:transition spd="med"/>
   <p:txStyles>
     <p:titleStyle>
       <a:lvl1pPr marL="0" marR="0" indent="0" algn="l" defTabSz="914400" rtl="0" latinLnBrk="0">
@@ -2092,7 +2169,7 @@
         <a:buFontTx/>
         <a:buNone/>
         <a:tabLst/>
-        <a:defRPr b="0" baseline="0" cap="none" i="0" spc="0" strike="noStrike" sz="2800" u="none">
+        <a:defRPr sz="2800" b="0" i="0" u="none" strike="noStrike" cap="none" spc="0" baseline="0">
           <a:ln>
             <a:noFill/>
           </a:ln>
@@ -2121,7 +2198,7 @@
         <a:buFontTx/>
         <a:buNone/>
         <a:tabLst/>
-        <a:defRPr b="0" baseline="0" cap="none" i="0" spc="0" strike="noStrike" sz="2800" u="none">
+        <a:defRPr sz="2800" b="0" i="0" u="none" strike="noStrike" cap="none" spc="0" baseline="0">
           <a:ln>
             <a:noFill/>
           </a:ln>
@@ -2150,7 +2227,7 @@
         <a:buFontTx/>
         <a:buNone/>
         <a:tabLst/>
-        <a:defRPr b="0" baseline="0" cap="none" i="0" spc="0" strike="noStrike" sz="2800" u="none">
+        <a:defRPr sz="2800" b="0" i="0" u="none" strike="noStrike" cap="none" spc="0" baseline="0">
           <a:ln>
             <a:noFill/>
           </a:ln>
@@ -2179,7 +2256,7 @@
         <a:buFontTx/>
         <a:buNone/>
         <a:tabLst/>
-        <a:defRPr b="0" baseline="0" cap="none" i="0" spc="0" strike="noStrike" sz="2800" u="none">
+        <a:defRPr sz="2800" b="0" i="0" u="none" strike="noStrike" cap="none" spc="0" baseline="0">
           <a:ln>
             <a:noFill/>
           </a:ln>
@@ -2208,7 +2285,7 @@
         <a:buFontTx/>
         <a:buNone/>
         <a:tabLst/>
-        <a:defRPr b="0" baseline="0" cap="none" i="0" spc="0" strike="noStrike" sz="2800" u="none">
+        <a:defRPr sz="2800" b="0" i="0" u="none" strike="noStrike" cap="none" spc="0" baseline="0">
           <a:ln>
             <a:noFill/>
           </a:ln>
@@ -2237,7 +2314,7 @@
         <a:buFontTx/>
         <a:buNone/>
         <a:tabLst/>
-        <a:defRPr b="0" baseline="0" cap="none" i="0" spc="0" strike="noStrike" sz="2800" u="none">
+        <a:defRPr sz="2800" b="0" i="0" u="none" strike="noStrike" cap="none" spc="0" baseline="0">
           <a:ln>
             <a:noFill/>
           </a:ln>
@@ -2266,7 +2343,7 @@
         <a:buFontTx/>
         <a:buNone/>
         <a:tabLst/>
-        <a:defRPr b="0" baseline="0" cap="none" i="0" spc="0" strike="noStrike" sz="2800" u="none">
+        <a:defRPr sz="2800" b="0" i="0" u="none" strike="noStrike" cap="none" spc="0" baseline="0">
           <a:ln>
             <a:noFill/>
           </a:ln>
@@ -2295,7 +2372,7 @@
         <a:buFontTx/>
         <a:buNone/>
         <a:tabLst/>
-        <a:defRPr b="0" baseline="0" cap="none" i="0" spc="0" strike="noStrike" sz="2800" u="none">
+        <a:defRPr sz="2800" b="0" i="0" u="none" strike="noStrike" cap="none" spc="0" baseline="0">
           <a:ln>
             <a:noFill/>
           </a:ln>
@@ -2324,7 +2401,7 @@
         <a:buFontTx/>
         <a:buNone/>
         <a:tabLst/>
-        <a:defRPr b="0" baseline="0" cap="none" i="0" spc="0" strike="noStrike" sz="2800" u="none">
+        <a:defRPr sz="2800" b="0" i="0" u="none" strike="noStrike" cap="none" spc="0" baseline="0">
           <a:ln>
             <a:noFill/>
           </a:ln>
@@ -2359,7 +2436,7 @@
         <a:buFont typeface="Arial"/>
         <a:buChar char="●"/>
         <a:tabLst/>
-        <a:defRPr b="0" baseline="0" cap="none" i="0" spc="0" strike="noStrike" sz="1800" u="none">
+        <a:defRPr sz="1800" b="0" i="0" u="none" strike="noStrike" cap="none" spc="0" baseline="0">
           <a:ln>
             <a:noFill/>
           </a:ln>
@@ -2394,7 +2471,7 @@
         <a:buFont typeface="Arial"/>
         <a:buChar char="○"/>
         <a:tabLst/>
-        <a:defRPr b="0" baseline="0" cap="none" i="0" spc="0" strike="noStrike" sz="1800" u="none">
+        <a:defRPr sz="1800" b="0" i="0" u="none" strike="noStrike" cap="none" spc="0" baseline="0">
           <a:ln>
             <a:noFill/>
           </a:ln>
@@ -2429,7 +2506,7 @@
         <a:buFont typeface="Arial"/>
         <a:buChar char="■"/>
         <a:tabLst/>
-        <a:defRPr b="0" baseline="0" cap="none" i="0" spc="0" strike="noStrike" sz="1800" u="none">
+        <a:defRPr sz="1800" b="0" i="0" u="none" strike="noStrike" cap="none" spc="0" baseline="0">
           <a:ln>
             <a:noFill/>
           </a:ln>
@@ -2464,7 +2541,7 @@
         <a:buFont typeface="Arial"/>
         <a:buChar char="●"/>
         <a:tabLst/>
-        <a:defRPr b="0" baseline="0" cap="none" i="0" spc="0" strike="noStrike" sz="1800" u="none">
+        <a:defRPr sz="1800" b="0" i="0" u="none" strike="noStrike" cap="none" spc="0" baseline="0">
           <a:ln>
             <a:noFill/>
           </a:ln>
@@ -2499,7 +2576,7 @@
         <a:buFont typeface="Arial"/>
         <a:buChar char="○"/>
         <a:tabLst/>
-        <a:defRPr b="0" baseline="0" cap="none" i="0" spc="0" strike="noStrike" sz="1800" u="none">
+        <a:defRPr sz="1800" b="0" i="0" u="none" strike="noStrike" cap="none" spc="0" baseline="0">
           <a:ln>
             <a:noFill/>
           </a:ln>
@@ -2534,7 +2611,7 @@
         <a:buFont typeface="Arial"/>
         <a:buChar char="■"/>
         <a:tabLst/>
-        <a:defRPr b="0" baseline="0" cap="none" i="0" spc="0" strike="noStrike" sz="1800" u="none">
+        <a:defRPr sz="1800" b="0" i="0" u="none" strike="noStrike" cap="none" spc="0" baseline="0">
           <a:ln>
             <a:noFill/>
           </a:ln>
@@ -2569,7 +2646,7 @@
         <a:buFont typeface="Arial"/>
         <a:buChar char="●"/>
         <a:tabLst/>
-        <a:defRPr b="0" baseline="0" cap="none" i="0" spc="0" strike="noStrike" sz="1800" u="none">
+        <a:defRPr sz="1800" b="0" i="0" u="none" strike="noStrike" cap="none" spc="0" baseline="0">
           <a:ln>
             <a:noFill/>
           </a:ln>
@@ -2604,7 +2681,7 @@
         <a:buFont typeface="Arial"/>
         <a:buChar char="○"/>
         <a:tabLst/>
-        <a:defRPr b="0" baseline="0" cap="none" i="0" spc="0" strike="noStrike" sz="1800" u="none">
+        <a:defRPr sz="1800" b="0" i="0" u="none" strike="noStrike" cap="none" spc="0" baseline="0">
           <a:ln>
             <a:noFill/>
           </a:ln>
@@ -2639,7 +2716,7 @@
         <a:buFont typeface="Arial"/>
         <a:buChar char="■"/>
         <a:tabLst/>
-        <a:defRPr b="0" baseline="0" cap="none" i="0" spc="0" strike="noStrike" sz="1800" u="none">
+        <a:defRPr sz="1800" b="0" i="0" u="none" strike="noStrike" cap="none" spc="0" baseline="0">
           <a:ln>
             <a:noFill/>
           </a:ln>
@@ -2672,7 +2749,7 @@
         <a:buFontTx/>
         <a:buNone/>
         <a:tabLst/>
-        <a:defRPr b="0" baseline="0" cap="none" i="0" spc="0" strike="noStrike" sz="1000" u="none">
+        <a:defRPr sz="1000" b="0" i="0" u="none" strike="noStrike" cap="none" spc="0" baseline="0">
           <a:ln>
             <a:noFill/>
           </a:ln>
@@ -2701,7 +2778,7 @@
         <a:buFontTx/>
         <a:buNone/>
         <a:tabLst/>
-        <a:defRPr b="0" baseline="0" cap="none" i="0" spc="0" strike="noStrike" sz="1000" u="none">
+        <a:defRPr sz="1000" b="0" i="0" u="none" strike="noStrike" cap="none" spc="0" baseline="0">
           <a:ln>
             <a:noFill/>
           </a:ln>
@@ -2730,7 +2807,7 @@
         <a:buFontTx/>
         <a:buNone/>
         <a:tabLst/>
-        <a:defRPr b="0" baseline="0" cap="none" i="0" spc="0" strike="noStrike" sz="1000" u="none">
+        <a:defRPr sz="1000" b="0" i="0" u="none" strike="noStrike" cap="none" spc="0" baseline="0">
           <a:ln>
             <a:noFill/>
           </a:ln>
@@ -2759,7 +2836,7 @@
         <a:buFontTx/>
         <a:buNone/>
         <a:tabLst/>
-        <a:defRPr b="0" baseline="0" cap="none" i="0" spc="0" strike="noStrike" sz="1000" u="none">
+        <a:defRPr sz="1000" b="0" i="0" u="none" strike="noStrike" cap="none" spc="0" baseline="0">
           <a:ln>
             <a:noFill/>
           </a:ln>
@@ -2788,7 +2865,7 @@
         <a:buFontTx/>
         <a:buNone/>
         <a:tabLst/>
-        <a:defRPr b="0" baseline="0" cap="none" i="0" spc="0" strike="noStrike" sz="1000" u="none">
+        <a:defRPr sz="1000" b="0" i="0" u="none" strike="noStrike" cap="none" spc="0" baseline="0">
           <a:ln>
             <a:noFill/>
           </a:ln>
@@ -2817,7 +2894,7 @@
         <a:buFontTx/>
         <a:buNone/>
         <a:tabLst/>
-        <a:defRPr b="0" baseline="0" cap="none" i="0" spc="0" strike="noStrike" sz="1000" u="none">
+        <a:defRPr sz="1000" b="0" i="0" u="none" strike="noStrike" cap="none" spc="0" baseline="0">
           <a:ln>
             <a:noFill/>
           </a:ln>
@@ -2846,7 +2923,7 @@
         <a:buFontTx/>
         <a:buNone/>
         <a:tabLst/>
-        <a:defRPr b="0" baseline="0" cap="none" i="0" spc="0" strike="noStrike" sz="1000" u="none">
+        <a:defRPr sz="1000" b="0" i="0" u="none" strike="noStrike" cap="none" spc="0" baseline="0">
           <a:ln>
             <a:noFill/>
           </a:ln>
@@ -2875,7 +2952,7 @@
         <a:buFontTx/>
         <a:buNone/>
         <a:tabLst/>
-        <a:defRPr b="0" baseline="0" cap="none" i="0" spc="0" strike="noStrike" sz="1000" u="none">
+        <a:defRPr sz="1000" b="0" i="0" u="none" strike="noStrike" cap="none" spc="0" baseline="0">
           <a:ln>
             <a:noFill/>
           </a:ln>
@@ -2904,7 +2981,7 @@
         <a:buFontTx/>
         <a:buNone/>
         <a:tabLst/>
-        <a:defRPr b="0" baseline="0" cap="none" i="0" spc="0" strike="noStrike" sz="1000" u="none">
+        <a:defRPr sz="1000" b="0" i="0" u="none" strike="noStrike" cap="none" spc="0" baseline="0">
           <a:ln>
             <a:noFill/>
           </a:ln>
@@ -2924,7 +3001,7 @@
 </file>
 
 <file path=ppt/slides/slide1.xml><?xml version="1.0" encoding="utf-8"?>
-<p:sld xmlns:a="http://schemas.openxmlformats.org/drawingml/2006/main" xmlns:r="http://schemas.openxmlformats.org/officeDocument/2006/relationships" xmlns:p="http://schemas.openxmlformats.org/presentationml/2006/main" showMasterSp="1" showMasterPhAnim="1">
+<p:sld xmlns:a="http://schemas.openxmlformats.org/drawingml/2006/main" xmlns:r="http://schemas.openxmlformats.org/officeDocument/2006/relationships" xmlns:p="http://schemas.openxmlformats.org/presentationml/2006/main">
   <p:cSld>
     <p:spTree>
       <p:nvGrpSpPr>
@@ -2947,7 +3024,7 @@
           <p:nvPr/>
         </p:nvSpPr>
         <p:spPr>
-          <a:xfrm flipH="1" rot="10800000">
+          <a:xfrm rot="10800000" flipH="1">
             <a:off x="-1" y="0"/>
             <a:ext cx="9163201" cy="5148001"/>
           </a:xfrm>
@@ -2971,7 +3048,7 @@
             </a:cxnLst>
             <a:rect l="0" t="0" r="r" b="b"/>
             <a:pathLst>
-              <a:path w="21600" h="21600" fill="norm" stroke="1" extrusionOk="0">
+              <a:path w="21600" h="21600" extrusionOk="0">
                 <a:moveTo>
                   <a:pt x="0" y="0"/>
                 </a:moveTo>
@@ -3010,7 +3087,7 @@
           <a:bodyPr lIns="45719" rIns="45719" anchor="ctr"/>
           <a:lstStyle/>
           <a:p>
-            <a:pPr/>
+            <a:endParaRPr/>
           </a:p>
         </p:txBody>
       </p:sp>
@@ -3033,7 +3110,7 @@
           </a:ln>
           <a:extLst>
             <a:ext uri="{C572A759-6A51-4108-AA02-DFA0A04FC94B}">
-              <ma14:wrappingTextBoxFlag xmlns:ma14="http://schemas.microsoft.com/office/mac/drawingml/2011/main" val="1"/>
+              <ma14:wrappingTextBoxFlag xmlns:ma14="http://schemas.microsoft.com/office/mac/drawingml/2011/main" xmlns="" val="1"/>
             </a:ext>
           </a:extLst>
         </p:spPr>
@@ -3055,7 +3132,6 @@
             </a:lvl1pPr>
           </a:lstStyle>
           <a:p>
-            <a:pPr/>
             <a:r>
               <a:t>Sprocket Central Pty Ltd</a:t>
             </a:r>
@@ -3081,7 +3157,7 @@
           </a:ln>
           <a:extLst>
             <a:ext uri="{C572A759-6A51-4108-AA02-DFA0A04FC94B}">
-              <ma14:wrappingTextBoxFlag xmlns:ma14="http://schemas.microsoft.com/office/mac/drawingml/2011/main" val="1"/>
+              <ma14:wrappingTextBoxFlag xmlns:ma14="http://schemas.microsoft.com/office/mac/drawingml/2011/main" xmlns="" val="1"/>
             </a:ext>
           </a:extLst>
         </p:spPr>
@@ -3103,7 +3179,6 @@
             </a:lvl1pPr>
           </a:lstStyle>
           <a:p>
-            <a:pPr/>
             <a:r>
               <a:t>Data analytics approach</a:t>
             </a:r>
@@ -3158,7 +3233,7 @@
           </a:ln>
           <a:extLst>
             <a:ext uri="{C572A759-6A51-4108-AA02-DFA0A04FC94B}">
-              <ma14:wrappingTextBoxFlag xmlns:ma14="http://schemas.microsoft.com/office/mac/drawingml/2011/main" val="1"/>
+              <ma14:wrappingTextBoxFlag xmlns:ma14="http://schemas.microsoft.com/office/mac/drawingml/2011/main" xmlns="" val="1"/>
             </a:ext>
           </a:extLst>
         </p:spPr>
@@ -3180,7 +3255,6 @@
             </a:lvl1pPr>
           </a:lstStyle>
           <a:p>
-            <a:pPr/>
             <a:r>
               <a:t>[Division Name] - [Engagement Manager], [Senior Consultant], [Junior Consultant]</a:t>
             </a:r>
@@ -3209,7 +3283,7 @@
           </a:ln>
           <a:extLst>
             <a:ext uri="{C572A759-6A51-4108-AA02-DFA0A04FC94B}">
-              <ma14:wrappingTextBoxFlag xmlns:ma14="http://schemas.microsoft.com/office/mac/drawingml/2011/main" val="1"/>
+              <ma14:wrappingTextBoxFlag xmlns:ma14="http://schemas.microsoft.com/office/mac/drawingml/2011/main" xmlns="" val="1"/>
             </a:ext>
           </a:extLst>
         </p:spPr>
@@ -3218,7 +3292,7 @@
           <a:lstStyle/>
           <a:p>
             <a:pPr defTabSz="457200">
-              <a:defRPr b="1" sz="500">
+              <a:defRPr sz="500" b="1">
                 <a:latin typeface="Calibri"/>
                 <a:ea typeface="Calibri"/>
                 <a:cs typeface="Calibri"/>
@@ -3240,12 +3314,12 @@
   <p:clrMapOvr>
     <a:masterClrMapping/>
   </p:clrMapOvr>
-  <p:transition xmlns:p14="http://schemas.microsoft.com/office/powerpoint/2010/main" spd="med" advClick="1"/>
+  <p:transition spd="med"/>
 </p:sld>
 </file>
 
 <file path=ppt/slides/slide2.xml><?xml version="1.0" encoding="utf-8"?>
-<p:sld xmlns:a="http://schemas.openxmlformats.org/drawingml/2006/main" xmlns:r="http://schemas.openxmlformats.org/officeDocument/2006/relationships" xmlns:p="http://schemas.openxmlformats.org/presentationml/2006/main" showMasterSp="1" showMasterPhAnim="1">
+<p:sld xmlns:a="http://schemas.openxmlformats.org/drawingml/2006/main" xmlns:r="http://schemas.openxmlformats.org/officeDocument/2006/relationships" xmlns:p="http://schemas.openxmlformats.org/presentationml/2006/main">
   <p:cSld>
     <p:spTree>
       <p:nvGrpSpPr>
@@ -3294,7 +3368,7 @@
           <a:bodyPr lIns="45719" rIns="45719" anchor="ctr"/>
           <a:lstStyle/>
           <a:p>
-            <a:pPr/>
+            <a:endParaRPr/>
           </a:p>
         </p:txBody>
       </p:sp>
@@ -3317,7 +3391,7 @@
           </a:ln>
           <a:extLst>
             <a:ext uri="{C572A759-6A51-4108-AA02-DFA0A04FC94B}">
-              <ma14:wrappingTextBoxFlag xmlns:ma14="http://schemas.microsoft.com/office/mac/drawingml/2011/main" val="1"/>
+              <ma14:wrappingTextBoxFlag xmlns:ma14="http://schemas.microsoft.com/office/mac/drawingml/2011/main" xmlns="" val="1"/>
             </a:ext>
           </a:extLst>
         </p:spPr>
@@ -3327,7 +3401,7 @@
           </a:bodyPr>
           <a:lstStyle>
             <a:lvl1pPr>
-              <a:defRPr b="1" sz="2000">
+              <a:defRPr sz="2000" b="1">
                 <a:solidFill>
                   <a:srgbClr val="FFFFFF"/>
                 </a:solidFill>
@@ -3335,7 +3409,6 @@
             </a:lvl1pPr>
           </a:lstStyle>
           <a:p>
-            <a:pPr/>
             <a:r>
               <a:t>Agenda</a:t>
             </a:r>
@@ -3361,7 +3434,7 @@
           </a:ln>
           <a:extLst>
             <a:ext uri="{C572A759-6A51-4108-AA02-DFA0A04FC94B}">
-              <ma14:wrappingTextBoxFlag xmlns:ma14="http://schemas.microsoft.com/office/mac/drawingml/2011/main" val="1"/>
+              <ma14:wrappingTextBoxFlag xmlns:ma14="http://schemas.microsoft.com/office/mac/drawingml/2011/main" xmlns="" val="1"/>
             </a:ext>
           </a:extLst>
         </p:spPr>
@@ -3379,7 +3452,7 @@
                 <a:srgbClr val="000000"/>
               </a:buClr>
               <a:buSzPts val="2000"/>
-              <a:buAutoNum type="arabicPeriod" startAt="1"/>
+              <a:buAutoNum type="arabicPeriod"/>
               <a:defRPr sz="2000">
                 <a:latin typeface="Open Sans"/>
                 <a:ea typeface="Open Sans"/>
@@ -3400,7 +3473,7 @@
                 <a:srgbClr val="000000"/>
               </a:buClr>
               <a:buSzPts val="2000"/>
-              <a:buAutoNum type="arabicPeriod" startAt="1"/>
+              <a:buAutoNum type="arabicPeriod"/>
               <a:defRPr sz="2000">
                 <a:latin typeface="Open Sans"/>
                 <a:ea typeface="Open Sans"/>
@@ -3421,7 +3494,7 @@
                 <a:srgbClr val="000000"/>
               </a:buClr>
               <a:buSzPts val="2000"/>
-              <a:buAutoNum type="arabicPeriod" startAt="1"/>
+              <a:buAutoNum type="arabicPeriod"/>
               <a:defRPr sz="2000">
                 <a:latin typeface="Open Sans"/>
                 <a:ea typeface="Open Sans"/>
@@ -3442,7 +3515,7 @@
                 <a:srgbClr val="000000"/>
               </a:buClr>
               <a:buSzPts val="2000"/>
-              <a:buAutoNum type="arabicPeriod" startAt="1"/>
+              <a:buAutoNum type="arabicPeriod"/>
               <a:defRPr sz="2000">
                 <a:latin typeface="Open Sans"/>
                 <a:ea typeface="Open Sans"/>
@@ -3478,7 +3551,7 @@
           </a:ln>
           <a:extLst>
             <a:ext uri="{C572A759-6A51-4108-AA02-DFA0A04FC94B}">
-              <ma14:wrappingTextBoxFlag xmlns:ma14="http://schemas.microsoft.com/office/mac/drawingml/2011/main" val="1"/>
+              <ma14:wrappingTextBoxFlag xmlns:ma14="http://schemas.microsoft.com/office/mac/drawingml/2011/main" xmlns="" val="1"/>
             </a:ext>
           </a:extLst>
         </p:spPr>
@@ -3487,7 +3560,7 @@
           <a:lstStyle/>
           <a:p>
             <a:pPr defTabSz="457200">
-              <a:defRPr b="1" sz="500">
+              <a:defRPr sz="500" b="1">
                 <a:latin typeface="Calibri"/>
                 <a:ea typeface="Calibri"/>
                 <a:cs typeface="Calibri"/>
@@ -3509,12 +3582,12 @@
   <p:clrMapOvr>
     <a:masterClrMapping/>
   </p:clrMapOvr>
-  <p:transition xmlns:p14="http://schemas.microsoft.com/office/powerpoint/2010/main" spd="med" advClick="1"/>
+  <p:transition spd="med"/>
 </p:sld>
 </file>
 
 <file path=ppt/slides/slide3.xml><?xml version="1.0" encoding="utf-8"?>
-<p:sld xmlns:a="http://schemas.openxmlformats.org/drawingml/2006/main" xmlns:r="http://schemas.openxmlformats.org/officeDocument/2006/relationships" xmlns:p="http://schemas.openxmlformats.org/presentationml/2006/main" showMasterSp="1" showMasterPhAnim="1">
+<p:sld xmlns:a="http://schemas.openxmlformats.org/drawingml/2006/main" xmlns:r="http://schemas.openxmlformats.org/officeDocument/2006/relationships" xmlns:p="http://schemas.openxmlformats.org/presentationml/2006/main">
   <p:cSld>
     <p:spTree>
       <p:nvGrpSpPr>
@@ -3563,7 +3636,7 @@
           <a:bodyPr lIns="45719" rIns="45719" anchor="ctr"/>
           <a:lstStyle/>
           <a:p>
-            <a:pPr/>
+            <a:endParaRPr/>
           </a:p>
         </p:txBody>
       </p:sp>
@@ -3586,7 +3659,7 @@
           </a:ln>
           <a:extLst>
             <a:ext uri="{C572A759-6A51-4108-AA02-DFA0A04FC94B}">
-              <ma14:wrappingTextBoxFlag xmlns:ma14="http://schemas.microsoft.com/office/mac/drawingml/2011/main" val="1"/>
+              <ma14:wrappingTextBoxFlag xmlns:ma14="http://schemas.microsoft.com/office/mac/drawingml/2011/main" xmlns="" val="1"/>
             </a:ext>
           </a:extLst>
         </p:spPr>
@@ -3596,7 +3669,7 @@
           </a:bodyPr>
           <a:lstStyle>
             <a:lvl1pPr>
-              <a:defRPr b="1" sz="2000">
+              <a:defRPr sz="2000" b="1">
                 <a:solidFill>
                   <a:srgbClr val="FFFFFF"/>
                 </a:solidFill>
@@ -3604,7 +3677,6 @@
             </a:lvl1pPr>
           </a:lstStyle>
           <a:p>
-            <a:pPr/>
             <a:r>
               <a:t>Introduction</a:t>
             </a:r>
@@ -3630,7 +3702,7 @@
           </a:ln>
           <a:extLst>
             <a:ext uri="{C572A759-6A51-4108-AA02-DFA0A04FC94B}">
-              <ma14:wrappingTextBoxFlag xmlns:ma14="http://schemas.microsoft.com/office/mac/drawingml/2011/main" val="1"/>
+              <ma14:wrappingTextBoxFlag xmlns:ma14="http://schemas.microsoft.com/office/mac/drawingml/2011/main" xmlns="" val="1"/>
             </a:ext>
           </a:extLst>
         </p:spPr>
@@ -3643,7 +3715,7 @@
               <a:lnSpc>
                 <a:spcPct val="115000"/>
               </a:lnSpc>
-              <a:defRPr b="1" sz="2000">
+              <a:defRPr sz="2000" b="1">
                 <a:latin typeface="Open Sans"/>
                 <a:ea typeface="Open Sans"/>
                 <a:cs typeface="Open Sans"/>
@@ -3652,7 +3724,6 @@
             </a:lvl1pPr>
           </a:lstStyle>
           <a:p>
-            <a:pPr/>
             <a:r>
               <a:t>Place headline insight or information here. This should be the most important point for this slide.</a:t>
             </a:r>
@@ -3678,7 +3749,7 @@
           </a:ln>
           <a:extLst>
             <a:ext uri="{C572A759-6A51-4108-AA02-DFA0A04FC94B}">
-              <ma14:wrappingTextBoxFlag xmlns:ma14="http://schemas.microsoft.com/office/mac/drawingml/2011/main" val="1"/>
+              <ma14:wrappingTextBoxFlag xmlns:ma14="http://schemas.microsoft.com/office/mac/drawingml/2011/main" xmlns="" val="1"/>
             </a:ext>
           </a:extLst>
         </p:spPr>
@@ -3700,7 +3771,6 @@
             </a:lvl1pPr>
           </a:lstStyle>
           <a:p>
-            <a:pPr/>
             <a:r>
               <a:t>Place any information about this point here.</a:t>
             </a:r>
@@ -3757,6 +3827,7 @@
                   </a:solidFill>
                 </a:defRPr>
               </a:pPr>
+              <a:endParaRPr/>
             </a:p>
           </p:txBody>
         </p:sp>
@@ -3782,7 +3853,7 @@
             <a:effectLst/>
             <a:extLst>
               <a:ext uri="{C572A759-6A51-4108-AA02-DFA0A04FC94B}">
-                <ma14:wrappingTextBoxFlag xmlns:ma14="http://schemas.microsoft.com/office/mac/drawingml/2011/main" val="1"/>
+                <ma14:wrappingTextBoxFlag xmlns:ma14="http://schemas.microsoft.com/office/mac/drawingml/2011/main" xmlns="" val="1"/>
               </a:ext>
             </a:extLst>
           </p:spPr>
@@ -3800,7 +3871,6 @@
               </a:lvl1pPr>
             </a:lstStyle>
             <a:p>
-              <a:pPr/>
               <a:r>
                 <a:t>Place any supporting images, graphs, data or extra text here.</a:t>
               </a:r>
@@ -3830,7 +3900,7 @@
           </a:ln>
           <a:extLst>
             <a:ext uri="{C572A759-6A51-4108-AA02-DFA0A04FC94B}">
-              <ma14:wrappingTextBoxFlag xmlns:ma14="http://schemas.microsoft.com/office/mac/drawingml/2011/main" val="1"/>
+              <ma14:wrappingTextBoxFlag xmlns:ma14="http://schemas.microsoft.com/office/mac/drawingml/2011/main" xmlns="" val="1"/>
             </a:ext>
           </a:extLst>
         </p:spPr>
@@ -3839,7 +3909,7 @@
           <a:lstStyle/>
           <a:p>
             <a:pPr defTabSz="457200">
-              <a:defRPr b="1" sz="500">
+              <a:defRPr sz="500" b="1">
                 <a:latin typeface="Calibri"/>
                 <a:ea typeface="Calibri"/>
                 <a:cs typeface="Calibri"/>
@@ -3861,12 +3931,12 @@
   <p:clrMapOvr>
     <a:masterClrMapping/>
   </p:clrMapOvr>
-  <p:transition xmlns:p14="http://schemas.microsoft.com/office/powerpoint/2010/main" spd="med" advClick="1"/>
+  <p:transition spd="med"/>
 </p:sld>
 </file>
 
 <file path=ppt/slides/slide4.xml><?xml version="1.0" encoding="utf-8"?>
-<p:sld xmlns:a="http://schemas.openxmlformats.org/drawingml/2006/main" xmlns:r="http://schemas.openxmlformats.org/officeDocument/2006/relationships" xmlns:p="http://schemas.openxmlformats.org/presentationml/2006/main" showMasterSp="1" showMasterPhAnim="1">
+<p:sld xmlns:a="http://schemas.openxmlformats.org/drawingml/2006/main" xmlns:r="http://schemas.openxmlformats.org/officeDocument/2006/relationships" xmlns:p="http://schemas.openxmlformats.org/presentationml/2006/main">
   <p:cSld>
     <p:spTree>
       <p:nvGrpSpPr>
@@ -3915,7 +3985,7 @@
           <a:bodyPr lIns="45719" rIns="45719" anchor="ctr"/>
           <a:lstStyle/>
           <a:p>
-            <a:pPr/>
+            <a:endParaRPr/>
           </a:p>
         </p:txBody>
       </p:sp>
@@ -3938,7 +4008,7 @@
           </a:ln>
           <a:extLst>
             <a:ext uri="{C572A759-6A51-4108-AA02-DFA0A04FC94B}">
-              <ma14:wrappingTextBoxFlag xmlns:ma14="http://schemas.microsoft.com/office/mac/drawingml/2011/main" val="1"/>
+              <ma14:wrappingTextBoxFlag xmlns:ma14="http://schemas.microsoft.com/office/mac/drawingml/2011/main" xmlns="" val="1"/>
             </a:ext>
           </a:extLst>
         </p:spPr>
@@ -3948,7 +4018,7 @@
           </a:bodyPr>
           <a:lstStyle>
             <a:lvl1pPr>
-              <a:defRPr b="1" sz="2000">
+              <a:defRPr sz="2000" b="1">
                 <a:solidFill>
                   <a:srgbClr val="FFFFFF"/>
                 </a:solidFill>
@@ -3956,7 +4026,6 @@
             </a:lvl1pPr>
           </a:lstStyle>
           <a:p>
-            <a:pPr/>
             <a:r>
               <a:t>Data Exploration</a:t>
             </a:r>
@@ -3972,7 +4041,7 @@
         <p:spPr>
           <a:xfrm>
             <a:off x="205025" y="1083299"/>
-            <a:ext cx="8565600" cy="920086"/>
+            <a:ext cx="8565600" cy="871745"/>
           </a:xfrm>
           <a:prstGeom prst="rect">
             <a:avLst/>
@@ -3982,7 +4051,7 @@
           </a:ln>
           <a:extLst>
             <a:ext uri="{C572A759-6A51-4108-AA02-DFA0A04FC94B}">
-              <ma14:wrappingTextBoxFlag xmlns:ma14="http://schemas.microsoft.com/office/mac/drawingml/2011/main" val="1"/>
+              <ma14:wrappingTextBoxFlag xmlns:ma14="http://schemas.microsoft.com/office/mac/drawingml/2011/main" xmlns="" val="1"/>
             </a:ext>
           </a:extLst>
         </p:spPr>
@@ -3995,7 +4064,7 @@
               <a:lnSpc>
                 <a:spcPct val="115000"/>
               </a:lnSpc>
-              <a:defRPr b="1" sz="2000">
+              <a:defRPr sz="2000" b="1">
                 <a:latin typeface="Open Sans"/>
                 <a:ea typeface="Open Sans"/>
                 <a:cs typeface="Open Sans"/>
@@ -4004,10 +4073,23 @@
             </a:lvl1pPr>
           </a:lstStyle>
           <a:p>
-            <a:pPr/>
-            <a:r>
-              <a:t>Place headline insight or information here. This should be the most important point for this slide.</a:t>
-            </a:r>
+            <a:r>
+              <a:rPr lang="en-US" dirty="0"/>
+              <a:t>The manufacturing, financial service, health and retail occupy </a:t>
+            </a:r>
+            <a:r>
+              <a:rPr lang="en-US" dirty="0">
+                <a:solidFill>
+                  <a:srgbClr val="FF0000"/>
+                </a:solidFill>
+              </a:rPr>
+              <a:t>75.9% </a:t>
+            </a:r>
+            <a:r>
+              <a:rPr lang="en-US" dirty="0"/>
+              <a:t>of the bike related purchased over the past 3 years.</a:t>
+            </a:r>
+            <a:endParaRPr dirty="0"/>
           </a:p>
         </p:txBody>
       </p:sp>
@@ -4020,7 +4102,7 @@
         <p:spPr>
           <a:xfrm>
             <a:off x="205025" y="2164724"/>
-            <a:ext cx="4134600" cy="436851"/>
+            <a:ext cx="4134600" cy="401168"/>
           </a:xfrm>
           <a:prstGeom prst="rect">
             <a:avLst/>
@@ -4030,7 +4112,7 @@
           </a:ln>
           <a:extLst>
             <a:ext uri="{C572A759-6A51-4108-AA02-DFA0A04FC94B}">
-              <ma14:wrappingTextBoxFlag xmlns:ma14="http://schemas.microsoft.com/office/mac/drawingml/2011/main" val="1"/>
+              <ma14:wrappingTextBoxFlag xmlns:ma14="http://schemas.microsoft.com/office/mac/drawingml/2011/main" xmlns="" val="1"/>
             </a:ext>
           </a:extLst>
         </p:spPr>
@@ -4052,114 +4134,57 @@
             </a:lvl1pPr>
           </a:lstStyle>
           <a:p>
-            <a:pPr/>
-            <a:r>
+            <a:pPr marL="285750" indent="-285750">
+              <a:buFont typeface="Arial" panose="020B0604020202020204" pitchFamily="34" charset="0"/>
+              <a:buChar char="•"/>
+            </a:pPr>
+            <a:r>
+              <a:rPr sz="1300" dirty="0"/>
               <a:t>Place any information about this point here.</a:t>
             </a:r>
           </a:p>
         </p:txBody>
       </p:sp>
-      <p:grpSp>
-        <p:nvGrpSpPr>
-          <p:cNvPr id="136" name="Shape 83"/>
-          <p:cNvGrpSpPr/>
+      <p:sp>
+        <p:nvSpPr>
+          <p:cNvPr id="134" name="Rectangle"/>
+          <p:cNvSpPr/>
           <p:nvPr/>
-        </p:nvGrpSpPr>
-        <p:grpSpPr>
+        </p:nvSpPr>
+        <p:spPr>
           <a:xfrm>
-            <a:off x="4969974" y="2164724"/>
-            <a:ext cx="3800702" cy="2649302"/>
-            <a:chOff x="0" y="0"/>
-            <a:chExt cx="3800700" cy="2649300"/>
+            <a:off x="4969973" y="2164723"/>
+            <a:ext cx="3800704" cy="2649304"/>
           </a:xfrm>
-        </p:grpSpPr>
-        <p:sp>
-          <p:nvSpPr>
-            <p:cNvPr id="134" name="Rectangle"/>
-            <p:cNvSpPr/>
-            <p:nvPr/>
-          </p:nvSpPr>
-          <p:spPr>
-            <a:xfrm>
-              <a:off x="-1" y="-1"/>
-              <a:ext cx="3800702" cy="2649302"/>
-            </a:xfrm>
-            <a:prstGeom prst="rect">
-              <a:avLst/>
-            </a:prstGeom>
-            <a:solidFill>
-              <a:srgbClr val="EEEEEE"/>
-            </a:solidFill>
-            <a:ln w="12700" cap="flat">
-              <a:noFill/>
-              <a:miter lim="400000"/>
-            </a:ln>
-            <a:effectLst/>
-          </p:spPr>
-          <p:txBody>
-            <a:bodyPr wrap="square" lIns="45719" tIns="45719" rIns="45719" bIns="45719" numCol="1" anchor="ctr">
-              <a:noAutofit/>
-            </a:bodyPr>
-            <a:lstStyle/>
-            <a:p>
-              <a:pPr algn="ctr">
-                <a:defRPr>
-                  <a:solidFill>
-                    <a:srgbClr val="666666"/>
-                  </a:solidFill>
-                </a:defRPr>
-              </a:pPr>
-            </a:p>
-          </p:txBody>
-        </p:sp>
-        <p:sp>
-          <p:nvSpPr>
-            <p:cNvPr id="135" name="Place any supporting images, graphs, data or extra text here."/>
-            <p:cNvSpPr/>
-            <p:nvPr/>
-          </p:nvSpPr>
-          <p:spPr>
-            <a:xfrm>
-              <a:off x="-1" y="1032933"/>
-              <a:ext cx="3800702" cy="583434"/>
-            </a:xfrm>
-            <a:prstGeom prst="rect">
-              <a:avLst/>
-            </a:prstGeom>
+          <a:prstGeom prst="rect">
+            <a:avLst/>
+          </a:prstGeom>
+          <a:solidFill>
+            <a:srgbClr val="EEEEEE"/>
+          </a:solidFill>
+          <a:ln w="12700" cap="flat">
             <a:noFill/>
-            <a:ln w="12700" cap="flat">
-              <a:noFill/>
-              <a:miter lim="400000"/>
-            </a:ln>
-            <a:effectLst/>
-            <a:extLst>
-              <a:ext uri="{C572A759-6A51-4108-AA02-DFA0A04FC94B}">
-                <ma14:wrappingTextBoxFlag xmlns:ma14="http://schemas.microsoft.com/office/mac/drawingml/2011/main" val="1"/>
-              </a:ext>
-            </a:extLst>
-          </p:spPr>
-          <p:txBody>
-            <a:bodyPr wrap="square" lIns="91424" tIns="91424" rIns="91424" bIns="91424" numCol="1" anchor="ctr">
-              <a:spAutoFit/>
-            </a:bodyPr>
-            <a:lstStyle>
-              <a:lvl1pPr algn="ctr">
-                <a:defRPr>
-                  <a:solidFill>
-                    <a:srgbClr val="666666"/>
-                  </a:solidFill>
-                </a:defRPr>
-              </a:lvl1pPr>
-            </a:lstStyle>
-            <a:p>
-              <a:pPr/>
-              <a:r>
-                <a:t>Place any supporting images, graphs, data or extra text here.</a:t>
-              </a:r>
-            </a:p>
-          </p:txBody>
-        </p:sp>
-      </p:grpSp>
+            <a:miter lim="400000"/>
+          </a:ln>
+          <a:effectLst/>
+        </p:spPr>
+        <p:txBody>
+          <a:bodyPr wrap="square" lIns="45719" tIns="45719" rIns="45719" bIns="45719" numCol="1" anchor="ctr">
+            <a:noAutofit/>
+          </a:bodyPr>
+          <a:lstStyle/>
+          <a:p>
+            <a:pPr algn="ctr">
+              <a:defRPr>
+                <a:solidFill>
+                  <a:srgbClr val="666666"/>
+                </a:solidFill>
+              </a:defRPr>
+            </a:pPr>
+            <a:endParaRPr/>
+          </a:p>
+        </p:txBody>
+      </p:sp>
       <p:sp>
         <p:nvSpPr>
           <p:cNvPr id="137" name="Note: The data and information in this document is reflective of a hypothetical situation and client. This document is to be used for KPMG Virtual Internship purposes only."/>
@@ -4182,7 +4207,7 @@
           </a:ln>
           <a:extLst>
             <a:ext uri="{C572A759-6A51-4108-AA02-DFA0A04FC94B}">
-              <ma14:wrappingTextBoxFlag xmlns:ma14="http://schemas.microsoft.com/office/mac/drawingml/2011/main" val="1"/>
+              <ma14:wrappingTextBoxFlag xmlns:ma14="http://schemas.microsoft.com/office/mac/drawingml/2011/main" xmlns="" val="1"/>
             </a:ext>
           </a:extLst>
         </p:spPr>
@@ -4191,7 +4216,7 @@
           <a:lstStyle/>
           <a:p>
             <a:pPr defTabSz="457200">
-              <a:defRPr b="1" sz="500">
+              <a:defRPr sz="500" b="1">
                 <a:latin typeface="Calibri"/>
                 <a:ea typeface="Calibri"/>
                 <a:cs typeface="Calibri"/>
@@ -4208,17 +4233,53 @@
           </a:p>
         </p:txBody>
       </p:sp>
+      <p:pic>
+        <p:nvPicPr>
+          <p:cNvPr id="3" name="Picture 2">
+            <a:extLst>
+              <a:ext uri="{FF2B5EF4-FFF2-40B4-BE49-F238E27FC236}">
+                <a16:creationId xmlns:a16="http://schemas.microsoft.com/office/drawing/2014/main" id="{4D78A760-E8D7-EB48-AA58-79C351A5B2E0}"/>
+              </a:ext>
+            </a:extLst>
+          </p:cNvPr>
+          <p:cNvPicPr>
+            <a:picLocks noChangeAspect="1"/>
+          </p:cNvPicPr>
+          <p:nvPr/>
+        </p:nvPicPr>
+        <p:blipFill>
+          <a:blip r:embed="rId2">
+            <a:extLst>
+              <a:ext uri="{28A0092B-C50C-407E-A947-70E740481C1C}">
+                <a14:useLocalDpi xmlns:a14="http://schemas.microsoft.com/office/drawing/2010/main" val="0"/>
+              </a:ext>
+            </a:extLst>
+          </a:blip>
+          <a:stretch>
+            <a:fillRect/>
+          </a:stretch>
+        </p:blipFill>
+        <p:spPr>
+          <a:xfrm>
+            <a:off x="5240317" y="2244237"/>
+            <a:ext cx="3386848" cy="2645827"/>
+          </a:xfrm>
+          <a:prstGeom prst="rect">
+            <a:avLst/>
+          </a:prstGeom>
+        </p:spPr>
+      </p:pic>
     </p:spTree>
   </p:cSld>
   <p:clrMapOvr>
     <a:masterClrMapping/>
   </p:clrMapOvr>
-  <p:transition xmlns:p14="http://schemas.microsoft.com/office/powerpoint/2010/main" spd="med" advClick="1"/>
+  <p:transition spd="med"/>
 </p:sld>
 </file>
 
 <file path=ppt/slides/slide5.xml><?xml version="1.0" encoding="utf-8"?>
-<p:sld xmlns:a="http://schemas.openxmlformats.org/drawingml/2006/main" xmlns:r="http://schemas.openxmlformats.org/officeDocument/2006/relationships" xmlns:p="http://schemas.openxmlformats.org/presentationml/2006/main" showMasterSp="1" showMasterPhAnim="1">
+<p:sld xmlns:a="http://schemas.openxmlformats.org/drawingml/2006/main" xmlns:r="http://schemas.openxmlformats.org/officeDocument/2006/relationships" xmlns:p="http://schemas.openxmlformats.org/presentationml/2006/main">
   <p:cSld>
     <p:spTree>
       <p:nvGrpSpPr>
@@ -4267,7 +4328,7 @@
           <a:bodyPr lIns="45719" rIns="45719" anchor="ctr"/>
           <a:lstStyle/>
           <a:p>
-            <a:pPr/>
+            <a:endParaRPr/>
           </a:p>
         </p:txBody>
       </p:sp>
@@ -4290,7 +4351,7 @@
           </a:ln>
           <a:extLst>
             <a:ext uri="{C572A759-6A51-4108-AA02-DFA0A04FC94B}">
-              <ma14:wrappingTextBoxFlag xmlns:ma14="http://schemas.microsoft.com/office/mac/drawingml/2011/main" val="1"/>
+              <ma14:wrappingTextBoxFlag xmlns:ma14="http://schemas.microsoft.com/office/mac/drawingml/2011/main" xmlns="" val="1"/>
             </a:ext>
           </a:extLst>
         </p:spPr>
@@ -4300,7 +4361,7 @@
           </a:bodyPr>
           <a:lstStyle>
             <a:lvl1pPr>
-              <a:defRPr b="1" sz="2000">
+              <a:defRPr sz="2000" b="1">
                 <a:solidFill>
                   <a:srgbClr val="FFFFFF"/>
                 </a:solidFill>
@@ -4308,7 +4369,6 @@
             </a:lvl1pPr>
           </a:lstStyle>
           <a:p>
-            <a:pPr/>
             <a:r>
               <a:t>Model Development</a:t>
             </a:r>
@@ -4334,7 +4394,7 @@
           </a:ln>
           <a:extLst>
             <a:ext uri="{C572A759-6A51-4108-AA02-DFA0A04FC94B}">
-              <ma14:wrappingTextBoxFlag xmlns:ma14="http://schemas.microsoft.com/office/mac/drawingml/2011/main" val="1"/>
+              <ma14:wrappingTextBoxFlag xmlns:ma14="http://schemas.microsoft.com/office/mac/drawingml/2011/main" xmlns="" val="1"/>
             </a:ext>
           </a:extLst>
         </p:spPr>
@@ -4347,7 +4407,7 @@
               <a:lnSpc>
                 <a:spcPct val="115000"/>
               </a:lnSpc>
-              <a:defRPr b="1" sz="2000">
+              <a:defRPr sz="2000" b="1">
                 <a:latin typeface="Open Sans"/>
                 <a:ea typeface="Open Sans"/>
                 <a:cs typeface="Open Sans"/>
@@ -4356,7 +4416,6 @@
             </a:lvl1pPr>
           </a:lstStyle>
           <a:p>
-            <a:pPr/>
             <a:r>
               <a:t>Place headline insight or information here. This should be the most important point for this slide.</a:t>
             </a:r>
@@ -4382,7 +4441,7 @@
           </a:ln>
           <a:extLst>
             <a:ext uri="{C572A759-6A51-4108-AA02-DFA0A04FC94B}">
-              <ma14:wrappingTextBoxFlag xmlns:ma14="http://schemas.microsoft.com/office/mac/drawingml/2011/main" val="1"/>
+              <ma14:wrappingTextBoxFlag xmlns:ma14="http://schemas.microsoft.com/office/mac/drawingml/2011/main" xmlns="" val="1"/>
             </a:ext>
           </a:extLst>
         </p:spPr>
@@ -4404,7 +4463,6 @@
             </a:lvl1pPr>
           </a:lstStyle>
           <a:p>
-            <a:pPr/>
             <a:r>
               <a:t>Place any information about this point here.</a:t>
             </a:r>
@@ -4461,6 +4519,7 @@
                   </a:solidFill>
                 </a:defRPr>
               </a:pPr>
+              <a:endParaRPr/>
             </a:p>
           </p:txBody>
         </p:sp>
@@ -4486,7 +4545,7 @@
             <a:effectLst/>
             <a:extLst>
               <a:ext uri="{C572A759-6A51-4108-AA02-DFA0A04FC94B}">
-                <ma14:wrappingTextBoxFlag xmlns:ma14="http://schemas.microsoft.com/office/mac/drawingml/2011/main" val="1"/>
+                <ma14:wrappingTextBoxFlag xmlns:ma14="http://schemas.microsoft.com/office/mac/drawingml/2011/main" xmlns="" val="1"/>
               </a:ext>
             </a:extLst>
           </p:spPr>
@@ -4504,7 +4563,6 @@
               </a:lvl1pPr>
             </a:lstStyle>
             <a:p>
-              <a:pPr/>
               <a:r>
                 <a:t>Place any supporting images, graphs, data or extra text here.</a:t>
               </a:r>
@@ -4534,7 +4592,7 @@
           </a:ln>
           <a:extLst>
             <a:ext uri="{C572A759-6A51-4108-AA02-DFA0A04FC94B}">
-              <ma14:wrappingTextBoxFlag xmlns:ma14="http://schemas.microsoft.com/office/mac/drawingml/2011/main" val="1"/>
+              <ma14:wrappingTextBoxFlag xmlns:ma14="http://schemas.microsoft.com/office/mac/drawingml/2011/main" xmlns="" val="1"/>
             </a:ext>
           </a:extLst>
         </p:spPr>
@@ -4543,7 +4601,7 @@
           <a:lstStyle/>
           <a:p>
             <a:pPr defTabSz="457200">
-              <a:defRPr b="1" sz="500">
+              <a:defRPr sz="500" b="1">
                 <a:latin typeface="Calibri"/>
                 <a:ea typeface="Calibri"/>
                 <a:cs typeface="Calibri"/>
@@ -4565,12 +4623,12 @@
   <p:clrMapOvr>
     <a:masterClrMapping/>
   </p:clrMapOvr>
-  <p:transition xmlns:p14="http://schemas.microsoft.com/office/powerpoint/2010/main" spd="med" advClick="1"/>
+  <p:transition spd="med"/>
 </p:sld>
 </file>
 
 <file path=ppt/slides/slide6.xml><?xml version="1.0" encoding="utf-8"?>
-<p:sld xmlns:a="http://schemas.openxmlformats.org/drawingml/2006/main" xmlns:r="http://schemas.openxmlformats.org/officeDocument/2006/relationships" xmlns:p="http://schemas.openxmlformats.org/presentationml/2006/main" showMasterSp="1" showMasterPhAnim="1">
+<p:sld xmlns:a="http://schemas.openxmlformats.org/drawingml/2006/main" xmlns:r="http://schemas.openxmlformats.org/officeDocument/2006/relationships" xmlns:p="http://schemas.openxmlformats.org/presentationml/2006/main">
   <p:cSld>
     <p:spTree>
       <p:nvGrpSpPr>
@@ -4619,7 +4677,7 @@
           <a:bodyPr lIns="45719" rIns="45719" anchor="ctr"/>
           <a:lstStyle/>
           <a:p>
-            <a:pPr/>
+            <a:endParaRPr/>
           </a:p>
         </p:txBody>
       </p:sp>
@@ -4642,7 +4700,7 @@
           </a:ln>
           <a:extLst>
             <a:ext uri="{C572A759-6A51-4108-AA02-DFA0A04FC94B}">
-              <ma14:wrappingTextBoxFlag xmlns:ma14="http://schemas.microsoft.com/office/mac/drawingml/2011/main" val="1"/>
+              <ma14:wrappingTextBoxFlag xmlns:ma14="http://schemas.microsoft.com/office/mac/drawingml/2011/main" xmlns="" val="1"/>
             </a:ext>
           </a:extLst>
         </p:spPr>
@@ -4652,7 +4710,7 @@
           </a:bodyPr>
           <a:lstStyle>
             <a:lvl1pPr>
-              <a:defRPr b="1" sz="2000">
+              <a:defRPr sz="2000" b="1">
                 <a:solidFill>
                   <a:srgbClr val="FFFFFF"/>
                 </a:solidFill>
@@ -4660,7 +4718,6 @@
             </a:lvl1pPr>
           </a:lstStyle>
           <a:p>
-            <a:pPr/>
             <a:r>
               <a:t>Interpretation</a:t>
             </a:r>
@@ -4686,7 +4743,7 @@
           </a:ln>
           <a:extLst>
             <a:ext uri="{C572A759-6A51-4108-AA02-DFA0A04FC94B}">
-              <ma14:wrappingTextBoxFlag xmlns:ma14="http://schemas.microsoft.com/office/mac/drawingml/2011/main" val="1"/>
+              <ma14:wrappingTextBoxFlag xmlns:ma14="http://schemas.microsoft.com/office/mac/drawingml/2011/main" xmlns="" val="1"/>
             </a:ext>
           </a:extLst>
         </p:spPr>
@@ -4699,7 +4756,7 @@
               <a:lnSpc>
                 <a:spcPct val="115000"/>
               </a:lnSpc>
-              <a:defRPr b="1" sz="2000">
+              <a:defRPr sz="2000" b="1">
                 <a:latin typeface="Open Sans"/>
                 <a:ea typeface="Open Sans"/>
                 <a:cs typeface="Open Sans"/>
@@ -4708,7 +4765,6 @@
             </a:lvl1pPr>
           </a:lstStyle>
           <a:p>
-            <a:pPr/>
             <a:r>
               <a:t>Place headline insight or information here. This should be the most important point for this slide.</a:t>
             </a:r>
@@ -4734,7 +4790,7 @@
           </a:ln>
           <a:extLst>
             <a:ext uri="{C572A759-6A51-4108-AA02-DFA0A04FC94B}">
-              <ma14:wrappingTextBoxFlag xmlns:ma14="http://schemas.microsoft.com/office/mac/drawingml/2011/main" val="1"/>
+              <ma14:wrappingTextBoxFlag xmlns:ma14="http://schemas.microsoft.com/office/mac/drawingml/2011/main" xmlns="" val="1"/>
             </a:ext>
           </a:extLst>
         </p:spPr>
@@ -4756,7 +4812,6 @@
             </a:lvl1pPr>
           </a:lstStyle>
           <a:p>
-            <a:pPr/>
             <a:r>
               <a:t>Place any information about this point here.</a:t>
             </a:r>
@@ -4813,6 +4868,7 @@
                   </a:solidFill>
                 </a:defRPr>
               </a:pPr>
+              <a:endParaRPr/>
             </a:p>
           </p:txBody>
         </p:sp>
@@ -4838,7 +4894,7 @@
             <a:effectLst/>
             <a:extLst>
               <a:ext uri="{C572A759-6A51-4108-AA02-DFA0A04FC94B}">
-                <ma14:wrappingTextBoxFlag xmlns:ma14="http://schemas.microsoft.com/office/mac/drawingml/2011/main" val="1"/>
+                <ma14:wrappingTextBoxFlag xmlns:ma14="http://schemas.microsoft.com/office/mac/drawingml/2011/main" xmlns="" val="1"/>
               </a:ext>
             </a:extLst>
           </p:spPr>
@@ -4856,7 +4912,6 @@
               </a:lvl1pPr>
             </a:lstStyle>
             <a:p>
-              <a:pPr/>
               <a:r>
                 <a:t>Place any supporting images, graphs, data or extra text here.</a:t>
               </a:r>
@@ -4886,7 +4941,7 @@
           </a:ln>
           <a:extLst>
             <a:ext uri="{C572A759-6A51-4108-AA02-DFA0A04FC94B}">
-              <ma14:wrappingTextBoxFlag xmlns:ma14="http://schemas.microsoft.com/office/mac/drawingml/2011/main" val="1"/>
+              <ma14:wrappingTextBoxFlag xmlns:ma14="http://schemas.microsoft.com/office/mac/drawingml/2011/main" xmlns="" val="1"/>
             </a:ext>
           </a:extLst>
         </p:spPr>
@@ -4895,7 +4950,7 @@
           <a:lstStyle/>
           <a:p>
             <a:pPr defTabSz="457200">
-              <a:defRPr b="1" sz="500">
+              <a:defRPr sz="500" b="1">
                 <a:latin typeface="Calibri"/>
                 <a:ea typeface="Calibri"/>
                 <a:cs typeface="Calibri"/>
@@ -4917,12 +4972,12 @@
   <p:clrMapOvr>
     <a:masterClrMapping/>
   </p:clrMapOvr>
-  <p:transition xmlns:p14="http://schemas.microsoft.com/office/powerpoint/2010/main" spd="med" advClick="1"/>
+  <p:transition spd="med"/>
 </p:sld>
 </file>
 
 <file path=ppt/slides/slide7.xml><?xml version="1.0" encoding="utf-8"?>
-<p:sld xmlns:a="http://schemas.openxmlformats.org/drawingml/2006/main" xmlns:r="http://schemas.openxmlformats.org/officeDocument/2006/relationships" xmlns:p="http://schemas.openxmlformats.org/presentationml/2006/main" showMasterSp="1" showMasterPhAnim="1">
+<p:sld xmlns:a="http://schemas.openxmlformats.org/drawingml/2006/main" xmlns:r="http://schemas.openxmlformats.org/officeDocument/2006/relationships" xmlns:p="http://schemas.openxmlformats.org/presentationml/2006/main">
   <p:cSld>
     <p:spTree>
       <p:nvGrpSpPr>
@@ -4945,7 +5000,7 @@
           <p:nvPr/>
         </p:nvSpPr>
         <p:spPr>
-          <a:xfrm flipH="1" rot="10800000">
+          <a:xfrm rot="10800000" flipH="1">
             <a:off x="-1" y="0"/>
             <a:ext cx="9163201" cy="5148001"/>
           </a:xfrm>
@@ -4969,7 +5024,7 @@
             </a:cxnLst>
             <a:rect l="0" t="0" r="r" b="b"/>
             <a:pathLst>
-              <a:path w="21600" h="21600" fill="norm" stroke="1" extrusionOk="0">
+              <a:path w="21600" h="21600" extrusionOk="0">
                 <a:moveTo>
                   <a:pt x="0" y="0"/>
                 </a:moveTo>
@@ -5008,7 +5063,7 @@
           <a:bodyPr lIns="45719" rIns="45719" anchor="ctr"/>
           <a:lstStyle/>
           <a:p>
-            <a:pPr/>
+            <a:endParaRPr/>
           </a:p>
         </p:txBody>
       </p:sp>
@@ -5031,7 +5086,7 @@
           </a:ln>
           <a:extLst>
             <a:ext uri="{C572A759-6A51-4108-AA02-DFA0A04FC94B}">
-              <ma14:wrappingTextBoxFlag xmlns:ma14="http://schemas.microsoft.com/office/mac/drawingml/2011/main" val="1"/>
+              <ma14:wrappingTextBoxFlag xmlns:ma14="http://schemas.microsoft.com/office/mac/drawingml/2011/main" xmlns="" val="1"/>
             </a:ext>
           </a:extLst>
         </p:spPr>
@@ -5053,7 +5108,6 @@
             </a:lvl1pPr>
           </a:lstStyle>
           <a:p>
-            <a:pPr/>
             <a:r>
               <a:t>Appendix</a:t>
             </a:r>
@@ -5082,7 +5136,7 @@
           </a:ln>
           <a:extLst>
             <a:ext uri="{C572A759-6A51-4108-AA02-DFA0A04FC94B}">
-              <ma14:wrappingTextBoxFlag xmlns:ma14="http://schemas.microsoft.com/office/mac/drawingml/2011/main" val="1"/>
+              <ma14:wrappingTextBoxFlag xmlns:ma14="http://schemas.microsoft.com/office/mac/drawingml/2011/main" xmlns="" val="1"/>
             </a:ext>
           </a:extLst>
         </p:spPr>
@@ -5091,7 +5145,7 @@
           <a:lstStyle/>
           <a:p>
             <a:pPr defTabSz="457200">
-              <a:defRPr b="1" sz="500">
+              <a:defRPr sz="500" b="1">
                 <a:latin typeface="Calibri"/>
                 <a:ea typeface="Calibri"/>
                 <a:cs typeface="Calibri"/>
@@ -5113,12 +5167,12 @@
   <p:clrMapOvr>
     <a:masterClrMapping/>
   </p:clrMapOvr>
-  <p:transition xmlns:p14="http://schemas.microsoft.com/office/powerpoint/2010/main" spd="med" advClick="1"/>
+  <p:transition spd="med"/>
 </p:sld>
 </file>
 
 <file path=ppt/slides/slide8.xml><?xml version="1.0" encoding="utf-8"?>
-<p:sld xmlns:a="http://schemas.openxmlformats.org/drawingml/2006/main" xmlns:r="http://schemas.openxmlformats.org/officeDocument/2006/relationships" xmlns:p="http://schemas.openxmlformats.org/presentationml/2006/main" showMasterSp="1" showMasterPhAnim="1">
+<p:sld xmlns:a="http://schemas.openxmlformats.org/drawingml/2006/main" xmlns:r="http://schemas.openxmlformats.org/officeDocument/2006/relationships" xmlns:p="http://schemas.openxmlformats.org/presentationml/2006/main">
   <p:cSld>
     <p:spTree>
       <p:nvGrpSpPr>
@@ -5167,7 +5221,7 @@
           <a:bodyPr lIns="45719" rIns="45719" anchor="ctr"/>
           <a:lstStyle/>
           <a:p>
-            <a:pPr/>
+            <a:endParaRPr/>
           </a:p>
         </p:txBody>
       </p:sp>
@@ -5190,7 +5244,7 @@
           </a:ln>
           <a:extLst>
             <a:ext uri="{C572A759-6A51-4108-AA02-DFA0A04FC94B}">
-              <ma14:wrappingTextBoxFlag xmlns:ma14="http://schemas.microsoft.com/office/mac/drawingml/2011/main" val="1"/>
+              <ma14:wrappingTextBoxFlag xmlns:ma14="http://schemas.microsoft.com/office/mac/drawingml/2011/main" xmlns="" val="1"/>
             </a:ext>
           </a:extLst>
         </p:spPr>
@@ -5200,7 +5254,7 @@
           </a:bodyPr>
           <a:lstStyle>
             <a:lvl1pPr>
-              <a:defRPr b="1" sz="2000">
+              <a:defRPr sz="2000" b="1">
                 <a:solidFill>
                   <a:srgbClr val="FFFFFF"/>
                 </a:solidFill>
@@ -5208,7 +5262,6 @@
             </a:lvl1pPr>
           </a:lstStyle>
           <a:p>
-            <a:pPr/>
             <a:r>
               <a:t>Appendix</a:t>
             </a:r>
@@ -5234,7 +5287,7 @@
           </a:ln>
           <a:extLst>
             <a:ext uri="{C572A759-6A51-4108-AA02-DFA0A04FC94B}">
-              <ma14:wrappingTextBoxFlag xmlns:ma14="http://schemas.microsoft.com/office/mac/drawingml/2011/main" val="1"/>
+              <ma14:wrappingTextBoxFlag xmlns:ma14="http://schemas.microsoft.com/office/mac/drawingml/2011/main" xmlns="" val="1"/>
             </a:ext>
           </a:extLst>
         </p:spPr>
@@ -5247,7 +5300,7 @@
               <a:lnSpc>
                 <a:spcPct val="115000"/>
               </a:lnSpc>
-              <a:defRPr b="1" sz="2000">
+              <a:defRPr sz="2000" b="1">
                 <a:latin typeface="Open Sans"/>
                 <a:ea typeface="Open Sans"/>
                 <a:cs typeface="Open Sans"/>
@@ -5256,7 +5309,6 @@
             </a:lvl1pPr>
           </a:lstStyle>
           <a:p>
-            <a:pPr/>
             <a:r>
               <a:t>This is an optional slide where you may place any supporting items.</a:t>
             </a:r>
@@ -5285,7 +5337,7 @@
           </a:ln>
           <a:extLst>
             <a:ext uri="{C572A759-6A51-4108-AA02-DFA0A04FC94B}">
-              <ma14:wrappingTextBoxFlag xmlns:ma14="http://schemas.microsoft.com/office/mac/drawingml/2011/main" val="1"/>
+              <ma14:wrappingTextBoxFlag xmlns:ma14="http://schemas.microsoft.com/office/mac/drawingml/2011/main" xmlns="" val="1"/>
             </a:ext>
           </a:extLst>
         </p:spPr>
@@ -5294,7 +5346,7 @@
           <a:lstStyle/>
           <a:p>
             <a:pPr defTabSz="457200">
-              <a:defRPr b="1" sz="500">
+              <a:defRPr sz="500" b="1">
                 <a:latin typeface="Calibri"/>
                 <a:ea typeface="Calibri"/>
                 <a:cs typeface="Calibri"/>
@@ -5316,12 +5368,12 @@
   <p:clrMapOvr>
     <a:masterClrMapping/>
   </p:clrMapOvr>
-  <p:transition xmlns:p14="http://schemas.microsoft.com/office/powerpoint/2010/main" spd="med" advClick="1"/>
+  <p:transition spd="med"/>
 </p:sld>
 </file>
 
 <file path=ppt/theme/theme1.xml><?xml version="1.0" encoding="utf-8"?>
-<a:theme xmlns:a="http://schemas.openxmlformats.org/drawingml/2006/main" xmlns:r="http://schemas.openxmlformats.org/officeDocument/2006/relationships" name="Simple Light">
+<a:theme xmlns:a="http://schemas.openxmlformats.org/drawingml/2006/main" name="Simple Light">
   <a:themeElements>
     <a:clrScheme name="Simple Light">
       <a:dk1>
@@ -5447,7 +5499,7 @@
       <a:effectStyleLst>
         <a:effectStyle>
           <a:effectLst>
-            <a:outerShdw sx="100000" sy="100000" kx="0" ky="0" algn="b" rotWithShape="0" blurRad="38100" dist="23000" dir="5400000">
+            <a:outerShdw blurRad="38100" dist="23000" dir="5400000" rotWithShape="0">
               <a:srgbClr val="000000">
                 <a:alpha val="35000"/>
               </a:srgbClr>
@@ -5456,7 +5508,7 @@
         </a:effectStyle>
         <a:effectStyle>
           <a:effectLst>
-            <a:outerShdw sx="100000" sy="100000" kx="0" ky="0" algn="b" rotWithShape="0" blurRad="38100" dist="23000" dir="5400000">
+            <a:outerShdw blurRad="38100" dist="23000" dir="5400000" rotWithShape="0">
               <a:srgbClr val="000000">
                 <a:alpha val="35000"/>
               </a:srgbClr>
@@ -5465,7 +5517,7 @@
         </a:effectStyle>
         <a:effectStyle>
           <a:effectLst>
-            <a:outerShdw sx="100000" sy="100000" kx="0" ky="0" algn="b" rotWithShape="0" blurRad="38100" dist="20000" dir="5400000">
+            <a:outerShdw blurRad="38100" dist="20000" dir="5400000" rotWithShape="0">
               <a:srgbClr val="000000">
                 <a:alpha val="38000"/>
               </a:srgbClr>
@@ -5539,7 +5591,7 @@
           <a:round/>
         </a:ln>
         <a:effectLst>
-          <a:outerShdw sx="100000" sy="100000" kx="0" ky="0" algn="b" rotWithShape="0" blurRad="38100" dist="23000" dir="5400000">
+          <a:outerShdw blurRad="38100" dist="23000" dir="5400000" rotWithShape="0">
             <a:srgbClr val="000000">
               <a:alpha val="35000"/>
             </a:srgbClr>
@@ -5547,7 +5599,7 @@
         </a:effectLst>
         <a:sp3d/>
       </a:spPr>
-      <a:bodyPr rot="0" spcFirstLastPara="1" vertOverflow="overflow" horzOverflow="overflow" vert="horz" wrap="square" lIns="45719" tIns="45719" rIns="45719" bIns="45719" numCol="1" spcCol="38100" rtlCol="0" anchor="ctr" upright="0">
+      <a:bodyPr rot="0" spcFirstLastPara="1" vertOverflow="overflow" horzOverflow="overflow" vert="horz" wrap="square" lIns="45719" tIns="45719" rIns="45719" bIns="45719" numCol="1" spcCol="38100" rtlCol="0" anchor="ctr">
         <a:spAutoFit/>
       </a:bodyPr>
       <a:lstStyle>
@@ -5566,7 +5618,7 @@
           <a:buFontTx/>
           <a:buNone/>
           <a:tabLst/>
-          <a:defRPr b="0" baseline="0" cap="none" i="0" spc="0" strike="noStrike" sz="1400" u="none" kumimoji="0" normalizeH="0">
+          <a:defRPr kumimoji="0" sz="1400" b="0" i="0" u="none" strike="noStrike" cap="none" spc="0" normalizeH="0" baseline="0">
             <a:ln>
               <a:noFill/>
             </a:ln>
@@ -5596,7 +5648,7 @@
           <a:buFontTx/>
           <a:buNone/>
           <a:tabLst/>
-          <a:defRPr b="0" baseline="0" cap="none" i="0" spc="0" strike="noStrike" sz="1800" u="none" kumimoji="0" normalizeH="0">
+          <a:defRPr kumimoji="0" sz="1800" b="0" i="0" u="none" strike="noStrike" cap="none" spc="0" normalizeH="0" baseline="0">
             <a:ln>
               <a:noFill/>
             </a:ln>
@@ -5622,7 +5674,7 @@
           <a:buFontTx/>
           <a:buNone/>
           <a:tabLst/>
-          <a:defRPr b="0" baseline="0" cap="none" i="0" spc="0" strike="noStrike" sz="1800" u="none" kumimoji="0" normalizeH="0">
+          <a:defRPr kumimoji="0" sz="1800" b="0" i="0" u="none" strike="noStrike" cap="none" spc="0" normalizeH="0" baseline="0">
             <a:ln>
               <a:noFill/>
             </a:ln>
@@ -5648,7 +5700,7 @@
           <a:buFontTx/>
           <a:buNone/>
           <a:tabLst/>
-          <a:defRPr b="0" baseline="0" cap="none" i="0" spc="0" strike="noStrike" sz="1800" u="none" kumimoji="0" normalizeH="0">
+          <a:defRPr kumimoji="0" sz="1800" b="0" i="0" u="none" strike="noStrike" cap="none" spc="0" normalizeH="0" baseline="0">
             <a:ln>
               <a:noFill/>
             </a:ln>
@@ -5674,7 +5726,7 @@
           <a:buFontTx/>
           <a:buNone/>
           <a:tabLst/>
-          <a:defRPr b="0" baseline="0" cap="none" i="0" spc="0" strike="noStrike" sz="1800" u="none" kumimoji="0" normalizeH="0">
+          <a:defRPr kumimoji="0" sz="1800" b="0" i="0" u="none" strike="noStrike" cap="none" spc="0" normalizeH="0" baseline="0">
             <a:ln>
               <a:noFill/>
             </a:ln>
@@ -5700,7 +5752,7 @@
           <a:buFontTx/>
           <a:buNone/>
           <a:tabLst/>
-          <a:defRPr b="0" baseline="0" cap="none" i="0" spc="0" strike="noStrike" sz="1800" u="none" kumimoji="0" normalizeH="0">
+          <a:defRPr kumimoji="0" sz="1800" b="0" i="0" u="none" strike="noStrike" cap="none" spc="0" normalizeH="0" baseline="0">
             <a:ln>
               <a:noFill/>
             </a:ln>
@@ -5726,7 +5778,7 @@
           <a:buFontTx/>
           <a:buNone/>
           <a:tabLst/>
-          <a:defRPr b="0" baseline="0" cap="none" i="0" spc="0" strike="noStrike" sz="1800" u="none" kumimoji="0" normalizeH="0">
+          <a:defRPr kumimoji="0" sz="1800" b="0" i="0" u="none" strike="noStrike" cap="none" spc="0" normalizeH="0" baseline="0">
             <a:ln>
               <a:noFill/>
             </a:ln>
@@ -5752,7 +5804,7 @@
           <a:buFontTx/>
           <a:buNone/>
           <a:tabLst/>
-          <a:defRPr b="0" baseline="0" cap="none" i="0" spc="0" strike="noStrike" sz="1800" u="none" kumimoji="0" normalizeH="0">
+          <a:defRPr kumimoji="0" sz="1800" b="0" i="0" u="none" strike="noStrike" cap="none" spc="0" normalizeH="0" baseline="0">
             <a:ln>
               <a:noFill/>
             </a:ln>
@@ -5778,7 +5830,7 @@
           <a:buFontTx/>
           <a:buNone/>
           <a:tabLst/>
-          <a:defRPr b="0" baseline="0" cap="none" i="0" spc="0" strike="noStrike" sz="1800" u="none" kumimoji="0" normalizeH="0">
+          <a:defRPr kumimoji="0" sz="1800" b="0" i="0" u="none" strike="noStrike" cap="none" spc="0" normalizeH="0" baseline="0">
             <a:ln>
               <a:noFill/>
             </a:ln>
@@ -5804,7 +5856,7 @@
           <a:buFontTx/>
           <a:buNone/>
           <a:tabLst/>
-          <a:defRPr b="0" baseline="0" cap="none" i="0" spc="0" strike="noStrike" sz="1800" u="none" kumimoji="0" normalizeH="0">
+          <a:defRPr kumimoji="0" sz="1800" b="0" i="0" u="none" strike="noStrike" cap="none" spc="0" normalizeH="0" baseline="0">
             <a:ln>
               <a:noFill/>
             </a:ln>
@@ -5817,9 +5869,15 @@
         </a:lvl9pPr>
       </a:lstStyle>
       <a:style>
-        <a:lnRef idx="0"/>
-        <a:fillRef idx="0"/>
-        <a:effectRef idx="0"/>
+        <a:lnRef idx="0">
+          <a:scrgbClr r="0" g="0" b="0"/>
+        </a:lnRef>
+        <a:fillRef idx="0">
+          <a:scrgbClr r="0" g="0" b="0"/>
+        </a:fillRef>
+        <a:effectRef idx="0">
+          <a:scrgbClr r="0" g="0" b="0"/>
+        </a:effectRef>
         <a:fontRef idx="none"/>
       </a:style>
     </a:spDef>
@@ -5834,7 +5892,7 @@
           <a:round/>
         </a:ln>
         <a:effectLst>
-          <a:outerShdw sx="100000" sy="100000" kx="0" ky="0" algn="b" rotWithShape="0" blurRad="38100" dist="20000" dir="5400000">
+          <a:outerShdw blurRad="38100" dist="20000" dir="5400000" rotWithShape="0">
             <a:srgbClr val="000000">
               <a:alpha val="38000"/>
             </a:srgbClr>
@@ -5842,7 +5900,7 @@
         </a:effectLst>
         <a:sp3d/>
       </a:spPr>
-      <a:bodyPr rot="0" spcFirstLastPara="1" vertOverflow="overflow" horzOverflow="overflow" vert="horz" wrap="square" lIns="91439" tIns="45719" rIns="91439" bIns="45719" numCol="1" spcCol="38100" rtlCol="0" anchor="t" upright="0">
+      <a:bodyPr rot="0" spcFirstLastPara="1" vertOverflow="overflow" horzOverflow="overflow" vert="horz" wrap="square" lIns="91439" tIns="45719" rIns="91439" bIns="45719" numCol="1" spcCol="38100" rtlCol="0" anchor="t">
         <a:noAutofit/>
       </a:bodyPr>
       <a:lstStyle>
@@ -5861,7 +5919,7 @@
           <a:buFontTx/>
           <a:buNone/>
           <a:tabLst/>
-          <a:defRPr b="0" baseline="0" cap="none" i="0" spc="0" strike="noStrike" sz="1800" u="none" kumimoji="0" normalizeH="0">
+          <a:defRPr kumimoji="0" sz="1800" b="0" i="0" u="none" strike="noStrike" cap="none" spc="0" normalizeH="0" baseline="0">
             <a:ln>
               <a:noFill/>
             </a:ln>
@@ -5887,7 +5945,7 @@
           <a:buFontTx/>
           <a:buNone/>
           <a:tabLst/>
-          <a:defRPr b="0" baseline="0" cap="none" i="0" spc="0" strike="noStrike" sz="1800" u="none" kumimoji="0" normalizeH="0">
+          <a:defRPr kumimoji="0" sz="1800" b="0" i="0" u="none" strike="noStrike" cap="none" spc="0" normalizeH="0" baseline="0">
             <a:ln>
               <a:noFill/>
             </a:ln>
@@ -5913,7 +5971,7 @@
           <a:buFontTx/>
           <a:buNone/>
           <a:tabLst/>
-          <a:defRPr b="0" baseline="0" cap="none" i="0" spc="0" strike="noStrike" sz="1800" u="none" kumimoji="0" normalizeH="0">
+          <a:defRPr kumimoji="0" sz="1800" b="0" i="0" u="none" strike="noStrike" cap="none" spc="0" normalizeH="0" baseline="0">
             <a:ln>
               <a:noFill/>
             </a:ln>
@@ -5939,7 +5997,7 @@
           <a:buFontTx/>
           <a:buNone/>
           <a:tabLst/>
-          <a:defRPr b="0" baseline="0" cap="none" i="0" spc="0" strike="noStrike" sz="1800" u="none" kumimoji="0" normalizeH="0">
+          <a:defRPr kumimoji="0" sz="1800" b="0" i="0" u="none" strike="noStrike" cap="none" spc="0" normalizeH="0" baseline="0">
             <a:ln>
               <a:noFill/>
             </a:ln>
@@ -5965,7 +6023,7 @@
           <a:buFontTx/>
           <a:buNone/>
           <a:tabLst/>
-          <a:defRPr b="0" baseline="0" cap="none" i="0" spc="0" strike="noStrike" sz="1800" u="none" kumimoji="0" normalizeH="0">
+          <a:defRPr kumimoji="0" sz="1800" b="0" i="0" u="none" strike="noStrike" cap="none" spc="0" normalizeH="0" baseline="0">
             <a:ln>
               <a:noFill/>
             </a:ln>
@@ -5991,7 +6049,7 @@
           <a:buFontTx/>
           <a:buNone/>
           <a:tabLst/>
-          <a:defRPr b="0" baseline="0" cap="none" i="0" spc="0" strike="noStrike" sz="1800" u="none" kumimoji="0" normalizeH="0">
+          <a:defRPr kumimoji="0" sz="1800" b="0" i="0" u="none" strike="noStrike" cap="none" spc="0" normalizeH="0" baseline="0">
             <a:ln>
               <a:noFill/>
             </a:ln>
@@ -6017,7 +6075,7 @@
           <a:buFontTx/>
           <a:buNone/>
           <a:tabLst/>
-          <a:defRPr b="0" baseline="0" cap="none" i="0" spc="0" strike="noStrike" sz="1800" u="none" kumimoji="0" normalizeH="0">
+          <a:defRPr kumimoji="0" sz="1800" b="0" i="0" u="none" strike="noStrike" cap="none" spc="0" normalizeH="0" baseline="0">
             <a:ln>
               <a:noFill/>
             </a:ln>
@@ -6043,7 +6101,7 @@
           <a:buFontTx/>
           <a:buNone/>
           <a:tabLst/>
-          <a:defRPr b="0" baseline="0" cap="none" i="0" spc="0" strike="noStrike" sz="1800" u="none" kumimoji="0" normalizeH="0">
+          <a:defRPr kumimoji="0" sz="1800" b="0" i="0" u="none" strike="noStrike" cap="none" spc="0" normalizeH="0" baseline="0">
             <a:ln>
               <a:noFill/>
             </a:ln>
@@ -6069,7 +6127,7 @@
           <a:buFontTx/>
           <a:buNone/>
           <a:tabLst/>
-          <a:defRPr b="0" baseline="0" cap="none" i="0" spc="0" strike="noStrike" sz="1800" u="none" kumimoji="0" normalizeH="0">
+          <a:defRPr kumimoji="0" sz="1800" b="0" i="0" u="none" strike="noStrike" cap="none" spc="0" normalizeH="0" baseline="0">
             <a:ln>
               <a:noFill/>
             </a:ln>
@@ -6095,7 +6153,7 @@
           <a:buFontTx/>
           <a:buNone/>
           <a:tabLst/>
-          <a:defRPr b="0" baseline="0" cap="none" i="0" spc="0" strike="noStrike" sz="1800" u="none" kumimoji="0" normalizeH="0">
+          <a:defRPr kumimoji="0" sz="1800" b="0" i="0" u="none" strike="noStrike" cap="none" spc="0" normalizeH="0" baseline="0">
             <a:ln>
               <a:noFill/>
             </a:ln>
@@ -6108,9 +6166,15 @@
         </a:lvl9pPr>
       </a:lstStyle>
       <a:style>
-        <a:lnRef idx="0"/>
-        <a:fillRef idx="0"/>
-        <a:effectRef idx="0"/>
+        <a:lnRef idx="0">
+          <a:scrgbClr r="0" g="0" b="0"/>
+        </a:lnRef>
+        <a:fillRef idx="0">
+          <a:scrgbClr r="0" g="0" b="0"/>
+        </a:fillRef>
+        <a:effectRef idx="0">
+          <a:scrgbClr r="0" g="0" b="0"/>
+        </a:effectRef>
         <a:fontRef idx="none"/>
       </a:style>
     </a:lnDef>
@@ -6124,7 +6188,7 @@
         <a:effectLst/>
         <a:sp3d/>
       </a:spPr>
-      <a:bodyPr rot="0" spcFirstLastPara="1" vertOverflow="overflow" horzOverflow="overflow" vert="horz" wrap="square" lIns="45719" tIns="45719" rIns="45719" bIns="45719" numCol="1" spcCol="38100" rtlCol="0" anchor="t" upright="0">
+      <a:bodyPr rot="0" spcFirstLastPara="1" vertOverflow="overflow" horzOverflow="overflow" vert="horz" wrap="square" lIns="45719" tIns="45719" rIns="45719" bIns="45719" numCol="1" spcCol="38100" rtlCol="0" anchor="t">
         <a:spAutoFit/>
       </a:bodyPr>
       <a:lstStyle>
@@ -6143,7 +6207,7 @@
           <a:buFontTx/>
           <a:buNone/>
           <a:tabLst/>
-          <a:defRPr b="0" baseline="0" cap="none" i="0" spc="0" strike="noStrike" sz="1400" u="none" kumimoji="0" normalizeH="0">
+          <a:defRPr kumimoji="0" sz="1400" b="0" i="0" u="none" strike="noStrike" cap="none" spc="0" normalizeH="0" baseline="0">
             <a:ln>
               <a:noFill/>
             </a:ln>
@@ -6173,7 +6237,7 @@
           <a:buFontTx/>
           <a:buNone/>
           <a:tabLst/>
-          <a:defRPr b="0" baseline="0" cap="none" i="0" spc="0" strike="noStrike" sz="1800" u="none" kumimoji="0" normalizeH="0">
+          <a:defRPr kumimoji="0" sz="1800" b="0" i="0" u="none" strike="noStrike" cap="none" spc="0" normalizeH="0" baseline="0">
             <a:ln>
               <a:noFill/>
             </a:ln>
@@ -6199,7 +6263,7 @@
           <a:buFontTx/>
           <a:buNone/>
           <a:tabLst/>
-          <a:defRPr b="0" baseline="0" cap="none" i="0" spc="0" strike="noStrike" sz="1800" u="none" kumimoji="0" normalizeH="0">
+          <a:defRPr kumimoji="0" sz="1800" b="0" i="0" u="none" strike="noStrike" cap="none" spc="0" normalizeH="0" baseline="0">
             <a:ln>
               <a:noFill/>
             </a:ln>
@@ -6225,7 +6289,7 @@
           <a:buFontTx/>
           <a:buNone/>
           <a:tabLst/>
-          <a:defRPr b="0" baseline="0" cap="none" i="0" spc="0" strike="noStrike" sz="1800" u="none" kumimoji="0" normalizeH="0">
+          <a:defRPr kumimoji="0" sz="1800" b="0" i="0" u="none" strike="noStrike" cap="none" spc="0" normalizeH="0" baseline="0">
             <a:ln>
               <a:noFill/>
             </a:ln>
@@ -6251,7 +6315,7 @@
           <a:buFontTx/>
           <a:buNone/>
           <a:tabLst/>
-          <a:defRPr b="0" baseline="0" cap="none" i="0" spc="0" strike="noStrike" sz="1800" u="none" kumimoji="0" normalizeH="0">
+          <a:defRPr kumimoji="0" sz="1800" b="0" i="0" u="none" strike="noStrike" cap="none" spc="0" normalizeH="0" baseline="0">
             <a:ln>
               <a:noFill/>
             </a:ln>
@@ -6277,7 +6341,7 @@
           <a:buFontTx/>
           <a:buNone/>
           <a:tabLst/>
-          <a:defRPr b="0" baseline="0" cap="none" i="0" spc="0" strike="noStrike" sz="1800" u="none" kumimoji="0" normalizeH="0">
+          <a:defRPr kumimoji="0" sz="1800" b="0" i="0" u="none" strike="noStrike" cap="none" spc="0" normalizeH="0" baseline="0">
             <a:ln>
               <a:noFill/>
             </a:ln>
@@ -6303,7 +6367,7 @@
           <a:buFontTx/>
           <a:buNone/>
           <a:tabLst/>
-          <a:defRPr b="0" baseline="0" cap="none" i="0" spc="0" strike="noStrike" sz="1800" u="none" kumimoji="0" normalizeH="0">
+          <a:defRPr kumimoji="0" sz="1800" b="0" i="0" u="none" strike="noStrike" cap="none" spc="0" normalizeH="0" baseline="0">
             <a:ln>
               <a:noFill/>
             </a:ln>
@@ -6329,7 +6393,7 @@
           <a:buFontTx/>
           <a:buNone/>
           <a:tabLst/>
-          <a:defRPr b="0" baseline="0" cap="none" i="0" spc="0" strike="noStrike" sz="1800" u="none" kumimoji="0" normalizeH="0">
+          <a:defRPr kumimoji="0" sz="1800" b="0" i="0" u="none" strike="noStrike" cap="none" spc="0" normalizeH="0" baseline="0">
             <a:ln>
               <a:noFill/>
             </a:ln>
@@ -6355,7 +6419,7 @@
           <a:buFontTx/>
           <a:buNone/>
           <a:tabLst/>
-          <a:defRPr b="0" baseline="0" cap="none" i="0" spc="0" strike="noStrike" sz="1800" u="none" kumimoji="0" normalizeH="0">
+          <a:defRPr kumimoji="0" sz="1800" b="0" i="0" u="none" strike="noStrike" cap="none" spc="0" normalizeH="0" baseline="0">
             <a:ln>
               <a:noFill/>
             </a:ln>
@@ -6381,7 +6445,7 @@
           <a:buFontTx/>
           <a:buNone/>
           <a:tabLst/>
-          <a:defRPr b="0" baseline="0" cap="none" i="0" spc="0" strike="noStrike" sz="1800" u="none" kumimoji="0" normalizeH="0">
+          <a:defRPr kumimoji="0" sz="1800" b="0" i="0" u="none" strike="noStrike" cap="none" spc="0" normalizeH="0" baseline="0">
             <a:ln>
               <a:noFill/>
             </a:ln>
@@ -6394,18 +6458,25 @@
         </a:lvl9pPr>
       </a:lstStyle>
       <a:style>
-        <a:lnRef idx="0"/>
-        <a:fillRef idx="0"/>
-        <a:effectRef idx="0"/>
+        <a:lnRef idx="0">
+          <a:scrgbClr r="0" g="0" b="0"/>
+        </a:lnRef>
+        <a:fillRef idx="0">
+          <a:scrgbClr r="0" g="0" b="0"/>
+        </a:fillRef>
+        <a:effectRef idx="0">
+          <a:scrgbClr r="0" g="0" b="0"/>
+        </a:effectRef>
         <a:fontRef idx="none"/>
       </a:style>
     </a:txDef>
   </a:objectDefaults>
+  <a:extraClrSchemeLst/>
 </a:theme>
 </file>
 
 <file path=ppt/theme/theme2.xml><?xml version="1.0" encoding="utf-8"?>
-<a:theme xmlns:a="http://schemas.openxmlformats.org/drawingml/2006/main" xmlns:r="http://schemas.openxmlformats.org/officeDocument/2006/relationships" name="Simple Light">
+<a:theme xmlns:a="http://schemas.openxmlformats.org/drawingml/2006/main" name="Simple Light">
   <a:themeElements>
     <a:clrScheme name="Simple Light">
       <a:dk1>
@@ -6531,7 +6602,7 @@
       <a:effectStyleLst>
         <a:effectStyle>
           <a:effectLst>
-            <a:outerShdw sx="100000" sy="100000" kx="0" ky="0" algn="b" rotWithShape="0" blurRad="38100" dist="23000" dir="5400000">
+            <a:outerShdw blurRad="38100" dist="23000" dir="5400000" rotWithShape="0">
               <a:srgbClr val="000000">
                 <a:alpha val="35000"/>
               </a:srgbClr>
@@ -6540,7 +6611,7 @@
         </a:effectStyle>
         <a:effectStyle>
           <a:effectLst>
-            <a:outerShdw sx="100000" sy="100000" kx="0" ky="0" algn="b" rotWithShape="0" blurRad="38100" dist="23000" dir="5400000">
+            <a:outerShdw blurRad="38100" dist="23000" dir="5400000" rotWithShape="0">
               <a:srgbClr val="000000">
                 <a:alpha val="35000"/>
               </a:srgbClr>
@@ -6549,7 +6620,7 @@
         </a:effectStyle>
         <a:effectStyle>
           <a:effectLst>
-            <a:outerShdw sx="100000" sy="100000" kx="0" ky="0" algn="b" rotWithShape="0" blurRad="38100" dist="20000" dir="5400000">
+            <a:outerShdw blurRad="38100" dist="20000" dir="5400000" rotWithShape="0">
               <a:srgbClr val="000000">
                 <a:alpha val="38000"/>
               </a:srgbClr>
@@ -6623,7 +6694,7 @@
           <a:round/>
         </a:ln>
         <a:effectLst>
-          <a:outerShdw sx="100000" sy="100000" kx="0" ky="0" algn="b" rotWithShape="0" blurRad="38100" dist="23000" dir="5400000">
+          <a:outerShdw blurRad="38100" dist="23000" dir="5400000" rotWithShape="0">
             <a:srgbClr val="000000">
               <a:alpha val="35000"/>
             </a:srgbClr>
@@ -6631,7 +6702,7 @@
         </a:effectLst>
         <a:sp3d/>
       </a:spPr>
-      <a:bodyPr rot="0" spcFirstLastPara="1" vertOverflow="overflow" horzOverflow="overflow" vert="horz" wrap="square" lIns="45719" tIns="45719" rIns="45719" bIns="45719" numCol="1" spcCol="38100" rtlCol="0" anchor="ctr" upright="0">
+      <a:bodyPr rot="0" spcFirstLastPara="1" vertOverflow="overflow" horzOverflow="overflow" vert="horz" wrap="square" lIns="45719" tIns="45719" rIns="45719" bIns="45719" numCol="1" spcCol="38100" rtlCol="0" anchor="ctr">
         <a:spAutoFit/>
       </a:bodyPr>
       <a:lstStyle>
@@ -6650,7 +6721,7 @@
           <a:buFontTx/>
           <a:buNone/>
           <a:tabLst/>
-          <a:defRPr b="0" baseline="0" cap="none" i="0" spc="0" strike="noStrike" sz="1400" u="none" kumimoji="0" normalizeH="0">
+          <a:defRPr kumimoji="0" sz="1400" b="0" i="0" u="none" strike="noStrike" cap="none" spc="0" normalizeH="0" baseline="0">
             <a:ln>
               <a:noFill/>
             </a:ln>
@@ -6680,7 +6751,7 @@
           <a:buFontTx/>
           <a:buNone/>
           <a:tabLst/>
-          <a:defRPr b="0" baseline="0" cap="none" i="0" spc="0" strike="noStrike" sz="1800" u="none" kumimoji="0" normalizeH="0">
+          <a:defRPr kumimoji="0" sz="1800" b="0" i="0" u="none" strike="noStrike" cap="none" spc="0" normalizeH="0" baseline="0">
             <a:ln>
               <a:noFill/>
             </a:ln>
@@ -6706,7 +6777,7 @@
           <a:buFontTx/>
           <a:buNone/>
           <a:tabLst/>
-          <a:defRPr b="0" baseline="0" cap="none" i="0" spc="0" strike="noStrike" sz="1800" u="none" kumimoji="0" normalizeH="0">
+          <a:defRPr kumimoji="0" sz="1800" b="0" i="0" u="none" strike="noStrike" cap="none" spc="0" normalizeH="0" baseline="0">
             <a:ln>
               <a:noFill/>
             </a:ln>
@@ -6732,7 +6803,7 @@
           <a:buFontTx/>
           <a:buNone/>
           <a:tabLst/>
-          <a:defRPr b="0" baseline="0" cap="none" i="0" spc="0" strike="noStrike" sz="1800" u="none" kumimoji="0" normalizeH="0">
+          <a:defRPr kumimoji="0" sz="1800" b="0" i="0" u="none" strike="noStrike" cap="none" spc="0" normalizeH="0" baseline="0">
             <a:ln>
               <a:noFill/>
             </a:ln>
@@ -6758,7 +6829,7 @@
           <a:buFontTx/>
           <a:buNone/>
           <a:tabLst/>
-          <a:defRPr b="0" baseline="0" cap="none" i="0" spc="0" strike="noStrike" sz="1800" u="none" kumimoji="0" normalizeH="0">
+          <a:defRPr kumimoji="0" sz="1800" b="0" i="0" u="none" strike="noStrike" cap="none" spc="0" normalizeH="0" baseline="0">
             <a:ln>
               <a:noFill/>
             </a:ln>
@@ -6784,7 +6855,7 @@
           <a:buFontTx/>
           <a:buNone/>
           <a:tabLst/>
-          <a:defRPr b="0" baseline="0" cap="none" i="0" spc="0" strike="noStrike" sz="1800" u="none" kumimoji="0" normalizeH="0">
+          <a:defRPr kumimoji="0" sz="1800" b="0" i="0" u="none" strike="noStrike" cap="none" spc="0" normalizeH="0" baseline="0">
             <a:ln>
               <a:noFill/>
             </a:ln>
@@ -6810,7 +6881,7 @@
           <a:buFontTx/>
           <a:buNone/>
           <a:tabLst/>
-          <a:defRPr b="0" baseline="0" cap="none" i="0" spc="0" strike="noStrike" sz="1800" u="none" kumimoji="0" normalizeH="0">
+          <a:defRPr kumimoji="0" sz="1800" b="0" i="0" u="none" strike="noStrike" cap="none" spc="0" normalizeH="0" baseline="0">
             <a:ln>
               <a:noFill/>
             </a:ln>
@@ -6836,7 +6907,7 @@
           <a:buFontTx/>
           <a:buNone/>
           <a:tabLst/>
-          <a:defRPr b="0" baseline="0" cap="none" i="0" spc="0" strike="noStrike" sz="1800" u="none" kumimoji="0" normalizeH="0">
+          <a:defRPr kumimoji="0" sz="1800" b="0" i="0" u="none" strike="noStrike" cap="none" spc="0" normalizeH="0" baseline="0">
             <a:ln>
               <a:noFill/>
             </a:ln>
@@ -6862,7 +6933,7 @@
           <a:buFontTx/>
           <a:buNone/>
           <a:tabLst/>
-          <a:defRPr b="0" baseline="0" cap="none" i="0" spc="0" strike="noStrike" sz="1800" u="none" kumimoji="0" normalizeH="0">
+          <a:defRPr kumimoji="0" sz="1800" b="0" i="0" u="none" strike="noStrike" cap="none" spc="0" normalizeH="0" baseline="0">
             <a:ln>
               <a:noFill/>
             </a:ln>
@@ -6888,7 +6959,7 @@
           <a:buFontTx/>
           <a:buNone/>
           <a:tabLst/>
-          <a:defRPr b="0" baseline="0" cap="none" i="0" spc="0" strike="noStrike" sz="1800" u="none" kumimoji="0" normalizeH="0">
+          <a:defRPr kumimoji="0" sz="1800" b="0" i="0" u="none" strike="noStrike" cap="none" spc="0" normalizeH="0" baseline="0">
             <a:ln>
               <a:noFill/>
             </a:ln>
@@ -6901,9 +6972,15 @@
         </a:lvl9pPr>
       </a:lstStyle>
       <a:style>
-        <a:lnRef idx="0"/>
-        <a:fillRef idx="0"/>
-        <a:effectRef idx="0"/>
+        <a:lnRef idx="0">
+          <a:scrgbClr r="0" g="0" b="0"/>
+        </a:lnRef>
+        <a:fillRef idx="0">
+          <a:scrgbClr r="0" g="0" b="0"/>
+        </a:fillRef>
+        <a:effectRef idx="0">
+          <a:scrgbClr r="0" g="0" b="0"/>
+        </a:effectRef>
         <a:fontRef idx="none"/>
       </a:style>
     </a:spDef>
@@ -6918,7 +6995,7 @@
           <a:round/>
         </a:ln>
         <a:effectLst>
-          <a:outerShdw sx="100000" sy="100000" kx="0" ky="0" algn="b" rotWithShape="0" blurRad="38100" dist="20000" dir="5400000">
+          <a:outerShdw blurRad="38100" dist="20000" dir="5400000" rotWithShape="0">
             <a:srgbClr val="000000">
               <a:alpha val="38000"/>
             </a:srgbClr>
@@ -6926,7 +7003,7 @@
         </a:effectLst>
         <a:sp3d/>
       </a:spPr>
-      <a:bodyPr rot="0" spcFirstLastPara="1" vertOverflow="overflow" horzOverflow="overflow" vert="horz" wrap="square" lIns="91439" tIns="45719" rIns="91439" bIns="45719" numCol="1" spcCol="38100" rtlCol="0" anchor="t" upright="0">
+      <a:bodyPr rot="0" spcFirstLastPara="1" vertOverflow="overflow" horzOverflow="overflow" vert="horz" wrap="square" lIns="91439" tIns="45719" rIns="91439" bIns="45719" numCol="1" spcCol="38100" rtlCol="0" anchor="t">
         <a:noAutofit/>
       </a:bodyPr>
       <a:lstStyle>
@@ -6945,7 +7022,7 @@
           <a:buFontTx/>
           <a:buNone/>
           <a:tabLst/>
-          <a:defRPr b="0" baseline="0" cap="none" i="0" spc="0" strike="noStrike" sz="1800" u="none" kumimoji="0" normalizeH="0">
+          <a:defRPr kumimoji="0" sz="1800" b="0" i="0" u="none" strike="noStrike" cap="none" spc="0" normalizeH="0" baseline="0">
             <a:ln>
               <a:noFill/>
             </a:ln>
@@ -6971,7 +7048,7 @@
           <a:buFontTx/>
           <a:buNone/>
           <a:tabLst/>
-          <a:defRPr b="0" baseline="0" cap="none" i="0" spc="0" strike="noStrike" sz="1800" u="none" kumimoji="0" normalizeH="0">
+          <a:defRPr kumimoji="0" sz="1800" b="0" i="0" u="none" strike="noStrike" cap="none" spc="0" normalizeH="0" baseline="0">
             <a:ln>
               <a:noFill/>
             </a:ln>
@@ -6997,7 +7074,7 @@
           <a:buFontTx/>
           <a:buNone/>
           <a:tabLst/>
-          <a:defRPr b="0" baseline="0" cap="none" i="0" spc="0" strike="noStrike" sz="1800" u="none" kumimoji="0" normalizeH="0">
+          <a:defRPr kumimoji="0" sz="1800" b="0" i="0" u="none" strike="noStrike" cap="none" spc="0" normalizeH="0" baseline="0">
             <a:ln>
               <a:noFill/>
             </a:ln>
@@ -7023,7 +7100,7 @@
           <a:buFontTx/>
           <a:buNone/>
           <a:tabLst/>
-          <a:defRPr b="0" baseline="0" cap="none" i="0" spc="0" strike="noStrike" sz="1800" u="none" kumimoji="0" normalizeH="0">
+          <a:defRPr kumimoji="0" sz="1800" b="0" i="0" u="none" strike="noStrike" cap="none" spc="0" normalizeH="0" baseline="0">
             <a:ln>
               <a:noFill/>
             </a:ln>
@@ -7049,7 +7126,7 @@
           <a:buFontTx/>
           <a:buNone/>
           <a:tabLst/>
-          <a:defRPr b="0" baseline="0" cap="none" i="0" spc="0" strike="noStrike" sz="1800" u="none" kumimoji="0" normalizeH="0">
+          <a:defRPr kumimoji="0" sz="1800" b="0" i="0" u="none" strike="noStrike" cap="none" spc="0" normalizeH="0" baseline="0">
             <a:ln>
               <a:noFill/>
             </a:ln>
@@ -7075,7 +7152,7 @@
           <a:buFontTx/>
           <a:buNone/>
           <a:tabLst/>
-          <a:defRPr b="0" baseline="0" cap="none" i="0" spc="0" strike="noStrike" sz="1800" u="none" kumimoji="0" normalizeH="0">
+          <a:defRPr kumimoji="0" sz="1800" b="0" i="0" u="none" strike="noStrike" cap="none" spc="0" normalizeH="0" baseline="0">
             <a:ln>
               <a:noFill/>
             </a:ln>
@@ -7101,7 +7178,7 @@
           <a:buFontTx/>
           <a:buNone/>
           <a:tabLst/>
-          <a:defRPr b="0" baseline="0" cap="none" i="0" spc="0" strike="noStrike" sz="1800" u="none" kumimoji="0" normalizeH="0">
+          <a:defRPr kumimoji="0" sz="1800" b="0" i="0" u="none" strike="noStrike" cap="none" spc="0" normalizeH="0" baseline="0">
             <a:ln>
               <a:noFill/>
             </a:ln>
@@ -7127,7 +7204,7 @@
           <a:buFontTx/>
           <a:buNone/>
           <a:tabLst/>
-          <a:defRPr b="0" baseline="0" cap="none" i="0" spc="0" strike="noStrike" sz="1800" u="none" kumimoji="0" normalizeH="0">
+          <a:defRPr kumimoji="0" sz="1800" b="0" i="0" u="none" strike="noStrike" cap="none" spc="0" normalizeH="0" baseline="0">
             <a:ln>
               <a:noFill/>
             </a:ln>
@@ -7153,7 +7230,7 @@
           <a:buFontTx/>
           <a:buNone/>
           <a:tabLst/>
-          <a:defRPr b="0" baseline="0" cap="none" i="0" spc="0" strike="noStrike" sz="1800" u="none" kumimoji="0" normalizeH="0">
+          <a:defRPr kumimoji="0" sz="1800" b="0" i="0" u="none" strike="noStrike" cap="none" spc="0" normalizeH="0" baseline="0">
             <a:ln>
               <a:noFill/>
             </a:ln>
@@ -7179,7 +7256,7 @@
           <a:buFontTx/>
           <a:buNone/>
           <a:tabLst/>
-          <a:defRPr b="0" baseline="0" cap="none" i="0" spc="0" strike="noStrike" sz="1800" u="none" kumimoji="0" normalizeH="0">
+          <a:defRPr kumimoji="0" sz="1800" b="0" i="0" u="none" strike="noStrike" cap="none" spc="0" normalizeH="0" baseline="0">
             <a:ln>
               <a:noFill/>
             </a:ln>
@@ -7192,9 +7269,15 @@
         </a:lvl9pPr>
       </a:lstStyle>
       <a:style>
-        <a:lnRef idx="0"/>
-        <a:fillRef idx="0"/>
-        <a:effectRef idx="0"/>
+        <a:lnRef idx="0">
+          <a:scrgbClr r="0" g="0" b="0"/>
+        </a:lnRef>
+        <a:fillRef idx="0">
+          <a:scrgbClr r="0" g="0" b="0"/>
+        </a:fillRef>
+        <a:effectRef idx="0">
+          <a:scrgbClr r="0" g="0" b="0"/>
+        </a:effectRef>
         <a:fontRef idx="none"/>
       </a:style>
     </a:lnDef>
@@ -7208,7 +7291,7 @@
         <a:effectLst/>
         <a:sp3d/>
       </a:spPr>
-      <a:bodyPr rot="0" spcFirstLastPara="1" vertOverflow="overflow" horzOverflow="overflow" vert="horz" wrap="square" lIns="45719" tIns="45719" rIns="45719" bIns="45719" numCol="1" spcCol="38100" rtlCol="0" anchor="t" upright="0">
+      <a:bodyPr rot="0" spcFirstLastPara="1" vertOverflow="overflow" horzOverflow="overflow" vert="horz" wrap="square" lIns="45719" tIns="45719" rIns="45719" bIns="45719" numCol="1" spcCol="38100" rtlCol="0" anchor="t">
         <a:spAutoFit/>
       </a:bodyPr>
       <a:lstStyle>
@@ -7227,7 +7310,7 @@
           <a:buFontTx/>
           <a:buNone/>
           <a:tabLst/>
-          <a:defRPr b="0" baseline="0" cap="none" i="0" spc="0" strike="noStrike" sz="1400" u="none" kumimoji="0" normalizeH="0">
+          <a:defRPr kumimoji="0" sz="1400" b="0" i="0" u="none" strike="noStrike" cap="none" spc="0" normalizeH="0" baseline="0">
             <a:ln>
               <a:noFill/>
             </a:ln>
@@ -7257,7 +7340,7 @@
           <a:buFontTx/>
           <a:buNone/>
           <a:tabLst/>
-          <a:defRPr b="0" baseline="0" cap="none" i="0" spc="0" strike="noStrike" sz="1800" u="none" kumimoji="0" normalizeH="0">
+          <a:defRPr kumimoji="0" sz="1800" b="0" i="0" u="none" strike="noStrike" cap="none" spc="0" normalizeH="0" baseline="0">
             <a:ln>
               <a:noFill/>
             </a:ln>
@@ -7283,7 +7366,7 @@
           <a:buFontTx/>
           <a:buNone/>
           <a:tabLst/>
-          <a:defRPr b="0" baseline="0" cap="none" i="0" spc="0" strike="noStrike" sz="1800" u="none" kumimoji="0" normalizeH="0">
+          <a:defRPr kumimoji="0" sz="1800" b="0" i="0" u="none" strike="noStrike" cap="none" spc="0" normalizeH="0" baseline="0">
             <a:ln>
               <a:noFill/>
             </a:ln>
@@ -7309,7 +7392,7 @@
           <a:buFontTx/>
           <a:buNone/>
           <a:tabLst/>
-          <a:defRPr b="0" baseline="0" cap="none" i="0" spc="0" strike="noStrike" sz="1800" u="none" kumimoji="0" normalizeH="0">
+          <a:defRPr kumimoji="0" sz="1800" b="0" i="0" u="none" strike="noStrike" cap="none" spc="0" normalizeH="0" baseline="0">
             <a:ln>
               <a:noFill/>
             </a:ln>
@@ -7335,7 +7418,7 @@
           <a:buFontTx/>
           <a:buNone/>
           <a:tabLst/>
-          <a:defRPr b="0" baseline="0" cap="none" i="0" spc="0" strike="noStrike" sz="1800" u="none" kumimoji="0" normalizeH="0">
+          <a:defRPr kumimoji="0" sz="1800" b="0" i="0" u="none" strike="noStrike" cap="none" spc="0" normalizeH="0" baseline="0">
             <a:ln>
               <a:noFill/>
             </a:ln>
@@ -7361,7 +7444,7 @@
           <a:buFontTx/>
           <a:buNone/>
           <a:tabLst/>
-          <a:defRPr b="0" baseline="0" cap="none" i="0" spc="0" strike="noStrike" sz="1800" u="none" kumimoji="0" normalizeH="0">
+          <a:defRPr kumimoji="0" sz="1800" b="0" i="0" u="none" strike="noStrike" cap="none" spc="0" normalizeH="0" baseline="0">
             <a:ln>
               <a:noFill/>
             </a:ln>
@@ -7387,7 +7470,7 @@
           <a:buFontTx/>
           <a:buNone/>
           <a:tabLst/>
-          <a:defRPr b="0" baseline="0" cap="none" i="0" spc="0" strike="noStrike" sz="1800" u="none" kumimoji="0" normalizeH="0">
+          <a:defRPr kumimoji="0" sz="1800" b="0" i="0" u="none" strike="noStrike" cap="none" spc="0" normalizeH="0" baseline="0">
             <a:ln>
               <a:noFill/>
             </a:ln>
@@ -7413,7 +7496,7 @@
           <a:buFontTx/>
           <a:buNone/>
           <a:tabLst/>
-          <a:defRPr b="0" baseline="0" cap="none" i="0" spc="0" strike="noStrike" sz="1800" u="none" kumimoji="0" normalizeH="0">
+          <a:defRPr kumimoji="0" sz="1800" b="0" i="0" u="none" strike="noStrike" cap="none" spc="0" normalizeH="0" baseline="0">
             <a:ln>
               <a:noFill/>
             </a:ln>
@@ -7439,7 +7522,7 @@
           <a:buFontTx/>
           <a:buNone/>
           <a:tabLst/>
-          <a:defRPr b="0" baseline="0" cap="none" i="0" spc="0" strike="noStrike" sz="1800" u="none" kumimoji="0" normalizeH="0">
+          <a:defRPr kumimoji="0" sz="1800" b="0" i="0" u="none" strike="noStrike" cap="none" spc="0" normalizeH="0" baseline="0">
             <a:ln>
               <a:noFill/>
             </a:ln>
@@ -7465,7 +7548,7 @@
           <a:buFontTx/>
           <a:buNone/>
           <a:tabLst/>
-          <a:defRPr b="0" baseline="0" cap="none" i="0" spc="0" strike="noStrike" sz="1800" u="none" kumimoji="0" normalizeH="0">
+          <a:defRPr kumimoji="0" sz="1800" b="0" i="0" u="none" strike="noStrike" cap="none" spc="0" normalizeH="0" baseline="0">
             <a:ln>
               <a:noFill/>
             </a:ln>
@@ -7478,12 +7561,19 @@
         </a:lvl9pPr>
       </a:lstStyle>
       <a:style>
-        <a:lnRef idx="0"/>
-        <a:fillRef idx="0"/>
-        <a:effectRef idx="0"/>
+        <a:lnRef idx="0">
+          <a:scrgbClr r="0" g="0" b="0"/>
+        </a:lnRef>
+        <a:fillRef idx="0">
+          <a:scrgbClr r="0" g="0" b="0"/>
+        </a:fillRef>
+        <a:effectRef idx="0">
+          <a:scrgbClr r="0" g="0" b="0"/>
+        </a:effectRef>
         <a:fontRef idx="none"/>
       </a:style>
     </a:txDef>
   </a:objectDefaults>
+  <a:extraClrSchemeLst/>
 </a:theme>
 </file>
--- a/my_answer/Module_2_Template_slide.pptx
+++ b/my_answer/Module_2_Template_slide.pptx
@@ -5,17 +5,15 @@
     <p:sldMasterId id="2147483648" r:id="rId1"/>
   </p:sldMasterIdLst>
   <p:notesMasterIdLst>
-    <p:notesMasterId r:id="rId10"/>
+    <p:notesMasterId r:id="rId8"/>
   </p:notesMasterIdLst>
   <p:sldIdLst>
     <p:sldId id="256" r:id="rId2"/>
     <p:sldId id="257" r:id="rId3"/>
-    <p:sldId id="258" r:id="rId4"/>
+    <p:sldId id="264" r:id="rId4"/>
     <p:sldId id="259" r:id="rId5"/>
-    <p:sldId id="260" r:id="rId6"/>
+    <p:sldId id="266" r:id="rId6"/>
     <p:sldId id="261" r:id="rId7"/>
-    <p:sldId id="262" r:id="rId8"/>
-    <p:sldId id="263" r:id="rId9"/>
   </p:sldIdLst>
   <p:sldSz cx="9144000" cy="5143500" type="screen16x9"/>
   <p:notesSz cx="6858000" cy="9144000"/>
@@ -317,6 +315,11 @@
       </a:defRPr>
     </a:lvl9pPr>
   </p:defaultTextStyle>
+  <p:extLst>
+    <p:ext uri="{EFAFB233-063F-42B5-8137-9DF3F51BA10A}">
+      <p15:sldGuideLst xmlns:p15="http://schemas.microsoft.com/office/powerpoint/2012/main"/>
+    </p:ext>
+  </p:extLst>
 </p:presentation>
 </file>
 
@@ -2011,7 +2014,7 @@
           </a:ln>
           <a:extLst>
             <a:ext uri="{C572A759-6A51-4108-AA02-DFA0A04FC94B}">
-              <ma14:wrappingTextBoxFlag xmlns:ma14="http://schemas.microsoft.com/office/mac/drawingml/2011/main" xmlns="" val="1"/>
+              <ma14:wrappingTextBoxFlag xmlns="" xmlns:ma14="http://schemas.microsoft.com/office/mac/drawingml/2011/main" val="1"/>
             </a:ext>
           </a:extLst>
         </p:spPr>
@@ -2050,7 +2053,7 @@
           </a:ln>
           <a:extLst>
             <a:ext uri="{C572A759-6A51-4108-AA02-DFA0A04FC94B}">
-              <ma14:wrappingTextBoxFlag xmlns:ma14="http://schemas.microsoft.com/office/mac/drawingml/2011/main" xmlns="" val="1"/>
+              <ma14:wrappingTextBoxFlag xmlns="" xmlns:ma14="http://schemas.microsoft.com/office/mac/drawingml/2011/main" val="1"/>
             </a:ext>
           </a:extLst>
         </p:spPr>
@@ -3110,7 +3113,7 @@
           </a:ln>
           <a:extLst>
             <a:ext uri="{C572A759-6A51-4108-AA02-DFA0A04FC94B}">
-              <ma14:wrappingTextBoxFlag xmlns:ma14="http://schemas.microsoft.com/office/mac/drawingml/2011/main" xmlns="" val="1"/>
+              <ma14:wrappingTextBoxFlag xmlns="" xmlns:ma14="http://schemas.microsoft.com/office/mac/drawingml/2011/main" val="1"/>
             </a:ext>
           </a:extLst>
         </p:spPr>
@@ -3157,7 +3160,7 @@
           </a:ln>
           <a:extLst>
             <a:ext uri="{C572A759-6A51-4108-AA02-DFA0A04FC94B}">
-              <ma14:wrappingTextBoxFlag xmlns:ma14="http://schemas.microsoft.com/office/mac/drawingml/2011/main" xmlns="" val="1"/>
+              <ma14:wrappingTextBoxFlag xmlns="" xmlns:ma14="http://schemas.microsoft.com/office/mac/drawingml/2011/main" val="1"/>
             </a:ext>
           </a:extLst>
         </p:spPr>
@@ -3233,7 +3236,7 @@
           </a:ln>
           <a:extLst>
             <a:ext uri="{C572A759-6A51-4108-AA02-DFA0A04FC94B}">
-              <ma14:wrappingTextBoxFlag xmlns:ma14="http://schemas.microsoft.com/office/mac/drawingml/2011/main" xmlns="" val="1"/>
+              <ma14:wrappingTextBoxFlag xmlns="" xmlns:ma14="http://schemas.microsoft.com/office/mac/drawingml/2011/main" val="1"/>
             </a:ext>
           </a:extLst>
         </p:spPr>
@@ -3283,7 +3286,7 @@
           </a:ln>
           <a:extLst>
             <a:ext uri="{C572A759-6A51-4108-AA02-DFA0A04FC94B}">
-              <ma14:wrappingTextBoxFlag xmlns:ma14="http://schemas.microsoft.com/office/mac/drawingml/2011/main" xmlns="" val="1"/>
+              <ma14:wrappingTextBoxFlag xmlns="" xmlns:ma14="http://schemas.microsoft.com/office/mac/drawingml/2011/main" val="1"/>
             </a:ext>
           </a:extLst>
         </p:spPr>
@@ -3391,7 +3394,7 @@
           </a:ln>
           <a:extLst>
             <a:ext uri="{C572A759-6A51-4108-AA02-DFA0A04FC94B}">
-              <ma14:wrappingTextBoxFlag xmlns:ma14="http://schemas.microsoft.com/office/mac/drawingml/2011/main" xmlns="" val="1"/>
+              <ma14:wrappingTextBoxFlag xmlns="" xmlns:ma14="http://schemas.microsoft.com/office/mac/drawingml/2011/main" val="1"/>
             </a:ext>
           </a:extLst>
         </p:spPr>
@@ -3434,7 +3437,7 @@
           </a:ln>
           <a:extLst>
             <a:ext uri="{C572A759-6A51-4108-AA02-DFA0A04FC94B}">
-              <ma14:wrappingTextBoxFlag xmlns:ma14="http://schemas.microsoft.com/office/mac/drawingml/2011/main" xmlns="" val="1"/>
+              <ma14:wrappingTextBoxFlag xmlns="" xmlns:ma14="http://schemas.microsoft.com/office/mac/drawingml/2011/main" val="1"/>
             </a:ext>
           </a:extLst>
         </p:spPr>
@@ -3551,7 +3554,7 @@
           </a:ln>
           <a:extLst>
             <a:ext uri="{C572A759-6A51-4108-AA02-DFA0A04FC94B}">
-              <ma14:wrappingTextBoxFlag xmlns:ma14="http://schemas.microsoft.com/office/mac/drawingml/2011/main" xmlns="" val="1"/>
+              <ma14:wrappingTextBoxFlag xmlns="" xmlns:ma14="http://schemas.microsoft.com/office/mac/drawingml/2011/main" val="1"/>
             </a:ext>
           </a:extLst>
         </p:spPr>
@@ -3659,7 +3662,7 @@
           </a:ln>
           <a:extLst>
             <a:ext uri="{C572A759-6A51-4108-AA02-DFA0A04FC94B}">
-              <ma14:wrappingTextBoxFlag xmlns:ma14="http://schemas.microsoft.com/office/mac/drawingml/2011/main" xmlns="" val="1"/>
+              <ma14:wrappingTextBoxFlag xmlns="" xmlns:ma14="http://schemas.microsoft.com/office/mac/drawingml/2011/main" val="1"/>
             </a:ext>
           </a:extLst>
         </p:spPr>
@@ -3692,7 +3695,7 @@
         <p:spPr>
           <a:xfrm>
             <a:off x="205025" y="1083299"/>
-            <a:ext cx="8565600" cy="920086"/>
+            <a:ext cx="8565600" cy="517802"/>
           </a:xfrm>
           <a:prstGeom prst="rect">
             <a:avLst/>
@@ -3702,7 +3705,7 @@
           </a:ln>
           <a:extLst>
             <a:ext uri="{C572A759-6A51-4108-AA02-DFA0A04FC94B}">
-              <ma14:wrappingTextBoxFlag xmlns:ma14="http://schemas.microsoft.com/office/mac/drawingml/2011/main" xmlns="" val="1"/>
+              <ma14:wrappingTextBoxFlag xmlns="" xmlns:ma14="http://schemas.microsoft.com/office/mac/drawingml/2011/main" val="1"/>
             </a:ext>
           </a:extLst>
         </p:spPr>
@@ -3725,159 +3728,12 @@
           </a:lstStyle>
           <a:p>
             <a:r>
-              <a:t>Place headline insight or information here. This should be the most important point for this slide.</a:t>
+              <a:rPr lang="en-US" dirty="0"/>
+              <a:t>Overview on the tasks to investigate the market trends and customer behavior</a:t>
             </a:r>
           </a:p>
         </p:txBody>
       </p:sp>
-      <p:sp>
-        <p:nvSpPr>
-          <p:cNvPr id="124" name="Shape 73"/>
-          <p:cNvSpPr/>
-          <p:nvPr/>
-        </p:nvSpPr>
-        <p:spPr>
-          <a:xfrm>
-            <a:off x="205025" y="2164724"/>
-            <a:ext cx="4134600" cy="436851"/>
-          </a:xfrm>
-          <a:prstGeom prst="rect">
-            <a:avLst/>
-          </a:prstGeom>
-          <a:ln w="12700">
-            <a:miter lim="400000"/>
-          </a:ln>
-          <a:extLst>
-            <a:ext uri="{C572A759-6A51-4108-AA02-DFA0A04FC94B}">
-              <ma14:wrappingTextBoxFlag xmlns:ma14="http://schemas.microsoft.com/office/mac/drawingml/2011/main" xmlns="" val="1"/>
-            </a:ext>
-          </a:extLst>
-        </p:spPr>
-        <p:txBody>
-          <a:bodyPr lIns="91424" tIns="91424" rIns="91424" bIns="91424">
-            <a:spAutoFit/>
-          </a:bodyPr>
-          <a:lstStyle>
-            <a:lvl1pPr>
-              <a:lnSpc>
-                <a:spcPct val="115000"/>
-              </a:lnSpc>
-              <a:defRPr sz="1500">
-                <a:latin typeface="Open Sans"/>
-                <a:ea typeface="Open Sans"/>
-                <a:cs typeface="Open Sans"/>
-                <a:sym typeface="Open Sans"/>
-              </a:defRPr>
-            </a:lvl1pPr>
-          </a:lstStyle>
-          <a:p>
-            <a:r>
-              <a:t>Place any information about this point here.</a:t>
-            </a:r>
-          </a:p>
-        </p:txBody>
-      </p:sp>
-      <p:grpSp>
-        <p:nvGrpSpPr>
-          <p:cNvPr id="127" name="Shape 74"/>
-          <p:cNvGrpSpPr/>
-          <p:nvPr/>
-        </p:nvGrpSpPr>
-        <p:grpSpPr>
-          <a:xfrm>
-            <a:off x="4969974" y="2164724"/>
-            <a:ext cx="3800702" cy="2649302"/>
-            <a:chOff x="0" y="0"/>
-            <a:chExt cx="3800700" cy="2649300"/>
-          </a:xfrm>
-        </p:grpSpPr>
-        <p:sp>
-          <p:nvSpPr>
-            <p:cNvPr id="125" name="Rectangle"/>
-            <p:cNvSpPr/>
-            <p:nvPr/>
-          </p:nvSpPr>
-          <p:spPr>
-            <a:xfrm>
-              <a:off x="-1" y="-1"/>
-              <a:ext cx="3800702" cy="2649302"/>
-            </a:xfrm>
-            <a:prstGeom prst="rect">
-              <a:avLst/>
-            </a:prstGeom>
-            <a:solidFill>
-              <a:srgbClr val="EEEEEE"/>
-            </a:solidFill>
-            <a:ln w="12700" cap="flat">
-              <a:noFill/>
-              <a:miter lim="400000"/>
-            </a:ln>
-            <a:effectLst/>
-          </p:spPr>
-          <p:txBody>
-            <a:bodyPr wrap="square" lIns="45719" tIns="45719" rIns="45719" bIns="45719" numCol="1" anchor="ctr">
-              <a:noAutofit/>
-            </a:bodyPr>
-            <a:lstStyle/>
-            <a:p>
-              <a:pPr algn="ctr">
-                <a:defRPr>
-                  <a:solidFill>
-                    <a:srgbClr val="666666"/>
-                  </a:solidFill>
-                </a:defRPr>
-              </a:pPr>
-              <a:endParaRPr/>
-            </a:p>
-          </p:txBody>
-        </p:sp>
-        <p:sp>
-          <p:nvSpPr>
-            <p:cNvPr id="126" name="Place any supporting images, graphs, data or extra text here."/>
-            <p:cNvSpPr/>
-            <p:nvPr/>
-          </p:nvSpPr>
-          <p:spPr>
-            <a:xfrm>
-              <a:off x="-1" y="1032933"/>
-              <a:ext cx="3800702" cy="583434"/>
-            </a:xfrm>
-            <a:prstGeom prst="rect">
-              <a:avLst/>
-            </a:prstGeom>
-            <a:noFill/>
-            <a:ln w="12700" cap="flat">
-              <a:noFill/>
-              <a:miter lim="400000"/>
-            </a:ln>
-            <a:effectLst/>
-            <a:extLst>
-              <a:ext uri="{C572A759-6A51-4108-AA02-DFA0A04FC94B}">
-                <ma14:wrappingTextBoxFlag xmlns:ma14="http://schemas.microsoft.com/office/mac/drawingml/2011/main" xmlns="" val="1"/>
-              </a:ext>
-            </a:extLst>
-          </p:spPr>
-          <p:txBody>
-            <a:bodyPr wrap="square" lIns="91424" tIns="91424" rIns="91424" bIns="91424" numCol="1" anchor="ctr">
-              <a:spAutoFit/>
-            </a:bodyPr>
-            <a:lstStyle>
-              <a:lvl1pPr algn="ctr">
-                <a:defRPr>
-                  <a:solidFill>
-                    <a:srgbClr val="666666"/>
-                  </a:solidFill>
-                </a:defRPr>
-              </a:lvl1pPr>
-            </a:lstStyle>
-            <a:p>
-              <a:r>
-                <a:t>Place any supporting images, graphs, data or extra text here.</a:t>
-              </a:r>
-            </a:p>
-          </p:txBody>
-        </p:sp>
-      </p:grpSp>
       <p:sp>
         <p:nvSpPr>
           <p:cNvPr id="128" name="Note: The data and information in this document is reflective of a hypothetical situation and client. This document is to be used for KPMG Virtual Internship purposes only."/>
@@ -3900,7 +3756,7 @@
           </a:ln>
           <a:extLst>
             <a:ext uri="{C572A759-6A51-4108-AA02-DFA0A04FC94B}">
-              <ma14:wrappingTextBoxFlag xmlns:ma14="http://schemas.microsoft.com/office/mac/drawingml/2011/main" xmlns="" val="1"/>
+              <ma14:wrappingTextBoxFlag xmlns="" xmlns:ma14="http://schemas.microsoft.com/office/mac/drawingml/2011/main" val="1"/>
             </a:ext>
           </a:extLst>
         </p:spPr>
@@ -3926,7 +3782,353 @@
           </a:p>
         </p:txBody>
       </p:sp>
+      <p:graphicFrame>
+        <p:nvGraphicFramePr>
+          <p:cNvPr id="2" name="Table 1">
+            <a:extLst>
+              <a:ext uri="{FF2B5EF4-FFF2-40B4-BE49-F238E27FC236}">
+                <a16:creationId xmlns:a16="http://schemas.microsoft.com/office/drawing/2014/main" id="{6EEE351B-85E6-5446-85AD-FBC7C0F54A51}"/>
+              </a:ext>
+            </a:extLst>
+          </p:cNvPr>
+          <p:cNvGraphicFramePr>
+            <a:graphicFrameLocks noGrp="1"/>
+          </p:cNvGraphicFramePr>
+          <p:nvPr>
+            <p:extLst>
+              <p:ext uri="{D42A27DB-BD31-4B8C-83A1-F6EECF244321}">
+                <p14:modId xmlns:p14="http://schemas.microsoft.com/office/powerpoint/2010/main" val="3064297588"/>
+              </p:ext>
+            </p:extLst>
+          </p:nvPr>
+        </p:nvGraphicFramePr>
+        <p:xfrm>
+          <a:off x="205024" y="1709531"/>
+          <a:ext cx="8644778" cy="3253445"/>
+        </p:xfrm>
+        <a:graphic>
+          <a:graphicData uri="http://schemas.openxmlformats.org/drawingml/2006/table">
+            <a:tbl>
+              <a:tblPr firstRow="1" bandRow="1">
+                <a:tableStyleId>{74C1A8A3-306A-4EB7-A6B1-4F7E0EB9C5D6}</a:tableStyleId>
+              </a:tblPr>
+              <a:tblGrid>
+                <a:gridCol w="1464750">
+                  <a:extLst>
+                    <a:ext uri="{9D8B030D-6E8A-4147-A177-3AD203B41FA5}">
+                      <a16:colId xmlns:a16="http://schemas.microsoft.com/office/drawing/2014/main" val="1580120368"/>
+                    </a:ext>
+                  </a:extLst>
+                </a:gridCol>
+                <a:gridCol w="7180028">
+                  <a:extLst>
+                    <a:ext uri="{9D8B030D-6E8A-4147-A177-3AD203B41FA5}">
+                      <a16:colId xmlns:a16="http://schemas.microsoft.com/office/drawing/2014/main" val="1461251463"/>
+                    </a:ext>
+                  </a:extLst>
+                </a:gridCol>
+              </a:tblGrid>
+              <a:tr h="537932">
+                <a:tc>
+                  <a:txBody>
+                    <a:bodyPr/>
+                    <a:lstStyle/>
+                    <a:p>
+                      <a:pPr algn="l"/>
+                      <a:r>
+                        <a:rPr lang="en-US" sz="1600" dirty="0"/>
+                        <a:t>Task</a:t>
+                      </a:r>
+                    </a:p>
+                  </a:txBody>
+                  <a:tcPr/>
+                </a:tc>
+                <a:tc>
+                  <a:txBody>
+                    <a:bodyPr/>
+                    <a:lstStyle/>
+                    <a:p>
+                      <a:pPr algn="l"/>
+                      <a:r>
+                        <a:rPr lang="en-US" sz="1600" dirty="0"/>
+                        <a:t>Description</a:t>
+                      </a:r>
+                    </a:p>
+                  </a:txBody>
+                  <a:tcPr/>
+                </a:tc>
+                <a:extLst>
+                  <a:ext uri="{0D108BD9-81ED-4DB2-BD59-A6C34878D82A}">
+                    <a16:rowId xmlns:a16="http://schemas.microsoft.com/office/drawing/2014/main" val="3370624765"/>
+                  </a:ext>
+                </a:extLst>
+              </a:tr>
+              <a:tr h="581227">
+                <a:tc>
+                  <a:txBody>
+                    <a:bodyPr/>
+                    <a:lstStyle/>
+                    <a:p>
+                      <a:pPr algn="l"/>
+                      <a:r>
+                        <a:rPr lang="en-US" dirty="0"/>
+                        <a:t>Data Pre-processing</a:t>
+                      </a:r>
+                    </a:p>
+                  </a:txBody>
+                  <a:tcPr/>
+                </a:tc>
+                <a:tc>
+                  <a:txBody>
+                    <a:bodyPr/>
+                    <a:lstStyle/>
+                    <a:p>
+                      <a:pPr marL="171450" indent="-171450" algn="l">
+                        <a:buFont typeface="Arial" panose="020B0604020202020204" pitchFamily="34" charset="0"/>
+                        <a:buChar char="•"/>
+                      </a:pPr>
+                      <a:r>
+                        <a:rPr lang="en-US" dirty="0"/>
+                        <a:t>Drop ineffectual data such as customer first and last name.</a:t>
+                      </a:r>
+                    </a:p>
+                    <a:p>
+                      <a:pPr marL="171450" indent="-171450" algn="l">
+                        <a:buFont typeface="Arial" panose="020B0604020202020204" pitchFamily="34" charset="0"/>
+                        <a:buChar char="•"/>
+                      </a:pPr>
+                      <a:r>
+                        <a:rPr lang="en-US" dirty="0"/>
+                        <a:t>Fill the missing value by with sensible tactic, such as, conjecture the job category based on the customer’s address</a:t>
+                      </a:r>
+                    </a:p>
+                    <a:p>
+                      <a:pPr marL="171450" indent="-171450" algn="l">
+                        <a:buFont typeface="Arial" panose="020B0604020202020204" pitchFamily="34" charset="0"/>
+                        <a:buChar char="•"/>
+                      </a:pPr>
+                      <a:r>
+                        <a:rPr lang="en-US" dirty="0"/>
+                        <a:t>Clean the data by removing inaccurate data and mismatch customer id between the demographics and address dataset</a:t>
+                      </a:r>
+                    </a:p>
+                  </a:txBody>
+                  <a:tcPr/>
+                </a:tc>
+                <a:extLst>
+                  <a:ext uri="{0D108BD9-81ED-4DB2-BD59-A6C34878D82A}">
+                    <a16:rowId xmlns:a16="http://schemas.microsoft.com/office/drawing/2014/main" val="3270359589"/>
+                  </a:ext>
+                </a:extLst>
+              </a:tr>
+              <a:tr h="463150">
+                <a:tc>
+                  <a:txBody>
+                    <a:bodyPr/>
+                    <a:lstStyle/>
+                    <a:p>
+                      <a:pPr algn="l"/>
+                      <a:r>
+                        <a:rPr lang="en-US" dirty="0"/>
+                        <a:t>Data Transformation</a:t>
+                      </a:r>
+                    </a:p>
+                  </a:txBody>
+                  <a:tcPr/>
+                </a:tc>
+                <a:tc>
+                  <a:txBody>
+                    <a:bodyPr/>
+                    <a:lstStyle/>
+                    <a:p>
+                      <a:pPr marL="171450" indent="-171450" algn="l">
+                        <a:buFont typeface="Arial" panose="020B0604020202020204" pitchFamily="34" charset="0"/>
+                        <a:buChar char="•"/>
+                      </a:pPr>
+                      <a:r>
+                        <a:rPr lang="en-US" dirty="0"/>
+                        <a:t>Transform raw data into meaningful data, for example, converting date of birth into age.</a:t>
+                      </a:r>
+                    </a:p>
+                    <a:p>
+                      <a:pPr marL="171450" indent="-171450" algn="l">
+                        <a:buFont typeface="Arial" panose="020B0604020202020204" pitchFamily="34" charset="0"/>
+                        <a:buChar char="•"/>
+                      </a:pPr>
+                      <a:r>
+                        <a:rPr lang="en-US" dirty="0"/>
+                        <a:t>Split the continuous value (e.g., age, </a:t>
+                      </a:r>
+                      <a:r>
+                        <a:rPr lang="en-US" dirty="0" err="1"/>
+                        <a:t>tenture</a:t>
+                      </a:r>
+                      <a:r>
+                        <a:rPr lang="en-US" dirty="0"/>
+                        <a:t>, etc.) to multiple category</a:t>
+                      </a:r>
+                    </a:p>
+                  </a:txBody>
+                  <a:tcPr/>
+                </a:tc>
+                <a:extLst>
+                  <a:ext uri="{0D108BD9-81ED-4DB2-BD59-A6C34878D82A}">
+                    <a16:rowId xmlns:a16="http://schemas.microsoft.com/office/drawing/2014/main" val="2783818452"/>
+                  </a:ext>
+                </a:extLst>
+              </a:tr>
+              <a:tr h="485564">
+                <a:tc>
+                  <a:txBody>
+                    <a:bodyPr/>
+                    <a:lstStyle/>
+                    <a:p>
+                      <a:pPr algn="l"/>
+                      <a:r>
+                        <a:rPr lang="en-US" dirty="0"/>
+                        <a:t>Data Exploration</a:t>
+                      </a:r>
+                    </a:p>
+                  </a:txBody>
+                  <a:tcPr/>
+                </a:tc>
+                <a:tc>
+                  <a:txBody>
+                    <a:bodyPr/>
+                    <a:lstStyle/>
+                    <a:p>
+                      <a:pPr marL="171450" indent="-171450" algn="l">
+                        <a:buFont typeface="Arial" panose="020B0604020202020204" pitchFamily="34" charset="0"/>
+                        <a:buChar char="•"/>
+                      </a:pPr>
+                      <a:r>
+                        <a:rPr lang="en-US" dirty="0"/>
+                        <a:t>Study the data distribution (i.e., who is your customer and why does your customer buy)</a:t>
+                      </a:r>
+                    </a:p>
+                    <a:p>
+                      <a:pPr marL="171450" indent="-171450" algn="l">
+                        <a:buFont typeface="Arial" panose="020B0604020202020204" pitchFamily="34" charset="0"/>
+                        <a:buChar char="•"/>
+                      </a:pPr>
+                      <a:r>
+                        <a:rPr lang="en-US" dirty="0"/>
+                        <a:t>Develop and train clustering models such as, </a:t>
+                      </a:r>
+                      <a:r>
+                        <a:rPr lang="en-US" dirty="0" err="1"/>
+                        <a:t>KMeans</a:t>
+                      </a:r>
+                      <a:r>
+                        <a:rPr lang="en-US" dirty="0"/>
+                        <a:t> and Hierarchical to help segment the market</a:t>
+                      </a:r>
+                    </a:p>
+                  </a:txBody>
+                  <a:tcPr/>
+                </a:tc>
+                <a:extLst>
+                  <a:ext uri="{0D108BD9-81ED-4DB2-BD59-A6C34878D82A}">
+                    <a16:rowId xmlns:a16="http://schemas.microsoft.com/office/drawing/2014/main" val="2110921572"/>
+                  </a:ext>
+                </a:extLst>
+              </a:tr>
+              <a:tr h="459364">
+                <a:tc>
+                  <a:txBody>
+                    <a:bodyPr/>
+                    <a:lstStyle/>
+                    <a:p>
+                      <a:pPr algn="l"/>
+                      <a:r>
+                        <a:rPr lang="en-US" dirty="0"/>
+                        <a:t>Feature Engineering</a:t>
+                      </a:r>
+                    </a:p>
+                  </a:txBody>
+                  <a:tcPr/>
+                </a:tc>
+                <a:tc>
+                  <a:txBody>
+                    <a:bodyPr/>
+                    <a:lstStyle/>
+                    <a:p>
+                      <a:pPr marL="171450" indent="-171450" algn="l">
+                        <a:buFont typeface="Arial" panose="020B0604020202020204" pitchFamily="34" charset="0"/>
+                        <a:buChar char="•"/>
+                      </a:pPr>
+                      <a:r>
+                        <a:rPr lang="en-US" dirty="0"/>
+                        <a:t>Add sensible features into the dataset to increase the model accuracy on estimating the customer behavior.</a:t>
+                      </a:r>
+                    </a:p>
+                    <a:p>
+                      <a:pPr marL="171450" indent="-171450" algn="l">
+                        <a:buFont typeface="Arial" panose="020B0604020202020204" pitchFamily="34" charset="0"/>
+                        <a:buChar char="•"/>
+                      </a:pPr>
+                      <a:r>
+                        <a:rPr lang="en-US" dirty="0"/>
+                        <a:t>For example, obtain the price variation by subtracting the list price and standard cost.</a:t>
+                      </a:r>
+                    </a:p>
+                  </a:txBody>
+                  <a:tcPr/>
+                </a:tc>
+                <a:extLst>
+                  <a:ext uri="{0D108BD9-81ED-4DB2-BD59-A6C34878D82A}">
+                    <a16:rowId xmlns:a16="http://schemas.microsoft.com/office/drawing/2014/main" val="141427077"/>
+                  </a:ext>
+                </a:extLst>
+              </a:tr>
+              <a:tr h="726208">
+                <a:tc>
+                  <a:txBody>
+                    <a:bodyPr/>
+                    <a:lstStyle/>
+                    <a:p>
+                      <a:pPr algn="l"/>
+                      <a:r>
+                        <a:rPr lang="en-US" dirty="0"/>
+                        <a:t>Model Development</a:t>
+                      </a:r>
+                    </a:p>
+                  </a:txBody>
+                  <a:tcPr/>
+                </a:tc>
+                <a:tc>
+                  <a:txBody>
+                    <a:bodyPr/>
+                    <a:lstStyle/>
+                    <a:p>
+                      <a:pPr marL="171450" indent="-171450" algn="l">
+                        <a:buFont typeface="Arial" panose="020B0604020202020204" pitchFamily="34" charset="0"/>
+                        <a:buChar char="•"/>
+                      </a:pPr>
+                      <a:r>
+                        <a:rPr lang="en-US" dirty="0"/>
+                        <a:t>Develop and train regression models such as, Random Forest Regression to predict the future trends of each market segment</a:t>
+                      </a:r>
+                    </a:p>
+                  </a:txBody>
+                  <a:tcPr/>
+                </a:tc>
+                <a:extLst>
+                  <a:ext uri="{0D108BD9-81ED-4DB2-BD59-A6C34878D82A}">
+                    <a16:rowId xmlns:a16="http://schemas.microsoft.com/office/drawing/2014/main" val="3806616724"/>
+                  </a:ext>
+                </a:extLst>
+              </a:tr>
+            </a:tbl>
+          </a:graphicData>
+        </a:graphic>
+      </p:graphicFrame>
     </p:spTree>
+    <p:extLst>
+      <p:ext uri="{BB962C8B-B14F-4D97-AF65-F5344CB8AC3E}">
+        <p14:creationId xmlns:p14="http://schemas.microsoft.com/office/powerpoint/2010/main" val="3038266332"/>
+      </p:ext>
+    </p:extLst>
   </p:cSld>
   <p:clrMapOvr>
     <a:masterClrMapping/>
@@ -4008,7 +4210,7 @@
           </a:ln>
           <a:extLst>
             <a:ext uri="{C572A759-6A51-4108-AA02-DFA0A04FC94B}">
-              <ma14:wrappingTextBoxFlag xmlns:ma14="http://schemas.microsoft.com/office/mac/drawingml/2011/main" xmlns="" val="1"/>
+              <ma14:wrappingTextBoxFlag xmlns="" xmlns:ma14="http://schemas.microsoft.com/office/mac/drawingml/2011/main" val="1"/>
             </a:ext>
           </a:extLst>
         </p:spPr>
@@ -4051,7 +4253,7 @@
           </a:ln>
           <a:extLst>
             <a:ext uri="{C572A759-6A51-4108-AA02-DFA0A04FC94B}">
-              <ma14:wrappingTextBoxFlag xmlns:ma14="http://schemas.microsoft.com/office/mac/drawingml/2011/main" xmlns="" val="1"/>
+              <ma14:wrappingTextBoxFlag xmlns="" xmlns:ma14="http://schemas.microsoft.com/office/mac/drawingml/2011/main" val="1"/>
             </a:ext>
           </a:extLst>
         </p:spPr>
@@ -4101,8 +4303,8 @@
         </p:nvSpPr>
         <p:spPr>
           <a:xfrm>
-            <a:off x="205025" y="2164724"/>
-            <a:ext cx="4134600" cy="401168"/>
+            <a:off x="205025" y="2219786"/>
+            <a:ext cx="4134600" cy="2241672"/>
           </a:xfrm>
           <a:prstGeom prst="rect">
             <a:avLst/>
@@ -4112,7 +4314,7 @@
           </a:ln>
           <a:extLst>
             <a:ext uri="{C572A759-6A51-4108-AA02-DFA0A04FC94B}">
-              <ma14:wrappingTextBoxFlag xmlns:ma14="http://schemas.microsoft.com/office/mac/drawingml/2011/main" xmlns="" val="1"/>
+              <ma14:wrappingTextBoxFlag xmlns="" xmlns:ma14="http://schemas.microsoft.com/office/mac/drawingml/2011/main" val="1"/>
             </a:ext>
           </a:extLst>
         </p:spPr>
@@ -4139,8 +4341,48 @@
               <a:buChar char="•"/>
             </a:pPr>
             <a:r>
-              <a:rPr sz="1300" dirty="0"/>
-              <a:t>Place any information about this point here.</a:t>
+              <a:rPr lang="en-US" sz="1300" dirty="0"/>
+              <a:t>Majority of customer came from New South Wales due to high percentage of national manufacturing in that state [</a:t>
+            </a:r>
+            <a:r>
+              <a:rPr lang="en-US" sz="1300" dirty="0">
+                <a:hlinkClick r:id="rId2"/>
+              </a:rPr>
+              <a:t>Source: Parliament of Australia</a:t>
+            </a:r>
+            <a:r>
+              <a:rPr lang="en-US" sz="1300" dirty="0"/>
+              <a:t>].</a:t>
+            </a:r>
+          </a:p>
+          <a:p>
+            <a:pPr marL="285750" indent="-285750">
+              <a:buFont typeface="Arial" panose="020B0604020202020204" pitchFamily="34" charset="0"/>
+              <a:buChar char="•"/>
+            </a:pPr>
+            <a:endParaRPr lang="en-US" sz="1300" dirty="0"/>
+          </a:p>
+          <a:p>
+            <a:pPr marL="285750" indent="-285750">
+              <a:buFont typeface="Arial" panose="020B0604020202020204" pitchFamily="34" charset="0"/>
+              <a:buChar char="•"/>
+            </a:pPr>
+            <a:r>
+              <a:rPr lang="en-US" sz="1300" dirty="0"/>
+              <a:t>Female has a higher purchase rate over the past three years.</a:t>
+            </a:r>
+          </a:p>
+          <a:p>
+            <a:endParaRPr lang="en-US" sz="1300" dirty="0"/>
+          </a:p>
+          <a:p>
+            <a:pPr marL="285750" indent="-285750">
+              <a:buFont typeface="Arial" panose="020B0604020202020204" pitchFamily="34" charset="0"/>
+              <a:buChar char="•"/>
+            </a:pPr>
+            <a:r>
+              <a:rPr lang="en-US" sz="1300" dirty="0"/>
+              <a:t>Standard class and medium size product has the highest sales over the past 3 years.</a:t>
             </a:r>
           </a:p>
         </p:txBody>
@@ -4207,7 +4449,7 @@
           </a:ln>
           <a:extLst>
             <a:ext uri="{C572A759-6A51-4108-AA02-DFA0A04FC94B}">
-              <ma14:wrappingTextBoxFlag xmlns:ma14="http://schemas.microsoft.com/office/mac/drawingml/2011/main" xmlns="" val="1"/>
+              <ma14:wrappingTextBoxFlag xmlns="" xmlns:ma14="http://schemas.microsoft.com/office/mac/drawingml/2011/main" val="1"/>
             </a:ext>
           </a:extLst>
         </p:spPr>
@@ -4248,7 +4490,7 @@
           <p:nvPr/>
         </p:nvPicPr>
         <p:blipFill>
-          <a:blip r:embed="rId2">
+          <a:blip r:embed="rId3">
             <a:extLst>
               <a:ext uri="{28A0092B-C50C-407E-A947-70E740481C1C}">
                 <a14:useLocalDpi xmlns:a14="http://schemas.microsoft.com/office/drawing/2010/main" val="0"/>
@@ -4351,7 +4593,7 @@
           </a:ln>
           <a:extLst>
             <a:ext uri="{C572A759-6A51-4108-AA02-DFA0A04FC94B}">
-              <ma14:wrappingTextBoxFlag xmlns:ma14="http://schemas.microsoft.com/office/mac/drawingml/2011/main" xmlns="" val="1"/>
+              <ma14:wrappingTextBoxFlag xmlns="" xmlns:ma14="http://schemas.microsoft.com/office/mac/drawingml/2011/main" val="1"/>
             </a:ext>
           </a:extLst>
         </p:spPr>
@@ -4384,7 +4626,7 @@
         <p:spPr>
           <a:xfrm>
             <a:off x="205025" y="1083299"/>
-            <a:ext cx="8565600" cy="920086"/>
+            <a:ext cx="8565600" cy="871745"/>
           </a:xfrm>
           <a:prstGeom prst="rect">
             <a:avLst/>
@@ -4394,7 +4636,7 @@
           </a:ln>
           <a:extLst>
             <a:ext uri="{C572A759-6A51-4108-AA02-DFA0A04FC94B}">
-              <ma14:wrappingTextBoxFlag xmlns:ma14="http://schemas.microsoft.com/office/mac/drawingml/2011/main" xmlns="" val="1"/>
+              <ma14:wrappingTextBoxFlag xmlns="" xmlns:ma14="http://schemas.microsoft.com/office/mac/drawingml/2011/main" val="1"/>
             </a:ext>
           </a:extLst>
         </p:spPr>
@@ -4417,159 +4659,13 @@
           </a:lstStyle>
           <a:p>
             <a:r>
-              <a:t>Place headline insight or information here. This should be the most important point for this slide.</a:t>
-            </a:r>
+              <a:rPr lang="en-US" dirty="0"/>
+              <a:t>Combination of clustering models and regression models to determine the customer behavior and trends.</a:t>
+            </a:r>
+            <a:endParaRPr dirty="0"/>
           </a:p>
         </p:txBody>
       </p:sp>
-      <p:sp>
-        <p:nvSpPr>
-          <p:cNvPr id="142" name="Shape 91"/>
-          <p:cNvSpPr/>
-          <p:nvPr/>
-        </p:nvSpPr>
-        <p:spPr>
-          <a:xfrm>
-            <a:off x="205025" y="2164724"/>
-            <a:ext cx="4134600" cy="436851"/>
-          </a:xfrm>
-          <a:prstGeom prst="rect">
-            <a:avLst/>
-          </a:prstGeom>
-          <a:ln w="12700">
-            <a:miter lim="400000"/>
-          </a:ln>
-          <a:extLst>
-            <a:ext uri="{C572A759-6A51-4108-AA02-DFA0A04FC94B}">
-              <ma14:wrappingTextBoxFlag xmlns:ma14="http://schemas.microsoft.com/office/mac/drawingml/2011/main" xmlns="" val="1"/>
-            </a:ext>
-          </a:extLst>
-        </p:spPr>
-        <p:txBody>
-          <a:bodyPr lIns="91424" tIns="91424" rIns="91424" bIns="91424">
-            <a:spAutoFit/>
-          </a:bodyPr>
-          <a:lstStyle>
-            <a:lvl1pPr>
-              <a:lnSpc>
-                <a:spcPct val="115000"/>
-              </a:lnSpc>
-              <a:defRPr sz="1500">
-                <a:latin typeface="Open Sans"/>
-                <a:ea typeface="Open Sans"/>
-                <a:cs typeface="Open Sans"/>
-                <a:sym typeface="Open Sans"/>
-              </a:defRPr>
-            </a:lvl1pPr>
-          </a:lstStyle>
-          <a:p>
-            <a:r>
-              <a:t>Place any information about this point here.</a:t>
-            </a:r>
-          </a:p>
-        </p:txBody>
-      </p:sp>
-      <p:grpSp>
-        <p:nvGrpSpPr>
-          <p:cNvPr id="145" name="Shape 92"/>
-          <p:cNvGrpSpPr/>
-          <p:nvPr/>
-        </p:nvGrpSpPr>
-        <p:grpSpPr>
-          <a:xfrm>
-            <a:off x="4969974" y="2164724"/>
-            <a:ext cx="3800702" cy="2649302"/>
-            <a:chOff x="0" y="0"/>
-            <a:chExt cx="3800700" cy="2649300"/>
-          </a:xfrm>
-        </p:grpSpPr>
-        <p:sp>
-          <p:nvSpPr>
-            <p:cNvPr id="143" name="Rectangle"/>
-            <p:cNvSpPr/>
-            <p:nvPr/>
-          </p:nvSpPr>
-          <p:spPr>
-            <a:xfrm>
-              <a:off x="-1" y="-1"/>
-              <a:ext cx="3800702" cy="2649302"/>
-            </a:xfrm>
-            <a:prstGeom prst="rect">
-              <a:avLst/>
-            </a:prstGeom>
-            <a:solidFill>
-              <a:srgbClr val="EEEEEE"/>
-            </a:solidFill>
-            <a:ln w="12700" cap="flat">
-              <a:noFill/>
-              <a:miter lim="400000"/>
-            </a:ln>
-            <a:effectLst/>
-          </p:spPr>
-          <p:txBody>
-            <a:bodyPr wrap="square" lIns="45719" tIns="45719" rIns="45719" bIns="45719" numCol="1" anchor="ctr">
-              <a:noAutofit/>
-            </a:bodyPr>
-            <a:lstStyle/>
-            <a:p>
-              <a:pPr algn="ctr">
-                <a:defRPr>
-                  <a:solidFill>
-                    <a:srgbClr val="666666"/>
-                  </a:solidFill>
-                </a:defRPr>
-              </a:pPr>
-              <a:endParaRPr/>
-            </a:p>
-          </p:txBody>
-        </p:sp>
-        <p:sp>
-          <p:nvSpPr>
-            <p:cNvPr id="144" name="Place any supporting images, graphs, data or extra text here."/>
-            <p:cNvSpPr/>
-            <p:nvPr/>
-          </p:nvSpPr>
-          <p:spPr>
-            <a:xfrm>
-              <a:off x="-1" y="1032933"/>
-              <a:ext cx="3800702" cy="583434"/>
-            </a:xfrm>
-            <a:prstGeom prst="rect">
-              <a:avLst/>
-            </a:prstGeom>
-            <a:noFill/>
-            <a:ln w="12700" cap="flat">
-              <a:noFill/>
-              <a:miter lim="400000"/>
-            </a:ln>
-            <a:effectLst/>
-            <a:extLst>
-              <a:ext uri="{C572A759-6A51-4108-AA02-DFA0A04FC94B}">
-                <ma14:wrappingTextBoxFlag xmlns:ma14="http://schemas.microsoft.com/office/mac/drawingml/2011/main" xmlns="" val="1"/>
-              </a:ext>
-            </a:extLst>
-          </p:spPr>
-          <p:txBody>
-            <a:bodyPr wrap="square" lIns="91424" tIns="91424" rIns="91424" bIns="91424" numCol="1" anchor="ctr">
-              <a:spAutoFit/>
-            </a:bodyPr>
-            <a:lstStyle>
-              <a:lvl1pPr algn="ctr">
-                <a:defRPr>
-                  <a:solidFill>
-                    <a:srgbClr val="666666"/>
-                  </a:solidFill>
-                </a:defRPr>
-              </a:lvl1pPr>
-            </a:lstStyle>
-            <a:p>
-              <a:r>
-                <a:t>Place any supporting images, graphs, data or extra text here.</a:t>
-              </a:r>
-            </a:p>
-          </p:txBody>
-        </p:sp>
-      </p:grpSp>
       <p:sp>
         <p:nvSpPr>
           <p:cNvPr id="146" name="Note: The data and information in this document is reflective of a hypothetical situation and client. This document is to be used for KPMG Virtual Internship purposes only."/>
@@ -4592,7 +4688,7 @@
           </a:ln>
           <a:extLst>
             <a:ext uri="{C572A759-6A51-4108-AA02-DFA0A04FC94B}">
-              <ma14:wrappingTextBoxFlag xmlns:ma14="http://schemas.microsoft.com/office/mac/drawingml/2011/main" xmlns="" val="1"/>
+              <ma14:wrappingTextBoxFlag xmlns="" xmlns:ma14="http://schemas.microsoft.com/office/mac/drawingml/2011/main" val="1"/>
             </a:ext>
           </a:extLst>
         </p:spPr>
@@ -4618,7 +4714,274 @@
           </a:p>
         </p:txBody>
       </p:sp>
+      <p:pic>
+        <p:nvPicPr>
+          <p:cNvPr id="4" name="Picture 3">
+            <a:extLst>
+              <a:ext uri="{FF2B5EF4-FFF2-40B4-BE49-F238E27FC236}">
+                <a16:creationId xmlns:a16="http://schemas.microsoft.com/office/drawing/2014/main" id="{AA8A9C46-6FF4-3D4A-B85F-4240D42E4BF1}"/>
+              </a:ext>
+            </a:extLst>
+          </p:cNvPr>
+          <p:cNvPicPr>
+            <a:picLocks noChangeAspect="1"/>
+          </p:cNvPicPr>
+          <p:nvPr/>
+        </p:nvPicPr>
+        <p:blipFill>
+          <a:blip r:embed="rId2">
+            <a:extLst>
+              <a:ext uri="{28A0092B-C50C-407E-A947-70E740481C1C}">
+                <a14:useLocalDpi xmlns:a14="http://schemas.microsoft.com/office/drawing/2010/main" val="0"/>
+              </a:ext>
+            </a:extLst>
+          </a:blip>
+          <a:stretch>
+            <a:fillRect/>
+          </a:stretch>
+        </p:blipFill>
+        <p:spPr>
+          <a:xfrm>
+            <a:off x="6016823" y="1900777"/>
+            <a:ext cx="3048000" cy="3048000"/>
+          </a:xfrm>
+          <a:prstGeom prst="rect">
+            <a:avLst/>
+          </a:prstGeom>
+        </p:spPr>
+      </p:pic>
+      <p:graphicFrame>
+        <p:nvGraphicFramePr>
+          <p:cNvPr id="2" name="Table 1">
+            <a:extLst>
+              <a:ext uri="{FF2B5EF4-FFF2-40B4-BE49-F238E27FC236}">
+                <a16:creationId xmlns:a16="http://schemas.microsoft.com/office/drawing/2014/main" id="{33002432-EF7B-6041-9F83-7EB277EFBB5B}"/>
+              </a:ext>
+            </a:extLst>
+          </p:cNvPr>
+          <p:cNvGraphicFramePr>
+            <a:graphicFrameLocks noGrp="1"/>
+          </p:cNvGraphicFramePr>
+          <p:nvPr>
+            <p:extLst>
+              <p:ext uri="{D42A27DB-BD31-4B8C-83A1-F6EECF244321}">
+                <p14:modId xmlns:p14="http://schemas.microsoft.com/office/powerpoint/2010/main" val="779099399"/>
+              </p:ext>
+            </p:extLst>
+          </p:nvPr>
+        </p:nvGraphicFramePr>
+        <p:xfrm>
+          <a:off x="205025" y="2217818"/>
+          <a:ext cx="5678942" cy="2468880"/>
+        </p:xfrm>
+        <a:graphic>
+          <a:graphicData uri="http://schemas.openxmlformats.org/drawingml/2006/table">
+            <a:tbl>
+              <a:tblPr firstRow="1" bandRow="1">
+                <a:tableStyleId>{BDBED569-4797-4DF1-A0F4-6AAB3CD982D8}</a:tableStyleId>
+              </a:tblPr>
+              <a:tblGrid>
+                <a:gridCol w="924061">
+                  <a:extLst>
+                    <a:ext uri="{9D8B030D-6E8A-4147-A177-3AD203B41FA5}">
+                      <a16:colId xmlns:a16="http://schemas.microsoft.com/office/drawing/2014/main" val="754502253"/>
+                    </a:ext>
+                  </a:extLst>
+                </a:gridCol>
+                <a:gridCol w="4754881">
+                  <a:extLst>
+                    <a:ext uri="{9D8B030D-6E8A-4147-A177-3AD203B41FA5}">
+                      <a16:colId xmlns:a16="http://schemas.microsoft.com/office/drawing/2014/main" val="623807471"/>
+                    </a:ext>
+                  </a:extLst>
+                </a:gridCol>
+              </a:tblGrid>
+              <a:tr h="532738">
+                <a:tc>
+                  <a:txBody>
+                    <a:bodyPr/>
+                    <a:lstStyle/>
+                    <a:p>
+                      <a:pPr algn="l"/>
+                      <a:r>
+                        <a:rPr lang="en-US" b="0" dirty="0"/>
+                        <a:t>Objectives</a:t>
+                      </a:r>
+                    </a:p>
+                  </a:txBody>
+                  <a:tcPr/>
+                </a:tc>
+                <a:tc>
+                  <a:txBody>
+                    <a:bodyPr/>
+                    <a:lstStyle/>
+                    <a:p>
+                      <a:pPr marL="228600" marR="0" lvl="0" indent="-228600" algn="l" defTabSz="914400" rtl="0" eaLnBrk="1" fontAlgn="auto" latinLnBrk="0" hangingPunct="1">
+                        <a:lnSpc>
+                          <a:spcPct val="100000"/>
+                        </a:lnSpc>
+                        <a:spcBef>
+                          <a:spcPts val="0"/>
+                        </a:spcBef>
+                        <a:spcAft>
+                          <a:spcPts val="0"/>
+                        </a:spcAft>
+                        <a:buClrTx/>
+                        <a:buSzTx/>
+                        <a:buFont typeface="+mj-lt"/>
+                        <a:buAutoNum type="arabicPeriod"/>
+                        <a:tabLst/>
+                        <a:defRPr/>
+                      </a:pPr>
+                      <a:r>
+                        <a:rPr lang="en-US" sz="1000" b="0" dirty="0"/>
+                        <a:t>Train </a:t>
+                      </a:r>
+                      <a:r>
+                        <a:rPr lang="en-US" sz="1000" b="0" dirty="0" err="1"/>
+                        <a:t>KMeans</a:t>
+                      </a:r>
+                      <a:r>
+                        <a:rPr lang="en-US" sz="1000" b="0" dirty="0"/>
+                        <a:t> clustering model to group the customer with similar behavior and psychographics</a:t>
+                      </a:r>
+                    </a:p>
+                    <a:p>
+                      <a:pPr marL="228600" marR="0" lvl="0" indent="-228600" algn="l" defTabSz="914400" rtl="0" eaLnBrk="1" fontAlgn="auto" latinLnBrk="0" hangingPunct="1">
+                        <a:lnSpc>
+                          <a:spcPct val="100000"/>
+                        </a:lnSpc>
+                        <a:spcBef>
+                          <a:spcPts val="0"/>
+                        </a:spcBef>
+                        <a:spcAft>
+                          <a:spcPts val="0"/>
+                        </a:spcAft>
+                        <a:buClrTx/>
+                        <a:buSzTx/>
+                        <a:buFont typeface="+mj-lt"/>
+                        <a:buAutoNum type="arabicPeriod"/>
+                        <a:tabLst/>
+                        <a:defRPr/>
+                      </a:pPr>
+                      <a:endParaRPr lang="en-US" sz="1000" b="0" dirty="0"/>
+                    </a:p>
+                    <a:p>
+                      <a:pPr marL="228600" marR="0" lvl="0" indent="-228600" algn="l" defTabSz="914400" rtl="0" eaLnBrk="1" fontAlgn="auto" latinLnBrk="0" hangingPunct="1">
+                        <a:lnSpc>
+                          <a:spcPct val="100000"/>
+                        </a:lnSpc>
+                        <a:spcBef>
+                          <a:spcPts val="0"/>
+                        </a:spcBef>
+                        <a:spcAft>
+                          <a:spcPts val="0"/>
+                        </a:spcAft>
+                        <a:buClrTx/>
+                        <a:buSzTx/>
+                        <a:buFont typeface="+mj-lt"/>
+                        <a:buAutoNum type="arabicPeriod"/>
+                        <a:tabLst/>
+                        <a:defRPr/>
+                      </a:pPr>
+                      <a:r>
+                        <a:rPr lang="en-US" sz="1000" b="0" dirty="0"/>
+                        <a:t>Train </a:t>
+                      </a:r>
+                      <a:r>
+                        <a:rPr lang="en-US" sz="1000" b="0" dirty="0" err="1"/>
+                        <a:t>RandomForestRegressor</a:t>
+                      </a:r>
+                      <a:r>
+                        <a:rPr lang="en-US" sz="1000" b="0" dirty="0"/>
+                        <a:t> model to predict the future trends of each group</a:t>
+                      </a:r>
+                    </a:p>
+                  </a:txBody>
+                  <a:tcPr/>
+                </a:tc>
+                <a:extLst>
+                  <a:ext uri="{0D108BD9-81ED-4DB2-BD59-A6C34878D82A}">
+                    <a16:rowId xmlns:a16="http://schemas.microsoft.com/office/drawing/2014/main" val="1047935565"/>
+                  </a:ext>
+                </a:extLst>
+              </a:tr>
+              <a:tr h="942116">
+                <a:tc>
+                  <a:txBody>
+                    <a:bodyPr/>
+                    <a:lstStyle/>
+                    <a:p>
+                      <a:pPr algn="l"/>
+                      <a:r>
+                        <a:rPr lang="en-US" dirty="0"/>
+                        <a:t>Details:</a:t>
+                      </a:r>
+                    </a:p>
+                  </a:txBody>
+                  <a:tcPr/>
+                </a:tc>
+                <a:tc>
+                  <a:txBody>
+                    <a:bodyPr/>
+                    <a:lstStyle/>
+                    <a:p>
+                      <a:pPr marL="228600" indent="-228600" algn="l">
+                        <a:buFont typeface="+mj-lt"/>
+                        <a:buAutoNum type="arabicPeriod"/>
+                      </a:pPr>
+                      <a:r>
+                        <a:rPr lang="en-US" dirty="0" err="1"/>
+                        <a:t>Kmeans</a:t>
+                      </a:r>
+                      <a:r>
+                        <a:rPr lang="en-US" dirty="0"/>
+                        <a:t> start by randomly initialize multiple center points on the dataset. The center points will be train to move towards area with dense population. With this model, it aid in discovering the relationship between each features of the customer. Thus, providing insight on the market segmentation.</a:t>
+                      </a:r>
+                    </a:p>
+                    <a:p>
+                      <a:pPr marL="228600" indent="-228600" algn="l">
+                        <a:buFont typeface="+mj-lt"/>
+                        <a:buAutoNum type="arabicPeriod"/>
+                      </a:pPr>
+                      <a:endParaRPr lang="en-US" dirty="0"/>
+                    </a:p>
+                    <a:p>
+                      <a:pPr marL="228600" indent="-228600" algn="l">
+                        <a:buFont typeface="+mj-lt"/>
+                        <a:buAutoNum type="arabicPeriod"/>
+                      </a:pPr>
+                      <a:r>
+                        <a:rPr lang="en-US" dirty="0"/>
+                        <a:t>With the market segmentation, a regression models such as Random Forest Regressor could be train to estimate the future trend of each segment. For example, the regression model could be use to estimate the amount of customer willing to spend on bike accessory in the next 2 years.</a:t>
+                      </a:r>
+                    </a:p>
+                    <a:p>
+                      <a:pPr marL="228600" indent="-228600" algn="l">
+                        <a:buFont typeface="+mj-lt"/>
+                        <a:buAutoNum type="arabicPeriod"/>
+                      </a:pPr>
+                      <a:endParaRPr lang="en-US" dirty="0"/>
+                    </a:p>
+                  </a:txBody>
+                  <a:tcPr/>
+                </a:tc>
+                <a:extLst>
+                  <a:ext uri="{0D108BD9-81ED-4DB2-BD59-A6C34878D82A}">
+                    <a16:rowId xmlns:a16="http://schemas.microsoft.com/office/drawing/2014/main" val="2862076871"/>
+                  </a:ext>
+                </a:extLst>
+              </a:tr>
+            </a:tbl>
+          </a:graphicData>
+        </a:graphic>
+      </p:graphicFrame>
     </p:spTree>
+    <p:extLst>
+      <p:ext uri="{BB962C8B-B14F-4D97-AF65-F5344CB8AC3E}">
+        <p14:creationId xmlns:p14="http://schemas.microsoft.com/office/powerpoint/2010/main" val="2390032889"/>
+      </p:ext>
+    </p:extLst>
   </p:cSld>
   <p:clrMapOvr>
     <a:masterClrMapping/>
@@ -4700,7 +5063,7 @@
           </a:ln>
           <a:extLst>
             <a:ext uri="{C572A759-6A51-4108-AA02-DFA0A04FC94B}">
-              <ma14:wrappingTextBoxFlag xmlns:ma14="http://schemas.microsoft.com/office/mac/drawingml/2011/main" xmlns="" val="1"/>
+              <ma14:wrappingTextBoxFlag xmlns="" xmlns:ma14="http://schemas.microsoft.com/office/mac/drawingml/2011/main" val="1"/>
             </a:ext>
           </a:extLst>
         </p:spPr>
@@ -4733,7 +5096,7 @@
         <p:spPr>
           <a:xfrm>
             <a:off x="205025" y="1083299"/>
-            <a:ext cx="8565600" cy="920086"/>
+            <a:ext cx="8565600" cy="517802"/>
           </a:xfrm>
           <a:prstGeom prst="rect">
             <a:avLst/>
@@ -4743,7 +5106,7 @@
           </a:ln>
           <a:extLst>
             <a:ext uri="{C572A759-6A51-4108-AA02-DFA0A04FC94B}">
-              <ma14:wrappingTextBoxFlag xmlns:ma14="http://schemas.microsoft.com/office/mac/drawingml/2011/main" xmlns="" val="1"/>
+              <ma14:wrappingTextBoxFlag xmlns="" xmlns:ma14="http://schemas.microsoft.com/office/mac/drawingml/2011/main" val="1"/>
             </a:ext>
           </a:extLst>
         </p:spPr>
@@ -4765,160 +5128,10 @@
             </a:lvl1pPr>
           </a:lstStyle>
           <a:p>
-            <a:r>
-              <a:t>Place headline insight or information here. This should be the most important point for this slide.</a:t>
-            </a:r>
+            <a:endParaRPr dirty="0"/>
           </a:p>
         </p:txBody>
       </p:sp>
-      <p:sp>
-        <p:nvSpPr>
-          <p:cNvPr id="151" name="Shape 100"/>
-          <p:cNvSpPr/>
-          <p:nvPr/>
-        </p:nvSpPr>
-        <p:spPr>
-          <a:xfrm>
-            <a:off x="205025" y="2164724"/>
-            <a:ext cx="4134600" cy="436851"/>
-          </a:xfrm>
-          <a:prstGeom prst="rect">
-            <a:avLst/>
-          </a:prstGeom>
-          <a:ln w="12700">
-            <a:miter lim="400000"/>
-          </a:ln>
-          <a:extLst>
-            <a:ext uri="{C572A759-6A51-4108-AA02-DFA0A04FC94B}">
-              <ma14:wrappingTextBoxFlag xmlns:ma14="http://schemas.microsoft.com/office/mac/drawingml/2011/main" xmlns="" val="1"/>
-            </a:ext>
-          </a:extLst>
-        </p:spPr>
-        <p:txBody>
-          <a:bodyPr lIns="91424" tIns="91424" rIns="91424" bIns="91424">
-            <a:spAutoFit/>
-          </a:bodyPr>
-          <a:lstStyle>
-            <a:lvl1pPr>
-              <a:lnSpc>
-                <a:spcPct val="115000"/>
-              </a:lnSpc>
-              <a:defRPr sz="1500">
-                <a:latin typeface="Open Sans"/>
-                <a:ea typeface="Open Sans"/>
-                <a:cs typeface="Open Sans"/>
-                <a:sym typeface="Open Sans"/>
-              </a:defRPr>
-            </a:lvl1pPr>
-          </a:lstStyle>
-          <a:p>
-            <a:r>
-              <a:t>Place any information about this point here.</a:t>
-            </a:r>
-          </a:p>
-        </p:txBody>
-      </p:sp>
-      <p:grpSp>
-        <p:nvGrpSpPr>
-          <p:cNvPr id="154" name="Shape 101"/>
-          <p:cNvGrpSpPr/>
-          <p:nvPr/>
-        </p:nvGrpSpPr>
-        <p:grpSpPr>
-          <a:xfrm>
-            <a:off x="4969974" y="2164724"/>
-            <a:ext cx="3800702" cy="2649302"/>
-            <a:chOff x="0" y="0"/>
-            <a:chExt cx="3800700" cy="2649300"/>
-          </a:xfrm>
-        </p:grpSpPr>
-        <p:sp>
-          <p:nvSpPr>
-            <p:cNvPr id="152" name="Rectangle"/>
-            <p:cNvSpPr/>
-            <p:nvPr/>
-          </p:nvSpPr>
-          <p:spPr>
-            <a:xfrm>
-              <a:off x="-1" y="-1"/>
-              <a:ext cx="3800702" cy="2649302"/>
-            </a:xfrm>
-            <a:prstGeom prst="rect">
-              <a:avLst/>
-            </a:prstGeom>
-            <a:solidFill>
-              <a:srgbClr val="EEEEEE"/>
-            </a:solidFill>
-            <a:ln w="12700" cap="flat">
-              <a:noFill/>
-              <a:miter lim="400000"/>
-            </a:ln>
-            <a:effectLst/>
-          </p:spPr>
-          <p:txBody>
-            <a:bodyPr wrap="square" lIns="45719" tIns="45719" rIns="45719" bIns="45719" numCol="1" anchor="ctr">
-              <a:noAutofit/>
-            </a:bodyPr>
-            <a:lstStyle/>
-            <a:p>
-              <a:pPr algn="ctr">
-                <a:defRPr>
-                  <a:solidFill>
-                    <a:srgbClr val="666666"/>
-                  </a:solidFill>
-                </a:defRPr>
-              </a:pPr>
-              <a:endParaRPr/>
-            </a:p>
-          </p:txBody>
-        </p:sp>
-        <p:sp>
-          <p:nvSpPr>
-            <p:cNvPr id="153" name="Place any supporting images, graphs, data or extra text here."/>
-            <p:cNvSpPr/>
-            <p:nvPr/>
-          </p:nvSpPr>
-          <p:spPr>
-            <a:xfrm>
-              <a:off x="-1" y="1032933"/>
-              <a:ext cx="3800702" cy="583434"/>
-            </a:xfrm>
-            <a:prstGeom prst="rect">
-              <a:avLst/>
-            </a:prstGeom>
-            <a:noFill/>
-            <a:ln w="12700" cap="flat">
-              <a:noFill/>
-              <a:miter lim="400000"/>
-            </a:ln>
-            <a:effectLst/>
-            <a:extLst>
-              <a:ext uri="{C572A759-6A51-4108-AA02-DFA0A04FC94B}">
-                <ma14:wrappingTextBoxFlag xmlns:ma14="http://schemas.microsoft.com/office/mac/drawingml/2011/main" xmlns="" val="1"/>
-              </a:ext>
-            </a:extLst>
-          </p:spPr>
-          <p:txBody>
-            <a:bodyPr wrap="square" lIns="91424" tIns="91424" rIns="91424" bIns="91424" numCol="1" anchor="ctr">
-              <a:spAutoFit/>
-            </a:bodyPr>
-            <a:lstStyle>
-              <a:lvl1pPr algn="ctr">
-                <a:defRPr>
-                  <a:solidFill>
-                    <a:srgbClr val="666666"/>
-                  </a:solidFill>
-                </a:defRPr>
-              </a:lvl1pPr>
-            </a:lstStyle>
-            <a:p>
-              <a:r>
-                <a:t>Place any supporting images, graphs, data or extra text here.</a:t>
-              </a:r>
-            </a:p>
-          </p:txBody>
-        </p:sp>
-      </p:grpSp>
       <p:sp>
         <p:nvSpPr>
           <p:cNvPr id="155" name="Note: The data and information in this document is reflective of a hypothetical situation and client. This document is to be used for KPMG Virtual Internship purposes only."/>
@@ -4941,7 +5154,7 @@
           </a:ln>
           <a:extLst>
             <a:ext uri="{C572A759-6A51-4108-AA02-DFA0A04FC94B}">
-              <ma14:wrappingTextBoxFlag xmlns:ma14="http://schemas.microsoft.com/office/mac/drawingml/2011/main" xmlns="" val="1"/>
+              <ma14:wrappingTextBoxFlag xmlns="" xmlns:ma14="http://schemas.microsoft.com/office/mac/drawingml/2011/main" val="1"/>
             </a:ext>
           </a:extLst>
         </p:spPr>
@@ -4967,116 +5180,22 @@
           </a:p>
         </p:txBody>
       </p:sp>
-    </p:spTree>
-  </p:cSld>
-  <p:clrMapOvr>
-    <a:masterClrMapping/>
-  </p:clrMapOvr>
-  <p:transition spd="med"/>
-</p:sld>
-</file>
-
-<file path=ppt/slides/slide7.xml><?xml version="1.0" encoding="utf-8"?>
-<p:sld xmlns:a="http://schemas.openxmlformats.org/drawingml/2006/main" xmlns:r="http://schemas.openxmlformats.org/officeDocument/2006/relationships" xmlns:p="http://schemas.openxmlformats.org/presentationml/2006/main">
-  <p:cSld>
-    <p:spTree>
-      <p:nvGrpSpPr>
-        <p:cNvPr id="1" name=""/>
-        <p:cNvGrpSpPr/>
-        <p:nvPr/>
-      </p:nvGrpSpPr>
-      <p:grpSpPr>
-        <a:xfrm>
-          <a:off x="0" y="0"/>
-          <a:ext cx="0" cy="0"/>
-          <a:chOff x="0" y="0"/>
-          <a:chExt cx="0" cy="0"/>
-        </a:xfrm>
-      </p:grpSpPr>
       <p:sp>
         <p:nvSpPr>
-          <p:cNvPr id="157" name="Shape 106"/>
-          <p:cNvSpPr/>
-          <p:nvPr/>
-        </p:nvSpPr>
-        <p:spPr>
-          <a:xfrm rot="10800000" flipH="1">
-            <a:off x="-1" y="0"/>
-            <a:ext cx="9163201" cy="5148001"/>
-          </a:xfrm>
-          <a:custGeom>
-            <a:avLst/>
-            <a:gdLst/>
-            <a:ahLst/>
-            <a:cxnLst>
-              <a:cxn ang="0">
-                <a:pos x="wd2" y="hd2"/>
-              </a:cxn>
-              <a:cxn ang="5400000">
-                <a:pos x="wd2" y="hd2"/>
-              </a:cxn>
-              <a:cxn ang="10800000">
-                <a:pos x="wd2" y="hd2"/>
-              </a:cxn>
-              <a:cxn ang="16200000">
-                <a:pos x="wd2" y="hd2"/>
-              </a:cxn>
-            </a:cxnLst>
-            <a:rect l="0" t="0" r="r" b="b"/>
-            <a:pathLst>
-              <a:path w="21600" h="21600" extrusionOk="0">
-                <a:moveTo>
-                  <a:pt x="0" y="0"/>
-                </a:moveTo>
-                <a:lnTo>
-                  <a:pt x="16564" y="0"/>
-                </a:lnTo>
-                <a:lnTo>
-                  <a:pt x="21600" y="8964"/>
-                </a:lnTo>
-                <a:lnTo>
-                  <a:pt x="21600" y="21600"/>
-                </a:lnTo>
-                <a:lnTo>
-                  <a:pt x="0" y="21600"/>
-                </a:lnTo>
-                <a:close/>
-              </a:path>
-            </a:pathLst>
-          </a:custGeom>
-          <a:gradFill>
-            <a:gsLst>
-              <a:gs pos="0">
-                <a:srgbClr val="1077D2"/>
-              </a:gs>
-              <a:gs pos="100000">
-                <a:srgbClr val="093153"/>
-              </a:gs>
-            </a:gsLst>
-            <a:lin ang="12000143"/>
-          </a:gradFill>
-          <a:ln w="12700">
-            <a:miter lim="400000"/>
-          </a:ln>
-        </p:spPr>
-        <p:txBody>
-          <a:bodyPr lIns="45719" rIns="45719" anchor="ctr"/>
-          <a:lstStyle/>
-          <a:p>
-            <a:endParaRPr/>
-          </a:p>
-        </p:txBody>
-      </p:sp>
-      <p:sp>
-        <p:nvSpPr>
-          <p:cNvPr id="158" name="Shape 107"/>
+          <p:cNvPr id="10" name="Shape 81">
+            <a:extLst>
+              <a:ext uri="{FF2B5EF4-FFF2-40B4-BE49-F238E27FC236}">
+                <a16:creationId xmlns:a16="http://schemas.microsoft.com/office/drawing/2014/main" id="{44868D6A-1830-2B42-B613-C5F31554DB74}"/>
+              </a:ext>
+            </a:extLst>
+          </p:cNvPr>
           <p:cNvSpPr/>
           <p:nvPr/>
         </p:nvSpPr>
         <p:spPr>
           <a:xfrm>
-            <a:off x="537899" y="1895175"/>
-            <a:ext cx="3953102" cy="779751"/>
+            <a:off x="205025" y="1083299"/>
+            <a:ext cx="8565600" cy="871745"/>
           </a:xfrm>
           <a:prstGeom prst="rect">
             <a:avLst/>
@@ -5086,208 +5205,7 @@
           </a:ln>
           <a:extLst>
             <a:ext uri="{C572A759-6A51-4108-AA02-DFA0A04FC94B}">
-              <ma14:wrappingTextBoxFlag xmlns:ma14="http://schemas.microsoft.com/office/mac/drawingml/2011/main" xmlns="" val="1"/>
-            </a:ext>
-          </a:extLst>
-        </p:spPr>
-        <p:txBody>
-          <a:bodyPr lIns="91424" tIns="91424" rIns="91424" bIns="91424">
-            <a:spAutoFit/>
-          </a:bodyPr>
-          <a:lstStyle>
-            <a:lvl1pPr>
-              <a:defRPr sz="3500">
-                <a:solidFill>
-                  <a:srgbClr val="FFFFFF"/>
-                </a:solidFill>
-                <a:latin typeface="Open Sans Extrabold"/>
-                <a:ea typeface="Open Sans Extrabold"/>
-                <a:cs typeface="Open Sans Extrabold"/>
-                <a:sym typeface="Open Sans Extrabold"/>
-              </a:defRPr>
-            </a:lvl1pPr>
-          </a:lstStyle>
-          <a:p>
-            <a:r>
-              <a:t>Appendix</a:t>
-            </a:r>
-          </a:p>
-        </p:txBody>
-      </p:sp>
-      <p:sp>
-        <p:nvSpPr>
-          <p:cNvPr id="159" name="Note: The data and information in this document is reflective of a hypothetical situation and client. This document is to be used for KPMG Virtual Internship purposes only."/>
-          <p:cNvSpPr/>
-          <p:nvPr/>
-        </p:nvSpPr>
-        <p:spPr>
-          <a:xfrm>
-            <a:off x="-6201" y="-6350"/>
-            <a:ext cx="9175601" cy="238700"/>
-          </a:xfrm>
-          <a:prstGeom prst="rect">
-            <a:avLst/>
-          </a:prstGeom>
-          <a:solidFill>
-            <a:schemeClr val="accent3"/>
-          </a:solidFill>
-          <a:ln w="12700">
-            <a:miter lim="400000"/>
-          </a:ln>
-          <a:extLst>
-            <a:ext uri="{C572A759-6A51-4108-AA02-DFA0A04FC94B}">
-              <ma14:wrappingTextBoxFlag xmlns:ma14="http://schemas.microsoft.com/office/mac/drawingml/2011/main" xmlns="" val="1"/>
-            </a:ext>
-          </a:extLst>
-        </p:spPr>
-        <p:txBody>
-          <a:bodyPr lIns="45719" rIns="45719" anchor="ctr"/>
-          <a:lstStyle/>
-          <a:p>
-            <a:pPr defTabSz="457200">
-              <a:defRPr sz="500" b="1">
-                <a:latin typeface="Calibri"/>
-                <a:ea typeface="Calibri"/>
-                <a:cs typeface="Calibri"/>
-                <a:sym typeface="Calibri"/>
-              </a:defRPr>
-            </a:pPr>
-            <a:r>
-              <a:t>       Note: </a:t>
-            </a:r>
-            <a:r>
-              <a:rPr b="0"/>
-              <a:t>The data and information in this document is reflective of a hypothetical situation and client. This document is to be used for KPMG Virtual Internship purposes only. </a:t>
-            </a:r>
-          </a:p>
-        </p:txBody>
-      </p:sp>
-    </p:spTree>
-  </p:cSld>
-  <p:clrMapOvr>
-    <a:masterClrMapping/>
-  </p:clrMapOvr>
-  <p:transition spd="med"/>
-</p:sld>
-</file>
-
-<file path=ppt/slides/slide8.xml><?xml version="1.0" encoding="utf-8"?>
-<p:sld xmlns:a="http://schemas.openxmlformats.org/drawingml/2006/main" xmlns:r="http://schemas.openxmlformats.org/officeDocument/2006/relationships" xmlns:p="http://schemas.openxmlformats.org/presentationml/2006/main">
-  <p:cSld>
-    <p:spTree>
-      <p:nvGrpSpPr>
-        <p:cNvPr id="1" name=""/>
-        <p:cNvGrpSpPr/>
-        <p:nvPr/>
-      </p:nvGrpSpPr>
-      <p:grpSpPr>
-        <a:xfrm>
-          <a:off x="0" y="0"/>
-          <a:ext cx="0" cy="0"/>
-          <a:chOff x="0" y="0"/>
-          <a:chExt cx="0" cy="0"/>
-        </a:xfrm>
-      </p:grpSpPr>
-      <p:sp>
-        <p:nvSpPr>
-          <p:cNvPr id="161" name="Shape 113"/>
-          <p:cNvSpPr/>
-          <p:nvPr/>
-        </p:nvSpPr>
-        <p:spPr>
-          <a:xfrm>
-            <a:off x="-15501" y="-19475"/>
-            <a:ext cx="9191402" cy="840000"/>
-          </a:xfrm>
-          <a:prstGeom prst="rect">
-            <a:avLst/>
-          </a:prstGeom>
-          <a:gradFill>
-            <a:gsLst>
-              <a:gs pos="0">
-                <a:srgbClr val="1077D2"/>
-              </a:gs>
-              <a:gs pos="100000">
-                <a:srgbClr val="093153"/>
-              </a:gs>
-            </a:gsLst>
-            <a:lin ang="12000143"/>
-          </a:gradFill>
-          <a:ln w="12700">
-            <a:miter lim="400000"/>
-          </a:ln>
-        </p:spPr>
-        <p:txBody>
-          <a:bodyPr lIns="45719" rIns="45719" anchor="ctr"/>
-          <a:lstStyle/>
-          <a:p>
-            <a:endParaRPr/>
-          </a:p>
-        </p:txBody>
-      </p:sp>
-      <p:sp>
-        <p:nvSpPr>
-          <p:cNvPr id="162" name="Shape 114"/>
-          <p:cNvSpPr/>
-          <p:nvPr/>
-        </p:nvSpPr>
-        <p:spPr>
-          <a:xfrm>
-            <a:off x="205025" y="263974"/>
-            <a:ext cx="8565600" cy="758742"/>
-          </a:xfrm>
-          <a:prstGeom prst="rect">
-            <a:avLst/>
-          </a:prstGeom>
-          <a:ln w="12700">
-            <a:miter lim="400000"/>
-          </a:ln>
-          <a:extLst>
-            <a:ext uri="{C572A759-6A51-4108-AA02-DFA0A04FC94B}">
-              <ma14:wrappingTextBoxFlag xmlns:ma14="http://schemas.microsoft.com/office/mac/drawingml/2011/main" xmlns="" val="1"/>
-            </a:ext>
-          </a:extLst>
-        </p:spPr>
-        <p:txBody>
-          <a:bodyPr lIns="91424" tIns="91424" rIns="91424" bIns="91424">
-            <a:spAutoFit/>
-          </a:bodyPr>
-          <a:lstStyle>
-            <a:lvl1pPr>
-              <a:defRPr sz="2000" b="1">
-                <a:solidFill>
-                  <a:srgbClr val="FFFFFF"/>
-                </a:solidFill>
-              </a:defRPr>
-            </a:lvl1pPr>
-          </a:lstStyle>
-          <a:p>
-            <a:r>
-              <a:t>Appendix</a:t>
-            </a:r>
-          </a:p>
-        </p:txBody>
-      </p:sp>
-      <p:sp>
-        <p:nvSpPr>
-          <p:cNvPr id="163" name="Shape 115"/>
-          <p:cNvSpPr/>
-          <p:nvPr/>
-        </p:nvSpPr>
-        <p:spPr>
-          <a:xfrm>
-            <a:off x="205025" y="1083299"/>
-            <a:ext cx="8565600" cy="920086"/>
-          </a:xfrm>
-          <a:prstGeom prst="rect">
-            <a:avLst/>
-          </a:prstGeom>
-          <a:ln w="12700">
-            <a:miter lim="400000"/>
-          </a:ln>
-          <a:extLst>
-            <a:ext uri="{C572A759-6A51-4108-AA02-DFA0A04FC94B}">
-              <ma14:wrappingTextBoxFlag xmlns:ma14="http://schemas.microsoft.com/office/mac/drawingml/2011/main" xmlns="" val="1"/>
+              <ma14:wrappingTextBoxFlag xmlns="" xmlns:ma14="http://schemas.microsoft.com/office/mac/drawingml/2011/main" val="1"/>
             </a:ext>
           </a:extLst>
         </p:spPr>
@@ -5310,59 +5228,269 @@
           </a:lstStyle>
           <a:p>
             <a:r>
-              <a:t>This is an optional slide where you may place any supporting items.</a:t>
-            </a:r>
+              <a:rPr lang="en-US" dirty="0"/>
+              <a:t>Utilize the Segmentation, Targeting and Positioning (STP) marketing strategies to interpret the customer behavior and market trends</a:t>
+            </a:r>
+            <a:endParaRPr dirty="0"/>
           </a:p>
         </p:txBody>
       </p:sp>
-      <p:sp>
-        <p:nvSpPr>
-          <p:cNvPr id="164" name="Note: The data and information in this document is reflective of a hypothetical situation and client. This document is to be used for KPMG Virtual Internship purposes only."/>
-          <p:cNvSpPr/>
+      <p:pic>
+        <p:nvPicPr>
+          <p:cNvPr id="3" name="Picture 2">
+            <a:extLst>
+              <a:ext uri="{FF2B5EF4-FFF2-40B4-BE49-F238E27FC236}">
+                <a16:creationId xmlns:a16="http://schemas.microsoft.com/office/drawing/2014/main" id="{5C885FD0-22FA-6148-9BF1-756A4C122AB9}"/>
+              </a:ext>
+            </a:extLst>
+          </p:cNvPr>
+          <p:cNvPicPr>
+            <a:picLocks noChangeAspect="1"/>
+          </p:cNvPicPr>
           <p:nvPr/>
-        </p:nvSpPr>
+        </p:nvPicPr>
+        <p:blipFill>
+          <a:blip r:embed="rId2">
+            <a:extLst>
+              <a:ext uri="{28A0092B-C50C-407E-A947-70E740481C1C}">
+                <a14:useLocalDpi xmlns:a14="http://schemas.microsoft.com/office/drawing/2010/main" val="0"/>
+              </a:ext>
+            </a:extLst>
+          </a:blip>
+          <a:stretch>
+            <a:fillRect/>
+          </a:stretch>
+        </p:blipFill>
         <p:spPr>
           <a:xfrm>
-            <a:off x="-6201" y="-6350"/>
-            <a:ext cx="9175601" cy="238700"/>
+            <a:off x="4963028" y="2091193"/>
+            <a:ext cx="3990476" cy="1771174"/>
           </a:xfrm>
           <a:prstGeom prst="rect">
             <a:avLst/>
           </a:prstGeom>
-          <a:solidFill>
-            <a:schemeClr val="accent3"/>
-          </a:solidFill>
-          <a:ln w="12700">
-            <a:miter lim="400000"/>
-          </a:ln>
-          <a:extLst>
-            <a:ext uri="{C572A759-6A51-4108-AA02-DFA0A04FC94B}">
-              <ma14:wrappingTextBoxFlag xmlns:ma14="http://schemas.microsoft.com/office/mac/drawingml/2011/main" xmlns="" val="1"/>
-            </a:ext>
-          </a:extLst>
         </p:spPr>
-        <p:txBody>
-          <a:bodyPr lIns="45719" rIns="45719" anchor="ctr"/>
-          <a:lstStyle/>
-          <a:p>
-            <a:pPr defTabSz="457200">
-              <a:defRPr sz="500" b="1">
-                <a:latin typeface="Calibri"/>
-                <a:ea typeface="Calibri"/>
-                <a:cs typeface="Calibri"/>
-                <a:sym typeface="Calibri"/>
-              </a:defRPr>
-            </a:pPr>
-            <a:r>
-              <a:t>       Note: </a:t>
-            </a:r>
-            <a:r>
-              <a:rPr b="0"/>
-              <a:t>The data and information in this document is reflective of a hypothetical situation and client. This document is to be used for KPMG Virtual Internship purposes only. </a:t>
-            </a:r>
-          </a:p>
-        </p:txBody>
-      </p:sp>
+      </p:pic>
+      <p:graphicFrame>
+        <p:nvGraphicFramePr>
+          <p:cNvPr id="13" name="Table 12">
+            <a:extLst>
+              <a:ext uri="{FF2B5EF4-FFF2-40B4-BE49-F238E27FC236}">
+                <a16:creationId xmlns:a16="http://schemas.microsoft.com/office/drawing/2014/main" id="{556A2CC1-D7F6-A845-A530-77F587E1BC15}"/>
+              </a:ext>
+            </a:extLst>
+          </p:cNvPr>
+          <p:cNvGraphicFramePr>
+            <a:graphicFrameLocks noGrp="1"/>
+          </p:cNvGraphicFramePr>
+          <p:nvPr>
+            <p:extLst>
+              <p:ext uri="{D42A27DB-BD31-4B8C-83A1-F6EECF244321}">
+                <p14:modId xmlns:p14="http://schemas.microsoft.com/office/powerpoint/2010/main" val="1258916836"/>
+              </p:ext>
+            </p:extLst>
+          </p:nvPr>
+        </p:nvGraphicFramePr>
+        <p:xfrm>
+          <a:off x="205025" y="2091193"/>
+          <a:ext cx="4575124" cy="2728968"/>
+        </p:xfrm>
+        <a:graphic>
+          <a:graphicData uri="http://schemas.openxmlformats.org/drawingml/2006/table">
+            <a:tbl>
+              <a:tblPr firstRow="1" bandRow="1">
+                <a:tableStyleId>{BDBED569-4797-4DF1-A0F4-6AAB3CD982D8}</a:tableStyleId>
+              </a:tblPr>
+              <a:tblGrid>
+                <a:gridCol w="1051281">
+                  <a:extLst>
+                    <a:ext uri="{9D8B030D-6E8A-4147-A177-3AD203B41FA5}">
+                      <a16:colId xmlns:a16="http://schemas.microsoft.com/office/drawing/2014/main" val="754502253"/>
+                    </a:ext>
+                  </a:extLst>
+                </a:gridCol>
+                <a:gridCol w="3523843">
+                  <a:extLst>
+                    <a:ext uri="{9D8B030D-6E8A-4147-A177-3AD203B41FA5}">
+                      <a16:colId xmlns:a16="http://schemas.microsoft.com/office/drawing/2014/main" val="623807471"/>
+                    </a:ext>
+                  </a:extLst>
+                </a:gridCol>
+              </a:tblGrid>
+              <a:tr h="779228">
+                <a:tc>
+                  <a:txBody>
+                    <a:bodyPr/>
+                    <a:lstStyle/>
+                    <a:p>
+                      <a:pPr algn="l"/>
+                      <a:r>
+                        <a:rPr lang="en-US" b="0" dirty="0"/>
+                        <a:t>Segmentation</a:t>
+                      </a:r>
+                    </a:p>
+                  </a:txBody>
+                  <a:tcPr/>
+                </a:tc>
+                <a:tc>
+                  <a:txBody>
+                    <a:bodyPr/>
+                    <a:lstStyle/>
+                    <a:p>
+                      <a:pPr marL="228600" marR="0" lvl="0" indent="-228600" algn="l" defTabSz="914400" rtl="0" eaLnBrk="1" fontAlgn="auto" latinLnBrk="0" hangingPunct="1">
+                        <a:lnSpc>
+                          <a:spcPct val="100000"/>
+                        </a:lnSpc>
+                        <a:spcBef>
+                          <a:spcPts val="0"/>
+                        </a:spcBef>
+                        <a:spcAft>
+                          <a:spcPts val="0"/>
+                        </a:spcAft>
+                        <a:buClrTx/>
+                        <a:buSzTx/>
+                        <a:buFont typeface="Arial" panose="020B0604020202020204" pitchFamily="34" charset="0"/>
+                        <a:buChar char="•"/>
+                        <a:tabLst/>
+                        <a:defRPr/>
+                      </a:pPr>
+                      <a:r>
+                        <a:rPr lang="en-US" sz="1000" b="0" dirty="0"/>
+                        <a:t>Identify the significant features that affect the market.</a:t>
+                      </a:r>
+                    </a:p>
+                    <a:p>
+                      <a:pPr marL="228600" marR="0" lvl="0" indent="-228600" algn="l" defTabSz="914400" rtl="0" eaLnBrk="1" fontAlgn="auto" latinLnBrk="0" hangingPunct="1">
+                        <a:lnSpc>
+                          <a:spcPct val="100000"/>
+                        </a:lnSpc>
+                        <a:spcBef>
+                          <a:spcPts val="0"/>
+                        </a:spcBef>
+                        <a:spcAft>
+                          <a:spcPts val="0"/>
+                        </a:spcAft>
+                        <a:buClrTx/>
+                        <a:buSzTx/>
+                        <a:buFont typeface="Arial" panose="020B0604020202020204" pitchFamily="34" charset="0"/>
+                        <a:buChar char="•"/>
+                        <a:tabLst/>
+                        <a:defRPr/>
+                      </a:pPr>
+                      <a:r>
+                        <a:rPr lang="en-US" sz="1000" b="0" dirty="0"/>
+                        <a:t>Determine who is our customer and why does the customer buy.</a:t>
+                      </a:r>
+                    </a:p>
+                  </a:txBody>
+                  <a:tcPr/>
+                </a:tc>
+                <a:extLst>
+                  <a:ext uri="{0D108BD9-81ED-4DB2-BD59-A6C34878D82A}">
+                    <a16:rowId xmlns:a16="http://schemas.microsoft.com/office/drawing/2014/main" val="1047935565"/>
+                  </a:ext>
+                </a:extLst>
+              </a:tr>
+              <a:tr h="1000477">
+                <a:tc>
+                  <a:txBody>
+                    <a:bodyPr/>
+                    <a:lstStyle/>
+                    <a:p>
+                      <a:pPr algn="l"/>
+                      <a:r>
+                        <a:rPr lang="en-US" dirty="0"/>
+                        <a:t>Targeting</a:t>
+                      </a:r>
+                    </a:p>
+                  </a:txBody>
+                  <a:tcPr/>
+                </a:tc>
+                <a:tc>
+                  <a:txBody>
+                    <a:bodyPr/>
+                    <a:lstStyle/>
+                    <a:p>
+                      <a:pPr marL="228600" indent="-228600" algn="l">
+                        <a:buFont typeface="Arial" panose="020B0604020202020204" pitchFamily="34" charset="0"/>
+                        <a:buChar char="•"/>
+                      </a:pPr>
+                      <a:r>
+                        <a:rPr lang="en-US" dirty="0"/>
+                        <a:t>Locate the segments which can provide significant boost in the market.</a:t>
+                      </a:r>
+                    </a:p>
+                    <a:p>
+                      <a:pPr marL="228600" indent="-228600" algn="l">
+                        <a:buFont typeface="Arial" panose="020B0604020202020204" pitchFamily="34" charset="0"/>
+                        <a:buChar char="•"/>
+                      </a:pPr>
+                      <a:r>
+                        <a:rPr lang="en-US" dirty="0"/>
+                        <a:t>Pinpoint the cluster which has the highest sales over the past three years.</a:t>
+                      </a:r>
+                    </a:p>
+                  </a:txBody>
+                  <a:tcPr/>
+                </a:tc>
+                <a:extLst>
+                  <a:ext uri="{0D108BD9-81ED-4DB2-BD59-A6C34878D82A}">
+                    <a16:rowId xmlns:a16="http://schemas.microsoft.com/office/drawing/2014/main" val="2862076871"/>
+                  </a:ext>
+                </a:extLst>
+              </a:tr>
+              <a:tr h="949263">
+                <a:tc>
+                  <a:txBody>
+                    <a:bodyPr/>
+                    <a:lstStyle/>
+                    <a:p>
+                      <a:pPr algn="l"/>
+                      <a:r>
+                        <a:rPr lang="en-US" dirty="0"/>
+                        <a:t>Positioning</a:t>
+                      </a:r>
+                    </a:p>
+                  </a:txBody>
+                  <a:tcPr/>
+                </a:tc>
+                <a:tc>
+                  <a:txBody>
+                    <a:bodyPr/>
+                    <a:lstStyle/>
+                    <a:p>
+                      <a:pPr marL="228600" indent="-228600" algn="l">
+                        <a:buFont typeface="Arial" panose="020B0604020202020204" pitchFamily="34" charset="0"/>
+                        <a:buChar char="•"/>
+                      </a:pPr>
+                      <a:r>
+                        <a:rPr lang="en-US" dirty="0"/>
+                        <a:t>Estimate the profits of each segment.</a:t>
+                      </a:r>
+                    </a:p>
+                    <a:p>
+                      <a:pPr marL="228600" indent="-228600" algn="l">
+                        <a:buFont typeface="Arial" panose="020B0604020202020204" pitchFamily="34" charset="0"/>
+                        <a:buChar char="•"/>
+                      </a:pPr>
+                      <a:r>
+                        <a:rPr lang="en-US" dirty="0"/>
+                        <a:t>Rank each customer based on the amount willing to spend in the future.</a:t>
+                      </a:r>
+                    </a:p>
+                  </a:txBody>
+                  <a:tcPr/>
+                </a:tc>
+                <a:extLst>
+                  <a:ext uri="{0D108BD9-81ED-4DB2-BD59-A6C34878D82A}">
+                    <a16:rowId xmlns:a16="http://schemas.microsoft.com/office/drawing/2014/main" val="2460867966"/>
+                  </a:ext>
+                </a:extLst>
+              </a:tr>
+            </a:tbl>
+          </a:graphicData>
+        </a:graphic>
+      </p:graphicFrame>
     </p:spTree>
   </p:cSld>
   <p:clrMapOvr>
